--- a/Austin, TX Ride Share.pptx
+++ b/Austin, TX Ride Share.pptx
@@ -5,20 +5,21 @@
     <p:sldMasterId id="2147483648" r:id="rId4"/>
   </p:sldMasterIdLst>
   <p:notesMasterIdLst>
-    <p:notesMasterId r:id="rId13"/>
+    <p:notesMasterId r:id="rId14"/>
   </p:notesMasterIdLst>
   <p:handoutMasterIdLst>
-    <p:handoutMasterId r:id="rId14"/>
+    <p:handoutMasterId r:id="rId15"/>
   </p:handoutMasterIdLst>
   <p:sldIdLst>
     <p:sldId id="256" r:id="rId5"/>
-    <p:sldId id="287" r:id="rId6"/>
-    <p:sldId id="286" r:id="rId7"/>
-    <p:sldId id="277" r:id="rId8"/>
-    <p:sldId id="278" r:id="rId9"/>
-    <p:sldId id="279" r:id="rId10"/>
+    <p:sldId id="288" r:id="rId6"/>
+    <p:sldId id="287" r:id="rId7"/>
+    <p:sldId id="286" r:id="rId8"/>
+    <p:sldId id="277" r:id="rId9"/>
+    <p:sldId id="278" r:id="rId10"/>
     <p:sldId id="280" r:id="rId11"/>
-    <p:sldId id="285" r:id="rId12"/>
+    <p:sldId id="279" r:id="rId12"/>
+    <p:sldId id="285" r:id="rId13"/>
   </p:sldIdLst>
   <p:sldSz cx="12192000" cy="6858000"/>
   <p:notesSz cx="6858000" cy="9144000"/>
@@ -160,7 +161,7 @@
 </file>
 
 <file path=ppt/charts/chart1.xml><?xml version="1.0" encoding="utf-8"?>
-<c:chartSpace xmlns:c="http://schemas.openxmlformats.org/drawingml/2006/chart" xmlns:a="http://schemas.openxmlformats.org/drawingml/2006/main" xmlns:r="http://schemas.openxmlformats.org/officeDocument/2006/relationships" xmlns:c16r2="http://schemas.microsoft.com/office/drawing/2015/06/chart">
+<c:chartSpace xmlns:c="http://schemas.openxmlformats.org/drawingml/2006/chart" xmlns:a="http://schemas.openxmlformats.org/drawingml/2006/main" xmlns:r="http://schemas.openxmlformats.org/officeDocument/2006/relationships">
   <c:date1904 val="0"/>
   <c:lang val="en-US"/>
   <c:roundedCorners val="0"/>
@@ -174,6 +175,7 @@
   </mc:AlternateContent>
   <c:chart>
     <c:title>
+      <c:layout/>
       <c:overlay val="0"/>
       <c:spPr>
         <a:noFill/>
@@ -258,7 +260,7 @@
           <c:showSerName val="0"/>
           <c:showPercent val="0"/>
           <c:showBubbleSize val="0"/>
-          <c:extLst>
+          <c:extLst xmlns:c16r2="http://schemas.microsoft.com/office/drawing/2015/06/chart">
             <c:ext xmlns:c15="http://schemas.microsoft.com/office/drawing/2012/chart" uri="{CE6537A1-D6FC-4f65-9D91-7224C49458BB}"/>
           </c:extLst>
         </c:dLbl>
@@ -316,7 +318,7 @@
           <c:showSerName val="0"/>
           <c:showPercent val="0"/>
           <c:showBubbleSize val="0"/>
-          <c:extLst>
+          <c:extLst xmlns:c16r2="http://schemas.microsoft.com/office/drawing/2015/06/chart">
             <c:ext xmlns:c15="http://schemas.microsoft.com/office/drawing/2012/chart" uri="{CE6537A1-D6FC-4f65-9D91-7224C49458BB}"/>
           </c:extLst>
         </c:dLbl>
@@ -626,7 +628,7 @@
           <c:showSerName val="0"/>
           <c:showPercent val="0"/>
           <c:showBubbleSize val="0"/>
-          <c:extLst>
+          <c:extLst xmlns:c16r2="http://schemas.microsoft.com/office/drawing/2015/06/chart">
             <c:ext xmlns:c15="http://schemas.microsoft.com/office/drawing/2012/chart" uri="{CE6537A1-D6FC-4f65-9D91-7224C49458BB}"/>
           </c:extLst>
         </c:dLbl>
@@ -912,7 +914,7 @@
                 </a:outerShdw>
               </a:effectLst>
             </c:spPr>
-            <c:extLst>
+            <c:extLst xmlns:c16r2="http://schemas.microsoft.com/office/drawing/2015/06/chart">
               <c:ext xmlns:c16="http://schemas.microsoft.com/office/drawing/2014/chart" uri="{C3380CC4-5D6E-409C-BE32-E72D297353CC}">
                 <c16:uniqueId val="{00000001-8D02-4B8E-95FD-0E1A594B274C}"/>
               </c:ext>
@@ -936,7 +938,7 @@
                 </a:outerShdw>
               </a:effectLst>
             </c:spPr>
-            <c:extLst>
+            <c:extLst xmlns:c16r2="http://schemas.microsoft.com/office/drawing/2015/06/chart">
               <c:ext xmlns:c16="http://schemas.microsoft.com/office/drawing/2014/chart" uri="{C3380CC4-5D6E-409C-BE32-E72D297353CC}">
                 <c16:uniqueId val="{00000003-8D02-4B8E-95FD-0E1A594B274C}"/>
               </c:ext>
@@ -960,7 +962,7 @@
                 </a:outerShdw>
               </a:effectLst>
             </c:spPr>
-            <c:extLst>
+            <c:extLst xmlns:c16r2="http://schemas.microsoft.com/office/drawing/2015/06/chart">
               <c:ext xmlns:c16="http://schemas.microsoft.com/office/drawing/2014/chart" uri="{C3380CC4-5D6E-409C-BE32-E72D297353CC}">
                 <c16:uniqueId val="{00000005-8D02-4B8E-95FD-0E1A594B274C}"/>
               </c:ext>
@@ -984,7 +986,7 @@
                 </a:outerShdw>
               </a:effectLst>
             </c:spPr>
-            <c:extLst>
+            <c:extLst xmlns:c16r2="http://schemas.microsoft.com/office/drawing/2015/06/chart">
               <c:ext xmlns:c16="http://schemas.microsoft.com/office/drawing/2014/chart" uri="{C3380CC4-5D6E-409C-BE32-E72D297353CC}">
                 <c16:uniqueId val="{00000007-8D02-4B8E-95FD-0E1A594B274C}"/>
               </c:ext>
@@ -1008,7 +1010,7 @@
                 </a:outerShdw>
               </a:effectLst>
             </c:spPr>
-            <c:extLst>
+            <c:extLst xmlns:c16r2="http://schemas.microsoft.com/office/drawing/2015/06/chart">
               <c:ext xmlns:c16="http://schemas.microsoft.com/office/drawing/2014/chart" uri="{C3380CC4-5D6E-409C-BE32-E72D297353CC}">
                 <c16:uniqueId val="{00000009-8D02-4B8E-95FD-0E1A594B274C}"/>
               </c:ext>
@@ -1032,7 +1034,7 @@
                 </a:outerShdw>
               </a:effectLst>
             </c:spPr>
-            <c:extLst>
+            <c:extLst xmlns:c16r2="http://schemas.microsoft.com/office/drawing/2015/06/chart">
               <c:ext xmlns:c16="http://schemas.microsoft.com/office/drawing/2014/chart" uri="{C3380CC4-5D6E-409C-BE32-E72D297353CC}">
                 <c16:uniqueId val="{0000000B-8D02-4B8E-95FD-0E1A594B274C}"/>
               </c:ext>
@@ -1058,7 +1060,7 @@
                 </a:outerShdw>
               </a:effectLst>
             </c:spPr>
-            <c:extLst>
+            <c:extLst xmlns:c16r2="http://schemas.microsoft.com/office/drawing/2015/06/chart">
               <c:ext xmlns:c16="http://schemas.microsoft.com/office/drawing/2014/chart" uri="{C3380CC4-5D6E-409C-BE32-E72D297353CC}">
                 <c16:uniqueId val="{0000000D-8D02-4B8E-95FD-0E1A594B274C}"/>
               </c:ext>
@@ -1084,7 +1086,7 @@
                 </a:outerShdw>
               </a:effectLst>
             </c:spPr>
-            <c:extLst>
+            <c:extLst xmlns:c16r2="http://schemas.microsoft.com/office/drawing/2015/06/chart">
               <c:ext xmlns:c16="http://schemas.microsoft.com/office/drawing/2014/chart" uri="{C3380CC4-5D6E-409C-BE32-E72D297353CC}">
                 <c16:uniqueId val="{0000000F-8D02-4B8E-95FD-0E1A594B274C}"/>
               </c:ext>
@@ -1110,7 +1112,7 @@
                 </a:outerShdw>
               </a:effectLst>
             </c:spPr>
-            <c:extLst>
+            <c:extLst xmlns:c16r2="http://schemas.microsoft.com/office/drawing/2015/06/chart">
               <c:ext xmlns:c16="http://schemas.microsoft.com/office/drawing/2014/chart" uri="{C3380CC4-5D6E-409C-BE32-E72D297353CC}">
                 <c16:uniqueId val="{00000011-8D02-4B8E-95FD-0E1A594B274C}"/>
               </c:ext>
@@ -1136,7 +1138,7 @@
                 </a:outerShdw>
               </a:effectLst>
             </c:spPr>
-            <c:extLst>
+            <c:extLst xmlns:c16r2="http://schemas.microsoft.com/office/drawing/2015/06/chart">
               <c:ext xmlns:c16="http://schemas.microsoft.com/office/drawing/2014/chart" uri="{C3380CC4-5D6E-409C-BE32-E72D297353CC}">
                 <c16:uniqueId val="{00000013-8D02-4B8E-95FD-0E1A594B274C}"/>
               </c:ext>
@@ -1162,7 +1164,7 @@
                 </a:outerShdw>
               </a:effectLst>
             </c:spPr>
-            <c:extLst>
+            <c:extLst xmlns:c16r2="http://schemas.microsoft.com/office/drawing/2015/06/chart">
               <c:ext xmlns:c16="http://schemas.microsoft.com/office/drawing/2014/chart" uri="{C3380CC4-5D6E-409C-BE32-E72D297353CC}">
                 <c16:uniqueId val="{00000015-8D02-4B8E-95FD-0E1A594B274C}"/>
               </c:ext>
@@ -1188,7 +1190,7 @@
                 </a:outerShdw>
               </a:effectLst>
             </c:spPr>
-            <c:extLst>
+            <c:extLst xmlns:c16r2="http://schemas.microsoft.com/office/drawing/2015/06/chart">
               <c:ext xmlns:c16="http://schemas.microsoft.com/office/drawing/2014/chart" uri="{C3380CC4-5D6E-409C-BE32-E72D297353CC}">
                 <c16:uniqueId val="{00000017-8D02-4B8E-95FD-0E1A594B274C}"/>
               </c:ext>
@@ -1215,7 +1217,7 @@
                 </a:outerShdw>
               </a:effectLst>
             </c:spPr>
-            <c:extLst>
+            <c:extLst xmlns:c16r2="http://schemas.microsoft.com/office/drawing/2015/06/chart">
               <c:ext xmlns:c16="http://schemas.microsoft.com/office/drawing/2014/chart" uri="{C3380CC4-5D6E-409C-BE32-E72D297353CC}">
                 <c16:uniqueId val="{00000019-8D02-4B8E-95FD-0E1A594B274C}"/>
               </c:ext>
@@ -1242,7 +1244,7 @@
                 </a:outerShdw>
               </a:effectLst>
             </c:spPr>
-            <c:extLst>
+            <c:extLst xmlns:c16r2="http://schemas.microsoft.com/office/drawing/2015/06/chart">
               <c:ext xmlns:c16="http://schemas.microsoft.com/office/drawing/2014/chart" uri="{C3380CC4-5D6E-409C-BE32-E72D297353CC}">
                 <c16:uniqueId val="{0000001B-8D02-4B8E-95FD-0E1A594B274C}"/>
               </c:ext>
@@ -1269,7 +1271,7 @@
                 </a:outerShdw>
               </a:effectLst>
             </c:spPr>
-            <c:extLst>
+            <c:extLst xmlns:c16r2="http://schemas.microsoft.com/office/drawing/2015/06/chart">
               <c:ext xmlns:c16="http://schemas.microsoft.com/office/drawing/2014/chart" uri="{C3380CC4-5D6E-409C-BE32-E72D297353CC}">
                 <c16:uniqueId val="{0000001D-8D02-4B8E-95FD-0E1A594B274C}"/>
               </c:ext>
@@ -1296,7 +1298,7 @@
                 </a:outerShdw>
               </a:effectLst>
             </c:spPr>
-            <c:extLst>
+            <c:extLst xmlns:c16r2="http://schemas.microsoft.com/office/drawing/2015/06/chart">
               <c:ext xmlns:c16="http://schemas.microsoft.com/office/drawing/2014/chart" uri="{C3380CC4-5D6E-409C-BE32-E72D297353CC}">
                 <c16:uniqueId val="{0000001F-8D02-4B8E-95FD-0E1A594B274C}"/>
               </c:ext>
@@ -1323,7 +1325,7 @@
                 </a:outerShdw>
               </a:effectLst>
             </c:spPr>
-            <c:extLst>
+            <c:extLst xmlns:c16r2="http://schemas.microsoft.com/office/drawing/2015/06/chart">
               <c:ext xmlns:c16="http://schemas.microsoft.com/office/drawing/2014/chart" uri="{C3380CC4-5D6E-409C-BE32-E72D297353CC}">
                 <c16:uniqueId val="{00000021-8D02-4B8E-95FD-0E1A594B274C}"/>
               </c:ext>
@@ -1350,7 +1352,7 @@
                 </a:outerShdw>
               </a:effectLst>
             </c:spPr>
-            <c:extLst>
+            <c:extLst xmlns:c16r2="http://schemas.microsoft.com/office/drawing/2015/06/chart">
               <c:ext xmlns:c16="http://schemas.microsoft.com/office/drawing/2014/chart" uri="{C3380CC4-5D6E-409C-BE32-E72D297353CC}">
                 <c16:uniqueId val="{00000023-8D02-4B8E-95FD-0E1A594B274C}"/>
               </c:ext>
@@ -1423,8 +1425,10 @@
                 <a:effectLst/>
               </c:spPr>
             </c:leaderLines>
-            <c:extLst>
-              <c:ext xmlns:c15="http://schemas.microsoft.com/office/drawing/2012/chart" uri="{CE6537A1-D6FC-4f65-9D91-7224C49458BB}"/>
+            <c:extLst xmlns:c16r2="http://schemas.microsoft.com/office/drawing/2015/06/chart">
+              <c:ext xmlns:c15="http://schemas.microsoft.com/office/drawing/2012/chart" uri="{CE6537A1-D6FC-4f65-9D91-7224C49458BB}">
+                <c15:layout/>
+              </c:ext>
             </c:extLst>
           </c:dLbls>
           <c:cat>
@@ -1491,62 +1495,62 @@
               <c:formatCode>General</c:formatCode>
               <c:ptCount val="18"/>
               <c:pt idx="0">
-                <c:v>3</c:v>
+                <c:v>3.0</c:v>
               </c:pt>
               <c:pt idx="1">
-                <c:v>14</c:v>
+                <c:v>14.0</c:v>
               </c:pt>
               <c:pt idx="2">
-                <c:v>3</c:v>
+                <c:v>3.0</c:v>
               </c:pt>
               <c:pt idx="3">
-                <c:v>19</c:v>
+                <c:v>19.0</c:v>
               </c:pt>
               <c:pt idx="4">
-                <c:v>2</c:v>
+                <c:v>2.0</c:v>
               </c:pt>
               <c:pt idx="5">
-                <c:v>9</c:v>
+                <c:v>9.0</c:v>
               </c:pt>
               <c:pt idx="6">
-                <c:v>2</c:v>
+                <c:v>2.0</c:v>
               </c:pt>
               <c:pt idx="7">
-                <c:v>3</c:v>
+                <c:v>3.0</c:v>
               </c:pt>
               <c:pt idx="8">
-                <c:v>4</c:v>
+                <c:v>4.0</c:v>
               </c:pt>
               <c:pt idx="9">
-                <c:v>1</c:v>
+                <c:v>1.0</c:v>
               </c:pt>
               <c:pt idx="10">
-                <c:v>1</c:v>
+                <c:v>1.0</c:v>
               </c:pt>
               <c:pt idx="11">
-                <c:v>2</c:v>
+                <c:v>2.0</c:v>
               </c:pt>
               <c:pt idx="12">
-                <c:v>7</c:v>
+                <c:v>7.0</c:v>
               </c:pt>
               <c:pt idx="13">
-                <c:v>2</c:v>
+                <c:v>2.0</c:v>
               </c:pt>
               <c:pt idx="14">
-                <c:v>5</c:v>
+                <c:v>5.0</c:v>
               </c:pt>
               <c:pt idx="15">
-                <c:v>4</c:v>
+                <c:v>4.0</c:v>
               </c:pt>
               <c:pt idx="16">
-                <c:v>3</c:v>
+                <c:v>3.0</c:v>
               </c:pt>
               <c:pt idx="17">
-                <c:v>3</c:v>
+                <c:v>3.0</c:v>
               </c:pt>
             </c:numLit>
           </c:val>
-          <c:extLst>
+          <c:extLst xmlns:c16r2="http://schemas.microsoft.com/office/drawing/2015/06/chart">
             <c:ext xmlns:c16="http://schemas.microsoft.com/office/drawing/2014/chart" uri="{C3380CC4-5D6E-409C-BE32-E72D297353CC}">
               <c16:uniqueId val="{00000024-8D02-4B8E-95FD-0E1A594B274C}"/>
             </c:ext>
@@ -1574,6 +1578,7 @@
     </c:plotArea>
     <c:legend>
       <c:legendPos val="r"/>
+      <c:layout/>
       <c:overlay val="0"/>
       <c:spPr>
         <a:solidFill>
@@ -1610,14 +1615,14 @@
     </c:legend>
     <c:plotVisOnly val="1"/>
     <c:dispBlanksAs val="gap"/>
-    <c:extLst>
+    <c:showDLblsOverMax val="0"/>
+    <c:extLst xmlns:c16r2="http://schemas.microsoft.com/office/drawing/2015/06/chart">
       <c:ext xmlns:c16r3="http://schemas.microsoft.com/office/drawing/2017/03/chart" uri="{56B9EC1D-385E-4148-901F-78D8002777C0}">
         <c16r3:dataDisplayOptions16>
           <c16r3:dispNaAsBlank val="1"/>
         </c16r3:dataDisplayOptions16>
       </c:ext>
     </c:extLst>
-    <c:showDLblsOverMax val="0"/>
   </c:chart>
   <c:spPr>
     <a:gradFill flip="none" rotWithShape="1">
@@ -1663,773 +1668,12 @@
   <c:externalData r:id="rId3">
     <c:autoUpdate val="0"/>
   </c:externalData>
-  <c:extLst/>
+  <c:extLst xmlns:c16r2="http://schemas.microsoft.com/office/drawing/2015/06/chart"/>
 </c:chartSpace>
 </file>
 
 <file path=ppt/charts/chart2.xml><?xml version="1.0" encoding="utf-8"?>
-<c:chartSpace xmlns:c="http://schemas.openxmlformats.org/drawingml/2006/chart" xmlns:a="http://schemas.openxmlformats.org/drawingml/2006/main" xmlns:r="http://schemas.openxmlformats.org/officeDocument/2006/relationships" xmlns:c16r2="http://schemas.microsoft.com/office/drawing/2015/06/chart">
-  <c:date1904 val="0"/>
-  <c:lang val="en-US"/>
-  <c:roundedCorners val="0"/>
-  <mc:AlternateContent xmlns:mc="http://schemas.openxmlformats.org/markup-compatibility/2006">
-    <mc:Choice xmlns:c14="http://schemas.microsoft.com/office/drawing/2007/8/2/chart" Requires="c14">
-      <c14:style val="102"/>
-    </mc:Choice>
-    <mc:Fallback>
-      <c:style val="2"/>
-    </mc:Fallback>
-  </mc:AlternateContent>
-  <c:chart>
-    <c:title>
-      <c:overlay val="0"/>
-      <c:spPr>
-        <a:noFill/>
-        <a:ln>
-          <a:noFill/>
-        </a:ln>
-        <a:effectLst/>
-      </c:spPr>
-      <c:txPr>
-        <a:bodyPr rot="0" spcFirstLastPara="1" vertOverflow="ellipsis" vert="horz" wrap="square" anchor="ctr" anchorCtr="1"/>
-        <a:lstStyle/>
-        <a:p>
-          <a:pPr>
-            <a:defRPr sz="2128" b="1" i="0" u="none" strike="noStrike" kern="1200" cap="all" spc="120" normalizeH="0" baseline="0">
-              <a:solidFill>
-                <a:schemeClr val="tx1">
-                  <a:lumMod val="65000"/>
-                  <a:lumOff val="35000"/>
-                </a:schemeClr>
-              </a:solidFill>
-              <a:latin typeface="+mn-lt"/>
-              <a:ea typeface="+mn-ea"/>
-              <a:cs typeface="+mn-cs"/>
-            </a:defRPr>
-          </a:pPr>
-          <a:endParaRPr lang="en-US"/>
-        </a:p>
-      </c:txPr>
-    </c:title>
-    <c:autoTitleDeleted val="0"/>
-    <c:pivotFmts>
-      <c:pivotFmt>
-        <c:idx val="0"/>
-        <c:spPr>
-          <a:solidFill>
-            <a:schemeClr val="accent1"/>
-          </a:solidFill>
-          <a:ln w="28575" cap="rnd">
-            <a:solidFill>
-              <a:schemeClr val="accent1"/>
-            </a:solidFill>
-            <a:round/>
-          </a:ln>
-          <a:effectLst/>
-        </c:spPr>
-        <c:marker>
-          <c:symbol val="circle"/>
-          <c:size val="5"/>
-          <c:spPr>
-            <a:solidFill>
-              <a:schemeClr val="accent1"/>
-            </a:solidFill>
-            <a:ln w="9525">
-              <a:solidFill>
-                <a:schemeClr val="accent1"/>
-              </a:solidFill>
-              <a:round/>
-            </a:ln>
-            <a:effectLst/>
-          </c:spPr>
-        </c:marker>
-        <c:dLbl>
-          <c:idx val="0"/>
-          <c:spPr>
-            <a:noFill/>
-            <a:ln>
-              <a:noFill/>
-            </a:ln>
-            <a:effectLst/>
-          </c:spPr>
-          <c:txPr>
-            <a:bodyPr rot="0" spcFirstLastPara="1" vertOverflow="ellipsis" vert="horz" wrap="square" lIns="38100" tIns="19050" rIns="38100" bIns="19050" anchor="ctr" anchorCtr="1">
-              <a:spAutoFit/>
-            </a:bodyPr>
-            <a:lstStyle/>
-            <a:p>
-              <a:pPr>
-                <a:defRPr sz="900" b="0" i="0" u="none" strike="noStrike" kern="1200" baseline="0">
-                  <a:solidFill>
-                    <a:schemeClr val="tx1">
-                      <a:lumMod val="75000"/>
-                      <a:lumOff val="25000"/>
-                    </a:schemeClr>
-                  </a:solidFill>
-                  <a:latin typeface="+mn-lt"/>
-                  <a:ea typeface="+mn-ea"/>
-                  <a:cs typeface="+mn-cs"/>
-                </a:defRPr>
-              </a:pPr>
-              <a:endParaRPr lang="en-US"/>
-            </a:p>
-          </c:txPr>
-          <c:showLegendKey val="0"/>
-          <c:showVal val="0"/>
-          <c:showCatName val="0"/>
-          <c:showSerName val="0"/>
-          <c:showPercent val="0"/>
-          <c:showBubbleSize val="0"/>
-          <c:extLst>
-            <c:ext xmlns:c15="http://schemas.microsoft.com/office/drawing/2012/chart" uri="{CE6537A1-D6FC-4f65-9D91-7224C49458BB}"/>
-          </c:extLst>
-        </c:dLbl>
-      </c:pivotFmt>
-      <c:pivotFmt>
-        <c:idx val="1"/>
-        <c:spPr>
-          <a:solidFill>
-            <a:schemeClr val="accent1"/>
-          </a:solidFill>
-          <a:ln w="28575" cap="rnd">
-            <a:solidFill>
-              <a:schemeClr val="accent1"/>
-            </a:solidFill>
-            <a:round/>
-          </a:ln>
-          <a:effectLst/>
-        </c:spPr>
-        <c:marker>
-          <c:symbol val="circle"/>
-          <c:size val="5"/>
-          <c:spPr>
-            <a:solidFill>
-              <a:schemeClr val="accent1"/>
-            </a:solidFill>
-            <a:ln w="9525">
-              <a:solidFill>
-                <a:schemeClr val="accent1"/>
-              </a:solidFill>
-              <a:round/>
-            </a:ln>
-            <a:effectLst/>
-          </c:spPr>
-        </c:marker>
-        <c:dLbl>
-          <c:idx val="0"/>
-          <c:spPr>
-            <a:noFill/>
-            <a:ln>
-              <a:noFill/>
-            </a:ln>
-            <a:effectLst/>
-          </c:spPr>
-          <c:txPr>
-            <a:bodyPr rot="0" spcFirstLastPara="1" vertOverflow="ellipsis" vert="horz" wrap="square" lIns="38100" tIns="19050" rIns="38100" bIns="19050" anchor="ctr" anchorCtr="1">
-              <a:spAutoFit/>
-            </a:bodyPr>
-            <a:lstStyle/>
-            <a:p>
-              <a:pPr>
-                <a:defRPr sz="900" b="0" i="0" u="none" strike="noStrike" kern="1200" baseline="0">
-                  <a:solidFill>
-                    <a:schemeClr val="tx1">
-                      <a:lumMod val="75000"/>
-                      <a:lumOff val="25000"/>
-                    </a:schemeClr>
-                  </a:solidFill>
-                  <a:latin typeface="+mn-lt"/>
-                  <a:ea typeface="+mn-ea"/>
-                  <a:cs typeface="+mn-cs"/>
-                </a:defRPr>
-              </a:pPr>
-              <a:endParaRPr lang="en-US"/>
-            </a:p>
-          </c:txPr>
-          <c:showLegendKey val="0"/>
-          <c:showVal val="0"/>
-          <c:showCatName val="0"/>
-          <c:showSerName val="0"/>
-          <c:showPercent val="0"/>
-          <c:showBubbleSize val="0"/>
-          <c:extLst>
-            <c:ext xmlns:c15="http://schemas.microsoft.com/office/drawing/2012/chart" uri="{CE6537A1-D6FC-4f65-9D91-7224C49458BB}"/>
-          </c:extLst>
-        </c:dLbl>
-      </c:pivotFmt>
-      <c:pivotFmt>
-        <c:idx val="2"/>
-        <c:spPr>
-          <a:solidFill>
-            <a:schemeClr val="accent1"/>
-          </a:solidFill>
-          <a:ln w="28575" cap="rnd">
-            <a:solidFill>
-              <a:schemeClr val="accent1"/>
-            </a:solidFill>
-            <a:round/>
-          </a:ln>
-          <a:effectLst/>
-        </c:spPr>
-        <c:marker>
-          <c:symbol val="circle"/>
-          <c:size val="5"/>
-          <c:spPr>
-            <a:solidFill>
-              <a:schemeClr val="accent1"/>
-            </a:solidFill>
-            <a:ln w="9525">
-              <a:solidFill>
-                <a:schemeClr val="accent1"/>
-              </a:solidFill>
-              <a:round/>
-            </a:ln>
-            <a:effectLst/>
-          </c:spPr>
-        </c:marker>
-        <c:dLbl>
-          <c:idx val="0"/>
-          <c:spPr>
-            <a:noFill/>
-            <a:ln>
-              <a:noFill/>
-            </a:ln>
-            <a:effectLst/>
-          </c:spPr>
-          <c:txPr>
-            <a:bodyPr rot="0" spcFirstLastPara="1" vertOverflow="ellipsis" vert="horz" wrap="square" lIns="38100" tIns="19050" rIns="38100" bIns="19050" anchor="ctr" anchorCtr="1">
-              <a:spAutoFit/>
-            </a:bodyPr>
-            <a:lstStyle/>
-            <a:p>
-              <a:pPr>
-                <a:defRPr sz="900" b="0" i="0" u="none" strike="noStrike" kern="1200" baseline="0">
-                  <a:solidFill>
-                    <a:schemeClr val="tx1">
-                      <a:lumMod val="75000"/>
-                      <a:lumOff val="25000"/>
-                    </a:schemeClr>
-                  </a:solidFill>
-                  <a:latin typeface="+mn-lt"/>
-                  <a:ea typeface="+mn-ea"/>
-                  <a:cs typeface="+mn-cs"/>
-                </a:defRPr>
-              </a:pPr>
-              <a:endParaRPr lang="en-US"/>
-            </a:p>
-          </c:txPr>
-          <c:showLegendKey val="0"/>
-          <c:showVal val="0"/>
-          <c:showCatName val="0"/>
-          <c:showSerName val="0"/>
-          <c:showPercent val="0"/>
-          <c:showBubbleSize val="0"/>
-          <c:extLst>
-            <c:ext xmlns:c15="http://schemas.microsoft.com/office/drawing/2012/chart" uri="{CE6537A1-D6FC-4f65-9D91-7224C49458BB}"/>
-          </c:extLst>
-        </c:dLbl>
-      </c:pivotFmt>
-    </c:pivotFmts>
-    <c:plotArea>
-      <c:layout/>
-      <c:lineChart>
-        <c:grouping val="stacked"/>
-        <c:varyColors val="0"/>
-        <c:ser>
-          <c:idx val="0"/>
-          <c:order val="0"/>
-          <c:tx>
-            <c:v>Total</c:v>
-          </c:tx>
-          <c:spPr>
-            <a:ln w="22225" cap="rnd">
-              <a:solidFill>
-                <a:schemeClr val="accent1"/>
-              </a:solidFill>
-              <a:round/>
-            </a:ln>
-            <a:effectLst/>
-          </c:spPr>
-          <c:marker>
-            <c:symbol val="diamond"/>
-            <c:size val="6"/>
-            <c:spPr>
-              <a:solidFill>
-                <a:schemeClr val="accent1"/>
-              </a:solidFill>
-              <a:ln w="9525">
-                <a:solidFill>
-                  <a:schemeClr val="accent1"/>
-                </a:solidFill>
-                <a:round/>
-              </a:ln>
-              <a:effectLst/>
-            </c:spPr>
-          </c:marker>
-          <c:dLbls>
-            <c:spPr>
-              <a:noFill/>
-              <a:ln>
-                <a:noFill/>
-              </a:ln>
-              <a:effectLst/>
-            </c:spPr>
-            <c:txPr>
-              <a:bodyPr rot="0" spcFirstLastPara="1" vertOverflow="ellipsis" vert="horz" wrap="square" lIns="38100" tIns="19050" rIns="38100" bIns="19050" anchor="ctr" anchorCtr="1">
-                <a:spAutoFit/>
-              </a:bodyPr>
-              <a:lstStyle/>
-              <a:p>
-                <a:pPr>
-                  <a:defRPr sz="1197" b="0" i="0" u="none" strike="noStrike" kern="1200" baseline="0">
-                    <a:solidFill>
-                      <a:schemeClr val="tx1">
-                        <a:lumMod val="50000"/>
-                        <a:lumOff val="50000"/>
-                      </a:schemeClr>
-                    </a:solidFill>
-                    <a:latin typeface="+mn-lt"/>
-                    <a:ea typeface="+mn-ea"/>
-                    <a:cs typeface="+mn-cs"/>
-                  </a:defRPr>
-                </a:pPr>
-                <a:endParaRPr lang="en-US"/>
-              </a:p>
-            </c:txPr>
-            <c:dLblPos val="ctr"/>
-            <c:showLegendKey val="0"/>
-            <c:showVal val="1"/>
-            <c:showCatName val="0"/>
-            <c:showSerName val="0"/>
-            <c:showPercent val="0"/>
-            <c:showBubbleSize val="0"/>
-            <c:showLeaderLines val="0"/>
-            <c:extLst>
-              <c:ext xmlns:c15="http://schemas.microsoft.com/office/drawing/2012/chart" uri="{CE6537A1-D6FC-4f65-9D91-7224C49458BB}">
-                <c15:showLeaderLines val="1"/>
-                <c15:leaderLines>
-                  <c:spPr>
-                    <a:ln w="9525">
-                      <a:solidFill>
-                        <a:schemeClr val="tx1">
-                          <a:lumMod val="35000"/>
-                          <a:lumOff val="65000"/>
-                        </a:schemeClr>
-                      </a:solidFill>
-                    </a:ln>
-                    <a:effectLst/>
-                  </c:spPr>
-                </c15:leaderLines>
-              </c:ext>
-            </c:extLst>
-          </c:dLbls>
-          <c:cat>
-            <c:strLit>
-              <c:ptCount val="31"/>
-              <c:pt idx="0">
-                <c:v>0.5 Cadillac</c:v>
-              </c:pt>
-              <c:pt idx="1">
-                <c:v>3 Bentley</c:v>
-              </c:pt>
-              <c:pt idx="2">
-                <c:v>3 BMW</c:v>
-              </c:pt>
-              <c:pt idx="3">
-                <c:v>3 Cadillac</c:v>
-              </c:pt>
-              <c:pt idx="4">
-                <c:v>3 Nissan</c:v>
-              </c:pt>
-              <c:pt idx="5">
-                <c:v>3 Toyota</c:v>
-              </c:pt>
-              <c:pt idx="6">
-                <c:v>4.5 BMW</c:v>
-              </c:pt>
-              <c:pt idx="7">
-                <c:v>4.5 Cadillac</c:v>
-              </c:pt>
-              <c:pt idx="8">
-                <c:v>4.5 Dodge</c:v>
-              </c:pt>
-              <c:pt idx="9">
-                <c:v>4.5 Toyota</c:v>
-              </c:pt>
-              <c:pt idx="10">
-                <c:v>5 Bentley</c:v>
-              </c:pt>
-              <c:pt idx="11">
-                <c:v>5 BMW</c:v>
-              </c:pt>
-              <c:pt idx="12">
-                <c:v>5 Cadillac</c:v>
-              </c:pt>
-              <c:pt idx="13">
-                <c:v>5 Chevrolet</c:v>
-              </c:pt>
-              <c:pt idx="14">
-                <c:v>5 Dodge</c:v>
-              </c:pt>
-              <c:pt idx="15">
-                <c:v>5 Ford</c:v>
-              </c:pt>
-              <c:pt idx="16">
-                <c:v>5 Hyundai</c:v>
-              </c:pt>
-              <c:pt idx="17">
-                <c:v>5 Lexus</c:v>
-              </c:pt>
-              <c:pt idx="18">
-                <c:v>5 Mercedes-Benz</c:v>
-              </c:pt>
-              <c:pt idx="19">
-                <c:v>5 Nissan</c:v>
-              </c:pt>
-              <c:pt idx="20">
-                <c:v>5 Toyota</c:v>
-              </c:pt>
-              <c:pt idx="21">
-                <c:v>5 Volkswagen</c:v>
-              </c:pt>
-              <c:pt idx="22">
-                <c:v>(blank) BMW</c:v>
-              </c:pt>
-              <c:pt idx="23">
-                <c:v>(blank) Cadillac</c:v>
-              </c:pt>
-              <c:pt idx="24">
-                <c:v>(blank) Chevrolet</c:v>
-              </c:pt>
-              <c:pt idx="25">
-                <c:v>(blank) Ford</c:v>
-              </c:pt>
-              <c:pt idx="26">
-                <c:v>(blank) Infiniti</c:v>
-              </c:pt>
-              <c:pt idx="27">
-                <c:v>(blank) Mercedes-Benz</c:v>
-              </c:pt>
-              <c:pt idx="28">
-                <c:v>(blank) Nissan</c:v>
-              </c:pt>
-              <c:pt idx="29">
-                <c:v>(blank) Toyota</c:v>
-              </c:pt>
-              <c:pt idx="30">
-                <c:v>(blank) Volkswagen</c:v>
-              </c:pt>
-            </c:strLit>
-          </c:cat>
-          <c:val>
-            <c:numLit>
-              <c:formatCode>General</c:formatCode>
-              <c:ptCount val="31"/>
-              <c:pt idx="0">
-                <c:v>1</c:v>
-              </c:pt>
-              <c:pt idx="1">
-                <c:v>1</c:v>
-              </c:pt>
-              <c:pt idx="2">
-                <c:v>2</c:v>
-              </c:pt>
-              <c:pt idx="3">
-                <c:v>5</c:v>
-              </c:pt>
-              <c:pt idx="4">
-                <c:v>1</c:v>
-              </c:pt>
-              <c:pt idx="5">
-                <c:v>2</c:v>
-              </c:pt>
-              <c:pt idx="6">
-                <c:v>1</c:v>
-              </c:pt>
-              <c:pt idx="7">
-                <c:v>1</c:v>
-              </c:pt>
-              <c:pt idx="8">
-                <c:v>1</c:v>
-              </c:pt>
-              <c:pt idx="9">
-                <c:v>2</c:v>
-              </c:pt>
-              <c:pt idx="10">
-                <c:v>2</c:v>
-              </c:pt>
-              <c:pt idx="11">
-                <c:v>12</c:v>
-              </c:pt>
-              <c:pt idx="12">
-                <c:v>12</c:v>
-              </c:pt>
-              <c:pt idx="13">
-                <c:v>4</c:v>
-              </c:pt>
-              <c:pt idx="14">
-                <c:v>1</c:v>
-              </c:pt>
-              <c:pt idx="15">
-                <c:v>4</c:v>
-              </c:pt>
-              <c:pt idx="16">
-                <c:v>1</c:v>
-              </c:pt>
-              <c:pt idx="17">
-                <c:v>2</c:v>
-              </c:pt>
-              <c:pt idx="18">
-                <c:v>5</c:v>
-              </c:pt>
-              <c:pt idx="19">
-                <c:v>3</c:v>
-              </c:pt>
-              <c:pt idx="20">
-                <c:v>2</c:v>
-              </c:pt>
-              <c:pt idx="21">
-                <c:v>2</c:v>
-              </c:pt>
-              <c:pt idx="22">
-                <c:v>2</c:v>
-              </c:pt>
-              <c:pt idx="23">
-                <c:v>2</c:v>
-              </c:pt>
-              <c:pt idx="24">
-                <c:v>5</c:v>
-              </c:pt>
-              <c:pt idx="25">
-                <c:v>3</c:v>
-              </c:pt>
-              <c:pt idx="26">
-                <c:v>1</c:v>
-              </c:pt>
-              <c:pt idx="27">
-                <c:v>4</c:v>
-              </c:pt>
-              <c:pt idx="28">
-                <c:v>1</c:v>
-              </c:pt>
-              <c:pt idx="29">
-                <c:v>1</c:v>
-              </c:pt>
-              <c:pt idx="30">
-                <c:v>1</c:v>
-              </c:pt>
-            </c:numLit>
-          </c:val>
-          <c:smooth val="0"/>
-          <c:extLst>
-            <c:ext xmlns:c16="http://schemas.microsoft.com/office/drawing/2014/chart" uri="{C3380CC4-5D6E-409C-BE32-E72D297353CC}">
-              <c16:uniqueId val="{00000000-6B74-46C5-9CB4-C00A92E002B7}"/>
-            </c:ext>
-          </c:extLst>
-        </c:ser>
-        <c:dLbls>
-          <c:dLblPos val="ctr"/>
-          <c:showLegendKey val="0"/>
-          <c:showVal val="1"/>
-          <c:showCatName val="0"/>
-          <c:showSerName val="0"/>
-          <c:showPercent val="0"/>
-          <c:showBubbleSize val="0"/>
-        </c:dLbls>
-        <c:marker val="1"/>
-        <c:smooth val="0"/>
-        <c:axId val="470634415"/>
-        <c:axId val="465322079"/>
-      </c:lineChart>
-      <c:catAx>
-        <c:axId val="470634415"/>
-        <c:scaling>
-          <c:orientation val="minMax"/>
-        </c:scaling>
-        <c:delete val="0"/>
-        <c:axPos val="b"/>
-        <c:majorGridlines>
-          <c:spPr>
-            <a:ln w="9525" cap="flat" cmpd="sng" algn="ctr">
-              <a:solidFill>
-                <a:schemeClr val="tx1">
-                  <a:lumMod val="15000"/>
-                  <a:lumOff val="85000"/>
-                </a:schemeClr>
-              </a:solidFill>
-              <a:round/>
-            </a:ln>
-            <a:effectLst/>
-          </c:spPr>
-        </c:majorGridlines>
-        <c:numFmt formatCode="General" sourceLinked="1"/>
-        <c:majorTickMark val="none"/>
-        <c:minorTickMark val="none"/>
-        <c:tickLblPos val="nextTo"/>
-        <c:spPr>
-          <a:noFill/>
-          <a:ln w="9525" cap="flat" cmpd="sng" algn="ctr">
-            <a:solidFill>
-              <a:schemeClr val="tx1">
-                <a:lumMod val="15000"/>
-                <a:lumOff val="85000"/>
-              </a:schemeClr>
-            </a:solidFill>
-            <a:round/>
-          </a:ln>
-          <a:effectLst/>
-        </c:spPr>
-        <c:txPr>
-          <a:bodyPr rot="-60000000" spcFirstLastPara="1" vertOverflow="ellipsis" vert="horz" wrap="square" anchor="ctr" anchorCtr="1"/>
-          <a:lstStyle/>
-          <a:p>
-            <a:pPr>
-              <a:defRPr sz="1064" b="0" i="0" u="none" strike="noStrike" kern="1200" cap="all" spc="120" normalizeH="0" baseline="0">
-                <a:solidFill>
-                  <a:schemeClr val="tx1">
-                    <a:lumMod val="65000"/>
-                    <a:lumOff val="35000"/>
-                  </a:schemeClr>
-                </a:solidFill>
-                <a:latin typeface="+mn-lt"/>
-                <a:ea typeface="+mn-ea"/>
-                <a:cs typeface="+mn-cs"/>
-              </a:defRPr>
-            </a:pPr>
-            <a:endParaRPr lang="en-US"/>
-          </a:p>
-        </c:txPr>
-        <c:crossAx val="465322079"/>
-        <c:crosses val="autoZero"/>
-        <c:auto val="1"/>
-        <c:lblAlgn val="ctr"/>
-        <c:lblOffset val="100"/>
-        <c:noMultiLvlLbl val="0"/>
-      </c:catAx>
-      <c:valAx>
-        <c:axId val="465322079"/>
-        <c:scaling>
-          <c:orientation val="minMax"/>
-        </c:scaling>
-        <c:delete val="0"/>
-        <c:axPos val="l"/>
-        <c:numFmt formatCode="General" sourceLinked="1"/>
-        <c:majorTickMark val="none"/>
-        <c:minorTickMark val="none"/>
-        <c:tickLblPos val="nextTo"/>
-        <c:spPr>
-          <a:noFill/>
-          <a:ln w="9525" cap="flat" cmpd="sng" algn="ctr">
-            <a:solidFill>
-              <a:schemeClr val="dk1">
-                <a:lumMod val="15000"/>
-                <a:lumOff val="85000"/>
-              </a:schemeClr>
-            </a:solidFill>
-            <a:round/>
-          </a:ln>
-          <a:effectLst/>
-        </c:spPr>
-        <c:txPr>
-          <a:bodyPr rot="-60000000" spcFirstLastPara="1" vertOverflow="ellipsis" vert="horz" wrap="square" anchor="ctr" anchorCtr="1"/>
-          <a:lstStyle/>
-          <a:p>
-            <a:pPr>
-              <a:defRPr sz="1197" b="0" i="0" u="none" strike="noStrike" kern="1200" baseline="0">
-                <a:solidFill>
-                  <a:schemeClr val="tx1">
-                    <a:lumMod val="65000"/>
-                    <a:lumOff val="35000"/>
-                  </a:schemeClr>
-                </a:solidFill>
-                <a:latin typeface="+mn-lt"/>
-                <a:ea typeface="+mn-ea"/>
-                <a:cs typeface="+mn-cs"/>
-              </a:defRPr>
-            </a:pPr>
-            <a:endParaRPr lang="en-US"/>
-          </a:p>
-        </c:txPr>
-        <c:crossAx val="470634415"/>
-        <c:crosses val="autoZero"/>
-        <c:crossBetween val="between"/>
-      </c:valAx>
-      <c:spPr>
-        <a:noFill/>
-        <a:ln>
-          <a:noFill/>
-        </a:ln>
-        <a:effectLst/>
-      </c:spPr>
-    </c:plotArea>
-    <c:legend>
-      <c:legendPos val="r"/>
-      <c:overlay val="0"/>
-      <c:spPr>
-        <a:noFill/>
-        <a:ln>
-          <a:noFill/>
-        </a:ln>
-        <a:effectLst/>
-      </c:spPr>
-      <c:txPr>
-        <a:bodyPr rot="0" spcFirstLastPara="1" vertOverflow="ellipsis" vert="horz" wrap="square" anchor="ctr" anchorCtr="1"/>
-        <a:lstStyle/>
-        <a:p>
-          <a:pPr>
-            <a:defRPr sz="1197" b="0" i="0" u="none" strike="noStrike" kern="1200" baseline="0">
-              <a:solidFill>
-                <a:schemeClr val="tx1">
-                  <a:lumMod val="65000"/>
-                  <a:lumOff val="35000"/>
-                </a:schemeClr>
-              </a:solidFill>
-              <a:latin typeface="+mn-lt"/>
-              <a:ea typeface="+mn-ea"/>
-              <a:cs typeface="+mn-cs"/>
-            </a:defRPr>
-          </a:pPr>
-          <a:endParaRPr lang="en-US"/>
-        </a:p>
-      </c:txPr>
-    </c:legend>
-    <c:plotVisOnly val="1"/>
-    <c:dispBlanksAs val="zero"/>
-    <c:extLst>
-      <c:ext xmlns:c16r3="http://schemas.microsoft.com/office/drawing/2017/03/chart" uri="{56B9EC1D-385E-4148-901F-78D8002777C0}">
-        <c16r3:dataDisplayOptions16>
-          <c16r3:dispNaAsBlank val="1"/>
-        </c16r3:dataDisplayOptions16>
-      </c:ext>
-    </c:extLst>
-    <c:showDLblsOverMax val="0"/>
-  </c:chart>
-  <c:spPr>
-    <a:noFill/>
-    <a:ln>
-      <a:noFill/>
-    </a:ln>
-    <a:effectLst/>
-  </c:spPr>
-  <c:txPr>
-    <a:bodyPr/>
-    <a:lstStyle/>
-    <a:p>
-      <a:pPr>
-        <a:defRPr/>
-      </a:pPr>
-      <a:endParaRPr lang="en-US"/>
-    </a:p>
-  </c:txPr>
-  <c:externalData r:id="rId3">
-    <c:autoUpdate val="0"/>
-  </c:externalData>
-  <c:extLst/>
-</c:chartSpace>
-</file>
-
-<file path=ppt/charts/chart3.xml><?xml version="1.0" encoding="utf-8"?>
-<c:chartSpace xmlns:c="http://schemas.openxmlformats.org/drawingml/2006/chart" xmlns:a="http://schemas.openxmlformats.org/drawingml/2006/main" xmlns:r="http://schemas.openxmlformats.org/officeDocument/2006/relationships" xmlns:c16r2="http://schemas.microsoft.com/office/drawing/2015/06/chart">
+<c:chartSpace xmlns:c="http://schemas.openxmlformats.org/drawingml/2006/chart" xmlns:a="http://schemas.openxmlformats.org/drawingml/2006/main" xmlns:r="http://schemas.openxmlformats.org/officeDocument/2006/relationships">
   <c:date1904 val="0"/>
   <c:lang val="en-US"/>
   <c:roundedCorners val="0"/>
@@ -2501,7 +1745,7 @@
           <c:showSerName val="0"/>
           <c:showPercent val="0"/>
           <c:showBubbleSize val="0"/>
-          <c:extLst>
+          <c:extLst xmlns:c16r2="http://schemas.microsoft.com/office/drawing/2015/06/chart">
             <c:ext xmlns:c15="http://schemas.microsoft.com/office/drawing/2012/chart" uri="{CE6537A1-D6FC-4f65-9D91-7224C49458BB}"/>
           </c:extLst>
         </c:dLbl>
@@ -2559,7 +1803,7 @@
           <c:showSerName val="0"/>
           <c:showPercent val="0"/>
           <c:showBubbleSize val="0"/>
-          <c:extLst>
+          <c:extLst xmlns:c16r2="http://schemas.microsoft.com/office/drawing/2015/06/chart">
             <c:ext xmlns:c15="http://schemas.microsoft.com/office/drawing/2012/chart" uri="{CE6537A1-D6FC-4f65-9D91-7224C49458BB}"/>
           </c:extLst>
         </c:dLbl>
@@ -2617,7 +1861,7 @@
           <c:showSerName val="0"/>
           <c:showPercent val="0"/>
           <c:showBubbleSize val="0"/>
-          <c:extLst>
+          <c:extLst xmlns:c16r2="http://schemas.microsoft.com/office/drawing/2015/06/chart">
             <c:ext xmlns:c15="http://schemas.microsoft.com/office/drawing/2012/chart" uri="{CE6537A1-D6FC-4f65-9D91-7224C49458BB}"/>
           </c:extLst>
         </c:dLbl>
@@ -2675,7 +1919,7 @@
           <c:showSerName val="0"/>
           <c:showPercent val="0"/>
           <c:showBubbleSize val="0"/>
-          <c:extLst>
+          <c:extLst xmlns:c16r2="http://schemas.microsoft.com/office/drawing/2015/06/chart">
             <c:ext xmlns:c15="http://schemas.microsoft.com/office/drawing/2012/chart" uri="{CE6537A1-D6FC-4f65-9D91-7224C49458BB}"/>
           </c:extLst>
         </c:dLbl>
@@ -2733,7 +1977,7 @@
           <c:showSerName val="0"/>
           <c:showPercent val="0"/>
           <c:showBubbleSize val="0"/>
-          <c:extLst>
+          <c:extLst xmlns:c16r2="http://schemas.microsoft.com/office/drawing/2015/06/chart">
             <c:ext xmlns:c15="http://schemas.microsoft.com/office/drawing/2012/chart" uri="{CE6537A1-D6FC-4f65-9D91-7224C49458BB}"/>
           </c:extLst>
         </c:dLbl>
@@ -2791,7 +2035,7 @@
           <c:showSerName val="0"/>
           <c:showPercent val="0"/>
           <c:showBubbleSize val="0"/>
-          <c:extLst>
+          <c:extLst xmlns:c16r2="http://schemas.microsoft.com/office/drawing/2015/06/chart">
             <c:ext xmlns:c15="http://schemas.microsoft.com/office/drawing/2012/chart" uri="{CE6537A1-D6FC-4f65-9D91-7224C49458BB}"/>
           </c:extLst>
         </c:dLbl>
@@ -2849,7 +2093,7 @@
           <c:showSerName val="0"/>
           <c:showPercent val="0"/>
           <c:showBubbleSize val="0"/>
-          <c:extLst>
+          <c:extLst xmlns:c16r2="http://schemas.microsoft.com/office/drawing/2015/06/chart">
             <c:ext xmlns:c15="http://schemas.microsoft.com/office/drawing/2012/chart" uri="{CE6537A1-D6FC-4f65-9D91-7224C49458BB}"/>
           </c:extLst>
         </c:dLbl>
@@ -2907,7 +2151,7 @@
           <c:showSerName val="0"/>
           <c:showPercent val="0"/>
           <c:showBubbleSize val="0"/>
-          <c:extLst>
+          <c:extLst xmlns:c16r2="http://schemas.microsoft.com/office/drawing/2015/06/chart">
             <c:ext xmlns:c15="http://schemas.microsoft.com/office/drawing/2012/chart" uri="{CE6537A1-D6FC-4f65-9D91-7224C49458BB}"/>
           </c:extLst>
         </c:dLbl>
@@ -2965,7 +2209,7 @@
           <c:showSerName val="0"/>
           <c:showPercent val="0"/>
           <c:showBubbleSize val="0"/>
-          <c:extLst>
+          <c:extLst xmlns:c16r2="http://schemas.microsoft.com/office/drawing/2015/06/chart">
             <c:ext xmlns:c15="http://schemas.microsoft.com/office/drawing/2012/chart" uri="{CE6537A1-D6FC-4f65-9D91-7224C49458BB}"/>
           </c:extLst>
         </c:dLbl>
@@ -3023,7 +2267,7 @@
           <c:showSerName val="0"/>
           <c:showPercent val="0"/>
           <c:showBubbleSize val="0"/>
-          <c:extLst>
+          <c:extLst xmlns:c16r2="http://schemas.microsoft.com/office/drawing/2015/06/chart">
             <c:ext xmlns:c15="http://schemas.microsoft.com/office/drawing/2012/chart" uri="{CE6537A1-D6FC-4f65-9D91-7224C49458BB}"/>
           </c:extLst>
         </c:dLbl>
@@ -3081,7 +2325,7 @@
           <c:showSerName val="0"/>
           <c:showPercent val="0"/>
           <c:showBubbleSize val="0"/>
-          <c:extLst>
+          <c:extLst xmlns:c16r2="http://schemas.microsoft.com/office/drawing/2015/06/chart">
             <c:ext xmlns:c15="http://schemas.microsoft.com/office/drawing/2012/chart" uri="{CE6537A1-D6FC-4f65-9D91-7224C49458BB}"/>
           </c:extLst>
         </c:dLbl>
@@ -3139,7 +2383,7 @@
           <c:showSerName val="0"/>
           <c:showPercent val="0"/>
           <c:showBubbleSize val="0"/>
-          <c:extLst>
+          <c:extLst xmlns:c16r2="http://schemas.microsoft.com/office/drawing/2015/06/chart">
             <c:ext xmlns:c15="http://schemas.microsoft.com/office/drawing/2012/chart" uri="{CE6537A1-D6FC-4f65-9D91-7224C49458BB}"/>
           </c:extLst>
         </c:dLbl>
@@ -3197,7 +2441,7 @@
           <c:showSerName val="0"/>
           <c:showPercent val="0"/>
           <c:showBubbleSize val="0"/>
-          <c:extLst>
+          <c:extLst xmlns:c16r2="http://schemas.microsoft.com/office/drawing/2015/06/chart">
             <c:ext xmlns:c15="http://schemas.microsoft.com/office/drawing/2012/chart" uri="{CE6537A1-D6FC-4f65-9D91-7224C49458BB}"/>
           </c:extLst>
         </c:dLbl>
@@ -3255,7 +2499,7 @@
           <c:showSerName val="0"/>
           <c:showPercent val="0"/>
           <c:showBubbleSize val="0"/>
-          <c:extLst>
+          <c:extLst xmlns:c16r2="http://schemas.microsoft.com/office/drawing/2015/06/chart">
             <c:ext xmlns:c15="http://schemas.microsoft.com/office/drawing/2012/chart" uri="{CE6537A1-D6FC-4f65-9D91-7224C49458BB}"/>
           </c:extLst>
         </c:dLbl>
@@ -3313,7 +2557,7 @@
           <c:showSerName val="0"/>
           <c:showPercent val="0"/>
           <c:showBubbleSize val="0"/>
-          <c:extLst>
+          <c:extLst xmlns:c16r2="http://schemas.microsoft.com/office/drawing/2015/06/chart">
             <c:ext xmlns:c15="http://schemas.microsoft.com/office/drawing/2012/chart" uri="{CE6537A1-D6FC-4f65-9D91-7224C49458BB}"/>
           </c:extLst>
         </c:dLbl>
@@ -3371,7 +2615,7 @@
           <c:showSerName val="0"/>
           <c:showPercent val="0"/>
           <c:showBubbleSize val="0"/>
-          <c:extLst>
+          <c:extLst xmlns:c16r2="http://schemas.microsoft.com/office/drawing/2015/06/chart">
             <c:ext xmlns:c15="http://schemas.microsoft.com/office/drawing/2012/chart" uri="{CE6537A1-D6FC-4f65-9D91-7224C49458BB}"/>
           </c:extLst>
         </c:dLbl>
@@ -3429,7 +2673,7 @@
           <c:showSerName val="0"/>
           <c:showPercent val="0"/>
           <c:showBubbleSize val="0"/>
-          <c:extLst>
+          <c:extLst xmlns:c16r2="http://schemas.microsoft.com/office/drawing/2015/06/chart">
             <c:ext xmlns:c15="http://schemas.microsoft.com/office/drawing/2012/chart" uri="{CE6537A1-D6FC-4f65-9D91-7224C49458BB}"/>
           </c:extLst>
         </c:dLbl>
@@ -3487,7 +2731,7 @@
           <c:showSerName val="0"/>
           <c:showPercent val="0"/>
           <c:showBubbleSize val="0"/>
-          <c:extLst>
+          <c:extLst xmlns:c16r2="http://schemas.microsoft.com/office/drawing/2015/06/chart">
             <c:ext xmlns:c15="http://schemas.microsoft.com/office/drawing/2012/chart" uri="{CE6537A1-D6FC-4f65-9D91-7224C49458BB}"/>
           </c:extLst>
         </c:dLbl>
@@ -3545,7 +2789,7 @@
           <c:showSerName val="0"/>
           <c:showPercent val="0"/>
           <c:showBubbleSize val="0"/>
-          <c:extLst>
+          <c:extLst xmlns:c16r2="http://schemas.microsoft.com/office/drawing/2015/06/chart">
             <c:ext xmlns:c15="http://schemas.microsoft.com/office/drawing/2012/chart" uri="{CE6537A1-D6FC-4f65-9D91-7224C49458BB}"/>
           </c:extLst>
         </c:dLbl>
@@ -3603,7 +2847,7 @@
           <c:showSerName val="0"/>
           <c:showPercent val="0"/>
           <c:showBubbleSize val="0"/>
-          <c:extLst>
+          <c:extLst xmlns:c16r2="http://schemas.microsoft.com/office/drawing/2015/06/chart">
             <c:ext xmlns:c15="http://schemas.microsoft.com/office/drawing/2012/chart" uri="{CE6537A1-D6FC-4f65-9D91-7224C49458BB}"/>
           </c:extLst>
         </c:dLbl>
@@ -3661,7 +2905,7 @@
           <c:showSerName val="0"/>
           <c:showPercent val="0"/>
           <c:showBubbleSize val="0"/>
-          <c:extLst>
+          <c:extLst xmlns:c16r2="http://schemas.microsoft.com/office/drawing/2015/06/chart">
             <c:ext xmlns:c15="http://schemas.microsoft.com/office/drawing/2012/chart" uri="{CE6537A1-D6FC-4f65-9D91-7224C49458BB}"/>
           </c:extLst>
         </c:dLbl>
@@ -3719,7 +2963,7 @@
           <c:showSerName val="0"/>
           <c:showPercent val="0"/>
           <c:showBubbleSize val="0"/>
-          <c:extLst>
+          <c:extLst xmlns:c16r2="http://schemas.microsoft.com/office/drawing/2015/06/chart">
             <c:ext xmlns:c15="http://schemas.microsoft.com/office/drawing/2012/chart" uri="{CE6537A1-D6FC-4f65-9D91-7224C49458BB}"/>
           </c:extLst>
         </c:dLbl>
@@ -3777,7 +3021,7 @@
           <c:showSerName val="0"/>
           <c:showPercent val="0"/>
           <c:showBubbleSize val="0"/>
-          <c:extLst>
+          <c:extLst xmlns:c16r2="http://schemas.microsoft.com/office/drawing/2015/06/chart">
             <c:ext xmlns:c15="http://schemas.microsoft.com/office/drawing/2012/chart" uri="{CE6537A1-D6FC-4f65-9D91-7224C49458BB}"/>
           </c:extLst>
         </c:dLbl>
@@ -3835,7 +3079,7 @@
           <c:showSerName val="0"/>
           <c:showPercent val="0"/>
           <c:showBubbleSize val="0"/>
-          <c:extLst>
+          <c:extLst xmlns:c16r2="http://schemas.microsoft.com/office/drawing/2015/06/chart">
             <c:ext xmlns:c15="http://schemas.microsoft.com/office/drawing/2012/chart" uri="{CE6537A1-D6FC-4f65-9D91-7224C49458BB}"/>
           </c:extLst>
         </c:dLbl>
@@ -3893,7 +3137,7 @@
           <c:showSerName val="0"/>
           <c:showPercent val="0"/>
           <c:showBubbleSize val="0"/>
-          <c:extLst>
+          <c:extLst xmlns:c16r2="http://schemas.microsoft.com/office/drawing/2015/06/chart">
             <c:ext xmlns:c15="http://schemas.microsoft.com/office/drawing/2012/chart" uri="{CE6537A1-D6FC-4f65-9D91-7224C49458BB}"/>
           </c:extLst>
         </c:dLbl>
@@ -3951,7 +3195,7 @@
           <c:showSerName val="0"/>
           <c:showPercent val="0"/>
           <c:showBubbleSize val="0"/>
-          <c:extLst>
+          <c:extLst xmlns:c16r2="http://schemas.microsoft.com/office/drawing/2015/06/chart">
             <c:ext xmlns:c15="http://schemas.microsoft.com/office/drawing/2012/chart" uri="{CE6537A1-D6FC-4f65-9D91-7224C49458BB}"/>
           </c:extLst>
         </c:dLbl>
@@ -4009,7 +3253,7 @@
           <c:showSerName val="0"/>
           <c:showPercent val="0"/>
           <c:showBubbleSize val="0"/>
-          <c:extLst>
+          <c:extLst xmlns:c16r2="http://schemas.microsoft.com/office/drawing/2015/06/chart">
             <c:ext xmlns:c15="http://schemas.microsoft.com/office/drawing/2012/chart" uri="{CE6537A1-D6FC-4f65-9D91-7224C49458BB}"/>
           </c:extLst>
         </c:dLbl>
@@ -4067,7 +3311,7 @@
           <c:showSerName val="0"/>
           <c:showPercent val="0"/>
           <c:showBubbleSize val="0"/>
-          <c:extLst>
+          <c:extLst xmlns:c16r2="http://schemas.microsoft.com/office/drawing/2015/06/chart">
             <c:ext xmlns:c15="http://schemas.microsoft.com/office/drawing/2012/chart" uri="{CE6537A1-D6FC-4f65-9D91-7224C49458BB}"/>
           </c:extLst>
         </c:dLbl>
@@ -4125,7 +3369,7 @@
           <c:showSerName val="0"/>
           <c:showPercent val="0"/>
           <c:showBubbleSize val="0"/>
-          <c:extLst>
+          <c:extLst xmlns:c16r2="http://schemas.microsoft.com/office/drawing/2015/06/chart">
             <c:ext xmlns:c15="http://schemas.microsoft.com/office/drawing/2012/chart" uri="{CE6537A1-D6FC-4f65-9D91-7224C49458BB}"/>
           </c:extLst>
         </c:dLbl>
@@ -4183,7 +3427,7 @@
           <c:showSerName val="0"/>
           <c:showPercent val="0"/>
           <c:showBubbleSize val="0"/>
-          <c:extLst>
+          <c:extLst xmlns:c16r2="http://schemas.microsoft.com/office/drawing/2015/06/chart">
             <c:ext xmlns:c15="http://schemas.microsoft.com/office/drawing/2012/chart" uri="{CE6537A1-D6FC-4f65-9D91-7224C49458BB}"/>
           </c:extLst>
         </c:dLbl>
@@ -4241,7 +3485,7 @@
           <c:showSerName val="0"/>
           <c:showPercent val="0"/>
           <c:showBubbleSize val="0"/>
-          <c:extLst>
+          <c:extLst xmlns:c16r2="http://schemas.microsoft.com/office/drawing/2015/06/chart">
             <c:ext xmlns:c15="http://schemas.microsoft.com/office/drawing/2012/chart" uri="{CE6537A1-D6FC-4f65-9D91-7224C49458BB}"/>
           </c:extLst>
         </c:dLbl>
@@ -4299,7 +3543,7 @@
           <c:showSerName val="0"/>
           <c:showPercent val="0"/>
           <c:showBubbleSize val="0"/>
-          <c:extLst>
+          <c:extLst xmlns:c16r2="http://schemas.microsoft.com/office/drawing/2015/06/chart">
             <c:ext xmlns:c15="http://schemas.microsoft.com/office/drawing/2012/chart" uri="{CE6537A1-D6FC-4f65-9D91-7224C49458BB}"/>
           </c:extLst>
         </c:dLbl>
@@ -4357,7 +3601,7 @@
           <c:showSerName val="0"/>
           <c:showPercent val="0"/>
           <c:showBubbleSize val="0"/>
-          <c:extLst>
+          <c:extLst xmlns:c16r2="http://schemas.microsoft.com/office/drawing/2015/06/chart">
             <c:ext xmlns:c15="http://schemas.microsoft.com/office/drawing/2012/chart" uri="{CE6537A1-D6FC-4f65-9D91-7224C49458BB}"/>
           </c:extLst>
         </c:dLbl>
@@ -4415,7 +3659,7 @@
           <c:showSerName val="0"/>
           <c:showPercent val="0"/>
           <c:showBubbleSize val="0"/>
-          <c:extLst>
+          <c:extLst xmlns:c16r2="http://schemas.microsoft.com/office/drawing/2015/06/chart">
             <c:ext xmlns:c15="http://schemas.microsoft.com/office/drawing/2012/chart" uri="{CE6537A1-D6FC-4f65-9D91-7224C49458BB}"/>
           </c:extLst>
         </c:dLbl>
@@ -4473,7 +3717,7 @@
           <c:showSerName val="0"/>
           <c:showPercent val="0"/>
           <c:showBubbleSize val="0"/>
-          <c:extLst>
+          <c:extLst xmlns:c16r2="http://schemas.microsoft.com/office/drawing/2015/06/chart">
             <c:ext xmlns:c15="http://schemas.microsoft.com/office/drawing/2012/chart" uri="{CE6537A1-D6FC-4f65-9D91-7224C49458BB}"/>
           </c:extLst>
         </c:dLbl>
@@ -4531,7 +3775,7 @@
           <c:showSerName val="0"/>
           <c:showPercent val="0"/>
           <c:showBubbleSize val="0"/>
-          <c:extLst>
+          <c:extLst xmlns:c16r2="http://schemas.microsoft.com/office/drawing/2015/06/chart">
             <c:ext xmlns:c15="http://schemas.microsoft.com/office/drawing/2012/chart" uri="{CE6537A1-D6FC-4f65-9D91-7224C49458BB}"/>
           </c:extLst>
         </c:dLbl>
@@ -4589,7 +3833,7 @@
           <c:showSerName val="0"/>
           <c:showPercent val="0"/>
           <c:showBubbleSize val="0"/>
-          <c:extLst>
+          <c:extLst xmlns:c16r2="http://schemas.microsoft.com/office/drawing/2015/06/chart">
             <c:ext xmlns:c15="http://schemas.microsoft.com/office/drawing/2012/chart" uri="{CE6537A1-D6FC-4f65-9D91-7224C49458BB}"/>
           </c:extLst>
         </c:dLbl>
@@ -4647,7 +3891,7 @@
           <c:showSerName val="0"/>
           <c:showPercent val="0"/>
           <c:showBubbleSize val="0"/>
-          <c:extLst>
+          <c:extLst xmlns:c16r2="http://schemas.microsoft.com/office/drawing/2015/06/chart">
             <c:ext xmlns:c15="http://schemas.microsoft.com/office/drawing/2012/chart" uri="{CE6537A1-D6FC-4f65-9D91-7224C49458BB}"/>
           </c:extLst>
         </c:dLbl>
@@ -4705,7 +3949,7 @@
           <c:showSerName val="0"/>
           <c:showPercent val="0"/>
           <c:showBubbleSize val="0"/>
-          <c:extLst>
+          <c:extLst xmlns:c16r2="http://schemas.microsoft.com/office/drawing/2015/06/chart">
             <c:ext xmlns:c15="http://schemas.microsoft.com/office/drawing/2012/chart" uri="{CE6537A1-D6FC-4f65-9D91-7224C49458BB}"/>
           </c:extLst>
         </c:dLbl>
@@ -4829,12 +4073,12 @@
                 <c:formatCode>General</c:formatCode>
                 <c:ptCount val="5"/>
                 <c:pt idx="0">
-                  <c:v>3</c:v>
+                  <c:v>3.0</c:v>
                 </c:pt>
               </c:numCache>
             </c:numRef>
           </c:val>
-          <c:extLst>
+          <c:extLst xmlns:c16r2="http://schemas.microsoft.com/office/drawing/2015/06/chart">
             <c:ext xmlns:c16="http://schemas.microsoft.com/office/drawing/2014/chart" uri="{C3380CC4-5D6E-409C-BE32-E72D297353CC}">
               <c16:uniqueId val="{00000000-F33F-4825-9B1E-5F85E70FEA06}"/>
             </c:ext>
@@ -4908,18 +4152,18 @@
                 <c:formatCode>General</c:formatCode>
                 <c:ptCount val="5"/>
                 <c:pt idx="2">
-                  <c:v>4</c:v>
+                  <c:v>4.0</c:v>
                 </c:pt>
                 <c:pt idx="3">
-                  <c:v>2</c:v>
+                  <c:v>2.0</c:v>
                 </c:pt>
                 <c:pt idx="4">
-                  <c:v>11</c:v>
+                  <c:v>11.0</c:v>
                 </c:pt>
               </c:numCache>
             </c:numRef>
           </c:val>
-          <c:extLst>
+          <c:extLst xmlns:c16r2="http://schemas.microsoft.com/office/drawing/2015/06/chart">
             <c:ext xmlns:c16="http://schemas.microsoft.com/office/drawing/2014/chart" uri="{C3380CC4-5D6E-409C-BE32-E72D297353CC}">
               <c16:uniqueId val="{00000001-F33F-4825-9B1E-5F85E70FEA06}"/>
             </c:ext>
@@ -4993,24 +4237,24 @@
                 <c:formatCode>General</c:formatCode>
                 <c:ptCount val="5"/>
                 <c:pt idx="0">
-                  <c:v>4</c:v>
+                  <c:v>4.0</c:v>
                 </c:pt>
                 <c:pt idx="1">
-                  <c:v>8</c:v>
+                  <c:v>8.0</c:v>
                 </c:pt>
                 <c:pt idx="2">
-                  <c:v>4</c:v>
+                  <c:v>4.0</c:v>
                 </c:pt>
                 <c:pt idx="3">
-                  <c:v>3</c:v>
+                  <c:v>3.0</c:v>
                 </c:pt>
                 <c:pt idx="4">
-                  <c:v>2</c:v>
+                  <c:v>2.0</c:v>
                 </c:pt>
               </c:numCache>
             </c:numRef>
           </c:val>
-          <c:extLst>
+          <c:extLst xmlns:c16r2="http://schemas.microsoft.com/office/drawing/2015/06/chart">
             <c:ext xmlns:c16="http://schemas.microsoft.com/office/drawing/2014/chart" uri="{C3380CC4-5D6E-409C-BE32-E72D297353CC}">
               <c16:uniqueId val="{00000002-F33F-4825-9B1E-5F85E70FEA06}"/>
             </c:ext>
@@ -5084,18 +4328,18 @@
                 <c:formatCode>General</c:formatCode>
                 <c:ptCount val="5"/>
                 <c:pt idx="2">
-                  <c:v>6</c:v>
+                  <c:v>6.0</c:v>
                 </c:pt>
                 <c:pt idx="3">
-                  <c:v>1</c:v>
+                  <c:v>1.0</c:v>
                 </c:pt>
                 <c:pt idx="4">
-                  <c:v>2</c:v>
+                  <c:v>2.0</c:v>
                 </c:pt>
               </c:numCache>
             </c:numRef>
           </c:val>
-          <c:extLst>
+          <c:extLst xmlns:c16r2="http://schemas.microsoft.com/office/drawing/2015/06/chart">
             <c:ext xmlns:c16="http://schemas.microsoft.com/office/drawing/2014/chart" uri="{C3380CC4-5D6E-409C-BE32-E72D297353CC}">
               <c16:uniqueId val="{00000003-F33F-4825-9B1E-5F85E70FEA06}"/>
             </c:ext>
@@ -5169,15 +4413,15 @@
                 <c:formatCode>General</c:formatCode>
                 <c:ptCount val="5"/>
                 <c:pt idx="3">
-                  <c:v>1</c:v>
+                  <c:v>1.0</c:v>
                 </c:pt>
                 <c:pt idx="4">
-                  <c:v>1</c:v>
+                  <c:v>1.0</c:v>
                 </c:pt>
               </c:numCache>
             </c:numRef>
           </c:val>
-          <c:extLst>
+          <c:extLst xmlns:c16r2="http://schemas.microsoft.com/office/drawing/2015/06/chart">
             <c:ext xmlns:c16="http://schemas.microsoft.com/office/drawing/2014/chart" uri="{C3380CC4-5D6E-409C-BE32-E72D297353CC}">
               <c16:uniqueId val="{00000004-F33F-4825-9B1E-5F85E70FEA06}"/>
             </c:ext>
@@ -5251,18 +4495,18 @@
                 <c:formatCode>General</c:formatCode>
                 <c:ptCount val="5"/>
                 <c:pt idx="2">
-                  <c:v>1</c:v>
+                  <c:v>1.0</c:v>
                 </c:pt>
                 <c:pt idx="3">
-                  <c:v>5</c:v>
+                  <c:v>5.0</c:v>
                 </c:pt>
                 <c:pt idx="4">
-                  <c:v>1</c:v>
+                  <c:v>1.0</c:v>
                 </c:pt>
               </c:numCache>
             </c:numRef>
           </c:val>
-          <c:extLst>
+          <c:extLst xmlns:c16r2="http://schemas.microsoft.com/office/drawing/2015/06/chart">
             <c:ext xmlns:c16="http://schemas.microsoft.com/office/drawing/2014/chart" uri="{C3380CC4-5D6E-409C-BE32-E72D297353CC}">
               <c16:uniqueId val="{00000005-F33F-4825-9B1E-5F85E70FEA06}"/>
             </c:ext>
@@ -5339,12 +4583,12 @@
                 <c:formatCode>General</c:formatCode>
                 <c:ptCount val="5"/>
                 <c:pt idx="4">
-                  <c:v>1</c:v>
+                  <c:v>1.0</c:v>
                 </c:pt>
               </c:numCache>
             </c:numRef>
           </c:val>
-          <c:extLst>
+          <c:extLst xmlns:c16r2="http://schemas.microsoft.com/office/drawing/2015/06/chart">
             <c:ext xmlns:c16="http://schemas.microsoft.com/office/drawing/2014/chart" uri="{C3380CC4-5D6E-409C-BE32-E72D297353CC}">
               <c16:uniqueId val="{00000006-F33F-4825-9B1E-5F85E70FEA06}"/>
             </c:ext>
@@ -5421,12 +4665,12 @@
                 <c:formatCode>General</c:formatCode>
                 <c:ptCount val="5"/>
                 <c:pt idx="1">
-                  <c:v>1</c:v>
+                  <c:v>1.0</c:v>
                 </c:pt>
               </c:numCache>
             </c:numRef>
           </c:val>
-          <c:extLst>
+          <c:extLst xmlns:c16r2="http://schemas.microsoft.com/office/drawing/2015/06/chart">
             <c:ext xmlns:c16="http://schemas.microsoft.com/office/drawing/2014/chart" uri="{C3380CC4-5D6E-409C-BE32-E72D297353CC}">
               <c16:uniqueId val="{00000007-F33F-4825-9B1E-5F85E70FEA06}"/>
             </c:ext>
@@ -5503,12 +4747,12 @@
                 <c:formatCode>General</c:formatCode>
                 <c:ptCount val="5"/>
                 <c:pt idx="4">
-                  <c:v>2</c:v>
+                  <c:v>2.0</c:v>
                 </c:pt>
               </c:numCache>
             </c:numRef>
           </c:val>
-          <c:extLst>
+          <c:extLst xmlns:c16r2="http://schemas.microsoft.com/office/drawing/2015/06/chart">
             <c:ext xmlns:c16="http://schemas.microsoft.com/office/drawing/2014/chart" uri="{C3380CC4-5D6E-409C-BE32-E72D297353CC}">
               <c16:uniqueId val="{00000008-F33F-4825-9B1E-5F85E70FEA06}"/>
             </c:ext>
@@ -5585,18 +4829,18 @@
                 <c:formatCode>General</c:formatCode>
                 <c:ptCount val="5"/>
                 <c:pt idx="2">
-                  <c:v>3</c:v>
+                  <c:v>3.0</c:v>
                 </c:pt>
                 <c:pt idx="3">
-                  <c:v>2</c:v>
+                  <c:v>2.0</c:v>
                 </c:pt>
                 <c:pt idx="4">
-                  <c:v>4</c:v>
+                  <c:v>4.0</c:v>
                 </c:pt>
               </c:numCache>
             </c:numRef>
           </c:val>
-          <c:extLst>
+          <c:extLst xmlns:c16r2="http://schemas.microsoft.com/office/drawing/2015/06/chart">
             <c:ext xmlns:c16="http://schemas.microsoft.com/office/drawing/2014/chart" uri="{C3380CC4-5D6E-409C-BE32-E72D297353CC}">
               <c16:uniqueId val="{00000009-F33F-4825-9B1E-5F85E70FEA06}"/>
             </c:ext>
@@ -5673,18 +4917,18 @@
                 <c:formatCode>General</c:formatCode>
                 <c:ptCount val="5"/>
                 <c:pt idx="1">
-                  <c:v>2</c:v>
+                  <c:v>2.0</c:v>
                 </c:pt>
                 <c:pt idx="3">
-                  <c:v>2</c:v>
+                  <c:v>2.0</c:v>
                 </c:pt>
                 <c:pt idx="4">
-                  <c:v>1</c:v>
+                  <c:v>1.0</c:v>
                 </c:pt>
               </c:numCache>
             </c:numRef>
           </c:val>
-          <c:extLst>
+          <c:extLst xmlns:c16r2="http://schemas.microsoft.com/office/drawing/2015/06/chart">
             <c:ext xmlns:c16="http://schemas.microsoft.com/office/drawing/2014/chart" uri="{C3380CC4-5D6E-409C-BE32-E72D297353CC}">
               <c16:uniqueId val="{0000000A-F33F-4825-9B1E-5F85E70FEA06}"/>
             </c:ext>
@@ -5761,18 +5005,18 @@
                 <c:formatCode>General</c:formatCode>
                 <c:ptCount val="5"/>
                 <c:pt idx="1">
-                  <c:v>2</c:v>
+                  <c:v>2.0</c:v>
                 </c:pt>
                 <c:pt idx="3">
-                  <c:v>3</c:v>
+                  <c:v>3.0</c:v>
                 </c:pt>
                 <c:pt idx="4">
-                  <c:v>2</c:v>
+                  <c:v>2.0</c:v>
                 </c:pt>
               </c:numCache>
             </c:numRef>
           </c:val>
-          <c:extLst>
+          <c:extLst xmlns:c16r2="http://schemas.microsoft.com/office/drawing/2015/06/chart">
             <c:ext xmlns:c16="http://schemas.microsoft.com/office/drawing/2014/chart" uri="{C3380CC4-5D6E-409C-BE32-E72D297353CC}">
               <c16:uniqueId val="{0000000B-F33F-4825-9B1E-5F85E70FEA06}"/>
             </c:ext>
@@ -5852,12 +5096,12 @@
                 <c:formatCode>General</c:formatCode>
                 <c:ptCount val="5"/>
                 <c:pt idx="3">
-                  <c:v>3</c:v>
+                  <c:v>3.0</c:v>
                 </c:pt>
               </c:numCache>
             </c:numRef>
           </c:val>
-          <c:extLst>
+          <c:extLst xmlns:c16r2="http://schemas.microsoft.com/office/drawing/2015/06/chart">
             <c:ext xmlns:c16="http://schemas.microsoft.com/office/drawing/2014/chart" uri="{C3380CC4-5D6E-409C-BE32-E72D297353CC}">
               <c16:uniqueId val="{0000000C-F33F-4825-9B1E-5F85E70FEA06}"/>
             </c:ext>
@@ -5873,12 +5117,12 @@
         </c:dLbls>
         <c:gapWidth val="65"/>
         <c:shape val="box"/>
-        <c:axId val="456231887"/>
-        <c:axId val="465324159"/>
+        <c:axId val="-432599040"/>
+        <c:axId val="-432596720"/>
         <c:axId val="0"/>
       </c:bar3DChart>
       <c:catAx>
-        <c:axId val="456231887"/>
+        <c:axId val="-432599040"/>
         <c:scaling>
           <c:orientation val="minMax"/>
         </c:scaling>
@@ -5921,7 +5165,7 @@
             <a:endParaRPr lang="en-US"/>
           </a:p>
         </c:txPr>
-        <c:crossAx val="465324159"/>
+        <c:crossAx val="-432596720"/>
         <c:crosses val="autoZero"/>
         <c:auto val="1"/>
         <c:lblAlgn val="ctr"/>
@@ -5929,7 +5173,7 @@
         <c:noMultiLvlLbl val="0"/>
       </c:catAx>
       <c:valAx>
-        <c:axId val="465324159"/>
+        <c:axId val="-432596720"/>
         <c:scaling>
           <c:orientation val="minMax"/>
         </c:scaling>
@@ -5980,7 +5224,7 @@
             <a:endParaRPr lang="en-US"/>
           </a:p>
         </c:txPr>
-        <c:crossAx val="456231887"/>
+        <c:crossAx val="-432599040"/>
         <c:crosses val="autoZero"/>
         <c:crossBetween val="between"/>
       </c:valAx>
@@ -5994,6 +5238,7 @@
     </c:plotArea>
     <c:legend>
       <c:legendPos val="r"/>
+      <c:layout/>
       <c:overlay val="0"/>
       <c:spPr>
         <a:solidFill>
@@ -6030,14 +5275,14 @@
     </c:legend>
     <c:plotVisOnly val="1"/>
     <c:dispBlanksAs val="gap"/>
-    <c:extLst>
+    <c:showDLblsOverMax val="0"/>
+    <c:extLst xmlns:c16r2="http://schemas.microsoft.com/office/drawing/2015/06/chart">
       <c:ext xmlns:c16r3="http://schemas.microsoft.com/office/drawing/2017/03/chart" uri="{56B9EC1D-385E-4148-901F-78D8002777C0}">
         <c16r3:dataDisplayOptions16>
           <c16r3:dispNaAsBlank val="1"/>
         </c16r3:dataDisplayOptions16>
       </c:ext>
     </c:extLst>
-    <c:showDLblsOverMax val="0"/>
   </c:chart>
   <c:spPr>
     <a:gradFill flip="none" rotWithShape="1">
@@ -6083,7 +5328,12 @@
   <c:externalData r:id="rId3">
     <c:autoUpdate val="0"/>
   </c:externalData>
-  <c:extLst>
+  <c:extLst xmlns:c16r2="http://schemas.microsoft.com/office/drawing/2015/06/chart">
+    <c:ext xmlns:c16="http://schemas.microsoft.com/office/drawing/2014/chart" uri="{E28EC0CA-F0BB-4C9C-879D-F8772B89E7AC}">
+      <c16:pivotOptions16>
+        <c16:showExpandCollapseFieldButtons val="1"/>
+      </c16:pivotOptions16>
+    </c:ext>
     <c:ext xmlns:c14="http://schemas.microsoft.com/office/drawing/2007/8/2/chart" uri="{781A3756-C4B2-4CAC-9D66-4F8BD8637D16}">
       <c14:pivotOptions>
         <c14:dropZoneFilter val="1"/>
@@ -6093,12 +5343,771 @@
         <c14:dropZonesVisible val="1"/>
       </c14:pivotOptions>
     </c:ext>
-    <c:ext xmlns:c16="http://schemas.microsoft.com/office/drawing/2014/chart" uri="{E28EC0CA-F0BB-4C9C-879D-F8772B89E7AC}">
-      <c16:pivotOptions16>
-        <c16:showExpandCollapseFieldButtons val="1"/>
-      </c16:pivotOptions16>
-    </c:ext>
   </c:extLst>
+</c:chartSpace>
+</file>
+
+<file path=ppt/charts/chart3.xml><?xml version="1.0" encoding="utf-8"?>
+<c:chartSpace xmlns:c="http://schemas.openxmlformats.org/drawingml/2006/chart" xmlns:a="http://schemas.openxmlformats.org/drawingml/2006/main" xmlns:r="http://schemas.openxmlformats.org/officeDocument/2006/relationships">
+  <c:date1904 val="0"/>
+  <c:lang val="en-US"/>
+  <c:roundedCorners val="0"/>
+  <mc:AlternateContent xmlns:mc="http://schemas.openxmlformats.org/markup-compatibility/2006">
+    <mc:Choice xmlns:c14="http://schemas.microsoft.com/office/drawing/2007/8/2/chart" Requires="c14">
+      <c14:style val="102"/>
+    </mc:Choice>
+    <mc:Fallback>
+      <c:style val="2"/>
+    </mc:Fallback>
+  </mc:AlternateContent>
+  <c:chart>
+    <c:title>
+      <c:layout/>
+      <c:overlay val="0"/>
+      <c:spPr>
+        <a:noFill/>
+        <a:ln>
+          <a:noFill/>
+        </a:ln>
+        <a:effectLst/>
+      </c:spPr>
+      <c:txPr>
+        <a:bodyPr rot="0" spcFirstLastPara="1" vertOverflow="ellipsis" vert="horz" wrap="square" anchor="ctr" anchorCtr="1"/>
+        <a:lstStyle/>
+        <a:p>
+          <a:pPr>
+            <a:defRPr sz="2128" b="1" i="0" u="none" strike="noStrike" kern="1200" cap="all" spc="120" normalizeH="0" baseline="0">
+              <a:solidFill>
+                <a:schemeClr val="tx1">
+                  <a:lumMod val="65000"/>
+                  <a:lumOff val="35000"/>
+                </a:schemeClr>
+              </a:solidFill>
+              <a:latin typeface="+mn-lt"/>
+              <a:ea typeface="+mn-ea"/>
+              <a:cs typeface="+mn-cs"/>
+            </a:defRPr>
+          </a:pPr>
+          <a:endParaRPr lang="en-US"/>
+        </a:p>
+      </c:txPr>
+    </c:title>
+    <c:autoTitleDeleted val="0"/>
+    <c:pivotFmts>
+      <c:pivotFmt>
+        <c:idx val="0"/>
+        <c:spPr>
+          <a:solidFill>
+            <a:schemeClr val="accent1"/>
+          </a:solidFill>
+          <a:ln w="28575" cap="rnd">
+            <a:solidFill>
+              <a:schemeClr val="accent1"/>
+            </a:solidFill>
+            <a:round/>
+          </a:ln>
+          <a:effectLst/>
+        </c:spPr>
+        <c:marker>
+          <c:symbol val="circle"/>
+          <c:size val="5"/>
+          <c:spPr>
+            <a:solidFill>
+              <a:schemeClr val="accent1"/>
+            </a:solidFill>
+            <a:ln w="9525">
+              <a:solidFill>
+                <a:schemeClr val="accent1"/>
+              </a:solidFill>
+              <a:round/>
+            </a:ln>
+            <a:effectLst/>
+          </c:spPr>
+        </c:marker>
+        <c:dLbl>
+          <c:idx val="0"/>
+          <c:spPr>
+            <a:noFill/>
+            <a:ln>
+              <a:noFill/>
+            </a:ln>
+            <a:effectLst/>
+          </c:spPr>
+          <c:txPr>
+            <a:bodyPr rot="0" spcFirstLastPara="1" vertOverflow="ellipsis" vert="horz" wrap="square" lIns="38100" tIns="19050" rIns="38100" bIns="19050" anchor="ctr" anchorCtr="1">
+              <a:spAutoFit/>
+            </a:bodyPr>
+            <a:lstStyle/>
+            <a:p>
+              <a:pPr>
+                <a:defRPr sz="900" b="0" i="0" u="none" strike="noStrike" kern="1200" baseline="0">
+                  <a:solidFill>
+                    <a:schemeClr val="tx1">
+                      <a:lumMod val="75000"/>
+                      <a:lumOff val="25000"/>
+                    </a:schemeClr>
+                  </a:solidFill>
+                  <a:latin typeface="+mn-lt"/>
+                  <a:ea typeface="+mn-ea"/>
+                  <a:cs typeface="+mn-cs"/>
+                </a:defRPr>
+              </a:pPr>
+              <a:endParaRPr lang="en-US"/>
+            </a:p>
+          </c:txPr>
+          <c:showLegendKey val="0"/>
+          <c:showVal val="0"/>
+          <c:showCatName val="0"/>
+          <c:showSerName val="0"/>
+          <c:showPercent val="0"/>
+          <c:showBubbleSize val="0"/>
+          <c:extLst xmlns:c16r2="http://schemas.microsoft.com/office/drawing/2015/06/chart">
+            <c:ext xmlns:c15="http://schemas.microsoft.com/office/drawing/2012/chart" uri="{CE6537A1-D6FC-4f65-9D91-7224C49458BB}"/>
+          </c:extLst>
+        </c:dLbl>
+      </c:pivotFmt>
+      <c:pivotFmt>
+        <c:idx val="1"/>
+        <c:spPr>
+          <a:solidFill>
+            <a:schemeClr val="accent1"/>
+          </a:solidFill>
+          <a:ln w="28575" cap="rnd">
+            <a:solidFill>
+              <a:schemeClr val="accent1"/>
+            </a:solidFill>
+            <a:round/>
+          </a:ln>
+          <a:effectLst/>
+        </c:spPr>
+        <c:marker>
+          <c:symbol val="circle"/>
+          <c:size val="5"/>
+          <c:spPr>
+            <a:solidFill>
+              <a:schemeClr val="accent1"/>
+            </a:solidFill>
+            <a:ln w="9525">
+              <a:solidFill>
+                <a:schemeClr val="accent1"/>
+              </a:solidFill>
+              <a:round/>
+            </a:ln>
+            <a:effectLst/>
+          </c:spPr>
+        </c:marker>
+        <c:dLbl>
+          <c:idx val="0"/>
+          <c:spPr>
+            <a:noFill/>
+            <a:ln>
+              <a:noFill/>
+            </a:ln>
+            <a:effectLst/>
+          </c:spPr>
+          <c:txPr>
+            <a:bodyPr rot="0" spcFirstLastPara="1" vertOverflow="ellipsis" vert="horz" wrap="square" lIns="38100" tIns="19050" rIns="38100" bIns="19050" anchor="ctr" anchorCtr="1">
+              <a:spAutoFit/>
+            </a:bodyPr>
+            <a:lstStyle/>
+            <a:p>
+              <a:pPr>
+                <a:defRPr sz="900" b="0" i="0" u="none" strike="noStrike" kern="1200" baseline="0">
+                  <a:solidFill>
+                    <a:schemeClr val="tx1">
+                      <a:lumMod val="75000"/>
+                      <a:lumOff val="25000"/>
+                    </a:schemeClr>
+                  </a:solidFill>
+                  <a:latin typeface="+mn-lt"/>
+                  <a:ea typeface="+mn-ea"/>
+                  <a:cs typeface="+mn-cs"/>
+                </a:defRPr>
+              </a:pPr>
+              <a:endParaRPr lang="en-US"/>
+            </a:p>
+          </c:txPr>
+          <c:showLegendKey val="0"/>
+          <c:showVal val="0"/>
+          <c:showCatName val="0"/>
+          <c:showSerName val="0"/>
+          <c:showPercent val="0"/>
+          <c:showBubbleSize val="0"/>
+          <c:extLst xmlns:c16r2="http://schemas.microsoft.com/office/drawing/2015/06/chart">
+            <c:ext xmlns:c15="http://schemas.microsoft.com/office/drawing/2012/chart" uri="{CE6537A1-D6FC-4f65-9D91-7224C49458BB}"/>
+          </c:extLst>
+        </c:dLbl>
+      </c:pivotFmt>
+      <c:pivotFmt>
+        <c:idx val="2"/>
+        <c:spPr>
+          <a:solidFill>
+            <a:schemeClr val="accent1"/>
+          </a:solidFill>
+          <a:ln w="28575" cap="rnd">
+            <a:solidFill>
+              <a:schemeClr val="accent1"/>
+            </a:solidFill>
+            <a:round/>
+          </a:ln>
+          <a:effectLst/>
+        </c:spPr>
+        <c:marker>
+          <c:symbol val="circle"/>
+          <c:size val="5"/>
+          <c:spPr>
+            <a:solidFill>
+              <a:schemeClr val="accent1"/>
+            </a:solidFill>
+            <a:ln w="9525">
+              <a:solidFill>
+                <a:schemeClr val="accent1"/>
+              </a:solidFill>
+              <a:round/>
+            </a:ln>
+            <a:effectLst/>
+          </c:spPr>
+        </c:marker>
+        <c:dLbl>
+          <c:idx val="0"/>
+          <c:spPr>
+            <a:noFill/>
+            <a:ln>
+              <a:noFill/>
+            </a:ln>
+            <a:effectLst/>
+          </c:spPr>
+          <c:txPr>
+            <a:bodyPr rot="0" spcFirstLastPara="1" vertOverflow="ellipsis" vert="horz" wrap="square" lIns="38100" tIns="19050" rIns="38100" bIns="19050" anchor="ctr" anchorCtr="1">
+              <a:spAutoFit/>
+            </a:bodyPr>
+            <a:lstStyle/>
+            <a:p>
+              <a:pPr>
+                <a:defRPr sz="900" b="0" i="0" u="none" strike="noStrike" kern="1200" baseline="0">
+                  <a:solidFill>
+                    <a:schemeClr val="tx1">
+                      <a:lumMod val="75000"/>
+                      <a:lumOff val="25000"/>
+                    </a:schemeClr>
+                  </a:solidFill>
+                  <a:latin typeface="+mn-lt"/>
+                  <a:ea typeface="+mn-ea"/>
+                  <a:cs typeface="+mn-cs"/>
+                </a:defRPr>
+              </a:pPr>
+              <a:endParaRPr lang="en-US"/>
+            </a:p>
+          </c:txPr>
+          <c:showLegendKey val="0"/>
+          <c:showVal val="0"/>
+          <c:showCatName val="0"/>
+          <c:showSerName val="0"/>
+          <c:showPercent val="0"/>
+          <c:showBubbleSize val="0"/>
+          <c:extLst xmlns:c16r2="http://schemas.microsoft.com/office/drawing/2015/06/chart">
+            <c:ext xmlns:c15="http://schemas.microsoft.com/office/drawing/2012/chart" uri="{CE6537A1-D6FC-4f65-9D91-7224C49458BB}"/>
+          </c:extLst>
+        </c:dLbl>
+      </c:pivotFmt>
+    </c:pivotFmts>
+    <c:plotArea>
+      <c:layout/>
+      <c:lineChart>
+        <c:grouping val="stacked"/>
+        <c:varyColors val="0"/>
+        <c:ser>
+          <c:idx val="0"/>
+          <c:order val="0"/>
+          <c:tx>
+            <c:v>Total</c:v>
+          </c:tx>
+          <c:spPr>
+            <a:ln w="22225" cap="rnd">
+              <a:solidFill>
+                <a:schemeClr val="accent1"/>
+              </a:solidFill>
+              <a:round/>
+            </a:ln>
+            <a:effectLst/>
+          </c:spPr>
+          <c:marker>
+            <c:symbol val="diamond"/>
+            <c:size val="6"/>
+            <c:spPr>
+              <a:solidFill>
+                <a:schemeClr val="accent1"/>
+              </a:solidFill>
+              <a:ln w="9525">
+                <a:solidFill>
+                  <a:schemeClr val="accent1"/>
+                </a:solidFill>
+                <a:round/>
+              </a:ln>
+              <a:effectLst/>
+            </c:spPr>
+          </c:marker>
+          <c:dLbls>
+            <c:spPr>
+              <a:noFill/>
+              <a:ln>
+                <a:noFill/>
+              </a:ln>
+              <a:effectLst/>
+            </c:spPr>
+            <c:txPr>
+              <a:bodyPr rot="0" spcFirstLastPara="1" vertOverflow="ellipsis" vert="horz" wrap="square" lIns="38100" tIns="19050" rIns="38100" bIns="19050" anchor="ctr" anchorCtr="1">
+                <a:spAutoFit/>
+              </a:bodyPr>
+              <a:lstStyle/>
+              <a:p>
+                <a:pPr>
+                  <a:defRPr sz="1197" b="0" i="0" u="none" strike="noStrike" kern="1200" baseline="0">
+                    <a:solidFill>
+                      <a:schemeClr val="tx1">
+                        <a:lumMod val="50000"/>
+                        <a:lumOff val="50000"/>
+                      </a:schemeClr>
+                    </a:solidFill>
+                    <a:latin typeface="+mn-lt"/>
+                    <a:ea typeface="+mn-ea"/>
+                    <a:cs typeface="+mn-cs"/>
+                  </a:defRPr>
+                </a:pPr>
+                <a:endParaRPr lang="en-US"/>
+              </a:p>
+            </c:txPr>
+            <c:dLblPos val="ctr"/>
+            <c:showLegendKey val="0"/>
+            <c:showVal val="1"/>
+            <c:showCatName val="0"/>
+            <c:showSerName val="0"/>
+            <c:showPercent val="0"/>
+            <c:showBubbleSize val="0"/>
+            <c:showLeaderLines val="0"/>
+            <c:extLst xmlns:c16r2="http://schemas.microsoft.com/office/drawing/2015/06/chart">
+              <c:ext xmlns:c15="http://schemas.microsoft.com/office/drawing/2012/chart" uri="{CE6537A1-D6FC-4f65-9D91-7224C49458BB}">
+                <c15:layout/>
+                <c15:showLeaderLines val="1"/>
+                <c15:leaderLines>
+                  <c:spPr>
+                    <a:ln w="9525">
+                      <a:solidFill>
+                        <a:schemeClr val="tx1">
+                          <a:lumMod val="35000"/>
+                          <a:lumOff val="65000"/>
+                        </a:schemeClr>
+                      </a:solidFill>
+                    </a:ln>
+                    <a:effectLst/>
+                  </c:spPr>
+                </c15:leaderLines>
+              </c:ext>
+            </c:extLst>
+          </c:dLbls>
+          <c:cat>
+            <c:strLit>
+              <c:ptCount val="31"/>
+              <c:pt idx="0">
+                <c:v>0.5 Cadillac</c:v>
+              </c:pt>
+              <c:pt idx="1">
+                <c:v>3 Bentley</c:v>
+              </c:pt>
+              <c:pt idx="2">
+                <c:v>3 BMW</c:v>
+              </c:pt>
+              <c:pt idx="3">
+                <c:v>3 Cadillac</c:v>
+              </c:pt>
+              <c:pt idx="4">
+                <c:v>3 Nissan</c:v>
+              </c:pt>
+              <c:pt idx="5">
+                <c:v>3 Toyota</c:v>
+              </c:pt>
+              <c:pt idx="6">
+                <c:v>4.5 BMW</c:v>
+              </c:pt>
+              <c:pt idx="7">
+                <c:v>4.5 Cadillac</c:v>
+              </c:pt>
+              <c:pt idx="8">
+                <c:v>4.5 Dodge</c:v>
+              </c:pt>
+              <c:pt idx="9">
+                <c:v>4.5 Toyota</c:v>
+              </c:pt>
+              <c:pt idx="10">
+                <c:v>5 Bentley</c:v>
+              </c:pt>
+              <c:pt idx="11">
+                <c:v>5 BMW</c:v>
+              </c:pt>
+              <c:pt idx="12">
+                <c:v>5 Cadillac</c:v>
+              </c:pt>
+              <c:pt idx="13">
+                <c:v>5 Chevrolet</c:v>
+              </c:pt>
+              <c:pt idx="14">
+                <c:v>5 Dodge</c:v>
+              </c:pt>
+              <c:pt idx="15">
+                <c:v>5 Ford</c:v>
+              </c:pt>
+              <c:pt idx="16">
+                <c:v>5 Hyundai</c:v>
+              </c:pt>
+              <c:pt idx="17">
+                <c:v>5 Lexus</c:v>
+              </c:pt>
+              <c:pt idx="18">
+                <c:v>5 Mercedes-Benz</c:v>
+              </c:pt>
+              <c:pt idx="19">
+                <c:v>5 Nissan</c:v>
+              </c:pt>
+              <c:pt idx="20">
+                <c:v>5 Toyota</c:v>
+              </c:pt>
+              <c:pt idx="21">
+                <c:v>5 Volkswagen</c:v>
+              </c:pt>
+              <c:pt idx="22">
+                <c:v>(blank) BMW</c:v>
+              </c:pt>
+              <c:pt idx="23">
+                <c:v>(blank) Cadillac</c:v>
+              </c:pt>
+              <c:pt idx="24">
+                <c:v>(blank) Chevrolet</c:v>
+              </c:pt>
+              <c:pt idx="25">
+                <c:v>(blank) Ford</c:v>
+              </c:pt>
+              <c:pt idx="26">
+                <c:v>(blank) Infiniti</c:v>
+              </c:pt>
+              <c:pt idx="27">
+                <c:v>(blank) Mercedes-Benz</c:v>
+              </c:pt>
+              <c:pt idx="28">
+                <c:v>(blank) Nissan</c:v>
+              </c:pt>
+              <c:pt idx="29">
+                <c:v>(blank) Toyota</c:v>
+              </c:pt>
+              <c:pt idx="30">
+                <c:v>(blank) Volkswagen</c:v>
+              </c:pt>
+            </c:strLit>
+          </c:cat>
+          <c:val>
+            <c:numLit>
+              <c:formatCode>General</c:formatCode>
+              <c:ptCount val="31"/>
+              <c:pt idx="0">
+                <c:v>1.0</c:v>
+              </c:pt>
+              <c:pt idx="1">
+                <c:v>1.0</c:v>
+              </c:pt>
+              <c:pt idx="2">
+                <c:v>2.0</c:v>
+              </c:pt>
+              <c:pt idx="3">
+                <c:v>5.0</c:v>
+              </c:pt>
+              <c:pt idx="4">
+                <c:v>1.0</c:v>
+              </c:pt>
+              <c:pt idx="5">
+                <c:v>2.0</c:v>
+              </c:pt>
+              <c:pt idx="6">
+                <c:v>1.0</c:v>
+              </c:pt>
+              <c:pt idx="7">
+                <c:v>1.0</c:v>
+              </c:pt>
+              <c:pt idx="8">
+                <c:v>1.0</c:v>
+              </c:pt>
+              <c:pt idx="9">
+                <c:v>2.0</c:v>
+              </c:pt>
+              <c:pt idx="10">
+                <c:v>2.0</c:v>
+              </c:pt>
+              <c:pt idx="11">
+                <c:v>12.0</c:v>
+              </c:pt>
+              <c:pt idx="12">
+                <c:v>12.0</c:v>
+              </c:pt>
+              <c:pt idx="13">
+                <c:v>4.0</c:v>
+              </c:pt>
+              <c:pt idx="14">
+                <c:v>1.0</c:v>
+              </c:pt>
+              <c:pt idx="15">
+                <c:v>4.0</c:v>
+              </c:pt>
+              <c:pt idx="16">
+                <c:v>1.0</c:v>
+              </c:pt>
+              <c:pt idx="17">
+                <c:v>2.0</c:v>
+              </c:pt>
+              <c:pt idx="18">
+                <c:v>5.0</c:v>
+              </c:pt>
+              <c:pt idx="19">
+                <c:v>3.0</c:v>
+              </c:pt>
+              <c:pt idx="20">
+                <c:v>2.0</c:v>
+              </c:pt>
+              <c:pt idx="21">
+                <c:v>2.0</c:v>
+              </c:pt>
+              <c:pt idx="22">
+                <c:v>2.0</c:v>
+              </c:pt>
+              <c:pt idx="23">
+                <c:v>2.0</c:v>
+              </c:pt>
+              <c:pt idx="24">
+                <c:v>5.0</c:v>
+              </c:pt>
+              <c:pt idx="25">
+                <c:v>3.0</c:v>
+              </c:pt>
+              <c:pt idx="26">
+                <c:v>1.0</c:v>
+              </c:pt>
+              <c:pt idx="27">
+                <c:v>4.0</c:v>
+              </c:pt>
+              <c:pt idx="28">
+                <c:v>1.0</c:v>
+              </c:pt>
+              <c:pt idx="29">
+                <c:v>1.0</c:v>
+              </c:pt>
+              <c:pt idx="30">
+                <c:v>1.0</c:v>
+              </c:pt>
+            </c:numLit>
+          </c:val>
+          <c:smooth val="0"/>
+          <c:extLst xmlns:c16r2="http://schemas.microsoft.com/office/drawing/2015/06/chart">
+            <c:ext xmlns:c16="http://schemas.microsoft.com/office/drawing/2014/chart" uri="{C3380CC4-5D6E-409C-BE32-E72D297353CC}">
+              <c16:uniqueId val="{00000000-6B74-46C5-9CB4-C00A92E002B7}"/>
+            </c:ext>
+          </c:extLst>
+        </c:ser>
+        <c:dLbls>
+          <c:dLblPos val="ctr"/>
+          <c:showLegendKey val="0"/>
+          <c:showVal val="1"/>
+          <c:showCatName val="0"/>
+          <c:showSerName val="0"/>
+          <c:showPercent val="0"/>
+          <c:showBubbleSize val="0"/>
+        </c:dLbls>
+        <c:marker val="1"/>
+        <c:smooth val="0"/>
+        <c:axId val="-431491616"/>
+        <c:axId val="-431489296"/>
+      </c:lineChart>
+      <c:catAx>
+        <c:axId val="-431491616"/>
+        <c:scaling>
+          <c:orientation val="minMax"/>
+        </c:scaling>
+        <c:delete val="0"/>
+        <c:axPos val="b"/>
+        <c:majorGridlines>
+          <c:spPr>
+            <a:ln w="9525" cap="flat" cmpd="sng" algn="ctr">
+              <a:solidFill>
+                <a:schemeClr val="tx1">
+                  <a:lumMod val="15000"/>
+                  <a:lumOff val="85000"/>
+                </a:schemeClr>
+              </a:solidFill>
+              <a:round/>
+            </a:ln>
+            <a:effectLst/>
+          </c:spPr>
+        </c:majorGridlines>
+        <c:numFmt formatCode="General" sourceLinked="1"/>
+        <c:majorTickMark val="none"/>
+        <c:minorTickMark val="none"/>
+        <c:tickLblPos val="nextTo"/>
+        <c:spPr>
+          <a:noFill/>
+          <a:ln w="9525" cap="flat" cmpd="sng" algn="ctr">
+            <a:solidFill>
+              <a:schemeClr val="tx1">
+                <a:lumMod val="15000"/>
+                <a:lumOff val="85000"/>
+              </a:schemeClr>
+            </a:solidFill>
+            <a:round/>
+          </a:ln>
+          <a:effectLst/>
+        </c:spPr>
+        <c:txPr>
+          <a:bodyPr rot="-60000000" spcFirstLastPara="1" vertOverflow="ellipsis" vert="horz" wrap="square" anchor="ctr" anchorCtr="1"/>
+          <a:lstStyle/>
+          <a:p>
+            <a:pPr>
+              <a:defRPr sz="1064" b="0" i="0" u="none" strike="noStrike" kern="1200" cap="all" spc="120" normalizeH="0" baseline="0">
+                <a:solidFill>
+                  <a:schemeClr val="tx1">
+                    <a:lumMod val="65000"/>
+                    <a:lumOff val="35000"/>
+                  </a:schemeClr>
+                </a:solidFill>
+                <a:latin typeface="+mn-lt"/>
+                <a:ea typeface="+mn-ea"/>
+                <a:cs typeface="+mn-cs"/>
+              </a:defRPr>
+            </a:pPr>
+            <a:endParaRPr lang="en-US"/>
+          </a:p>
+        </c:txPr>
+        <c:crossAx val="-431489296"/>
+        <c:crosses val="autoZero"/>
+        <c:auto val="1"/>
+        <c:lblAlgn val="ctr"/>
+        <c:lblOffset val="100"/>
+        <c:noMultiLvlLbl val="0"/>
+      </c:catAx>
+      <c:valAx>
+        <c:axId val="-431489296"/>
+        <c:scaling>
+          <c:orientation val="minMax"/>
+        </c:scaling>
+        <c:delete val="0"/>
+        <c:axPos val="l"/>
+        <c:numFmt formatCode="General" sourceLinked="1"/>
+        <c:majorTickMark val="none"/>
+        <c:minorTickMark val="none"/>
+        <c:tickLblPos val="nextTo"/>
+        <c:spPr>
+          <a:noFill/>
+          <a:ln w="9525" cap="flat" cmpd="sng" algn="ctr">
+            <a:solidFill>
+              <a:schemeClr val="dk1">
+                <a:lumMod val="15000"/>
+                <a:lumOff val="85000"/>
+              </a:schemeClr>
+            </a:solidFill>
+            <a:round/>
+          </a:ln>
+          <a:effectLst/>
+        </c:spPr>
+        <c:txPr>
+          <a:bodyPr rot="-60000000" spcFirstLastPara="1" vertOverflow="ellipsis" vert="horz" wrap="square" anchor="ctr" anchorCtr="1"/>
+          <a:lstStyle/>
+          <a:p>
+            <a:pPr>
+              <a:defRPr sz="1197" b="0" i="0" u="none" strike="noStrike" kern="1200" baseline="0">
+                <a:solidFill>
+                  <a:schemeClr val="tx1">
+                    <a:lumMod val="65000"/>
+                    <a:lumOff val="35000"/>
+                  </a:schemeClr>
+                </a:solidFill>
+                <a:latin typeface="+mn-lt"/>
+                <a:ea typeface="+mn-ea"/>
+                <a:cs typeface="+mn-cs"/>
+              </a:defRPr>
+            </a:pPr>
+            <a:endParaRPr lang="en-US"/>
+          </a:p>
+        </c:txPr>
+        <c:crossAx val="-431491616"/>
+        <c:crosses val="autoZero"/>
+        <c:crossBetween val="between"/>
+      </c:valAx>
+      <c:spPr>
+        <a:noFill/>
+        <a:ln>
+          <a:noFill/>
+        </a:ln>
+        <a:effectLst/>
+      </c:spPr>
+    </c:plotArea>
+    <c:legend>
+      <c:legendPos val="r"/>
+      <c:layout/>
+      <c:overlay val="0"/>
+      <c:spPr>
+        <a:noFill/>
+        <a:ln>
+          <a:noFill/>
+        </a:ln>
+        <a:effectLst/>
+      </c:spPr>
+      <c:txPr>
+        <a:bodyPr rot="0" spcFirstLastPara="1" vertOverflow="ellipsis" vert="horz" wrap="square" anchor="ctr" anchorCtr="1"/>
+        <a:lstStyle/>
+        <a:p>
+          <a:pPr>
+            <a:defRPr sz="1197" b="0" i="0" u="none" strike="noStrike" kern="1200" baseline="0">
+              <a:solidFill>
+                <a:schemeClr val="tx1">
+                  <a:lumMod val="65000"/>
+                  <a:lumOff val="35000"/>
+                </a:schemeClr>
+              </a:solidFill>
+              <a:latin typeface="+mn-lt"/>
+              <a:ea typeface="+mn-ea"/>
+              <a:cs typeface="+mn-cs"/>
+            </a:defRPr>
+          </a:pPr>
+          <a:endParaRPr lang="en-US"/>
+        </a:p>
+      </c:txPr>
+    </c:legend>
+    <c:plotVisOnly val="1"/>
+    <c:dispBlanksAs val="zero"/>
+    <c:showDLblsOverMax val="0"/>
+    <c:extLst xmlns:c16r2="http://schemas.microsoft.com/office/drawing/2015/06/chart">
+      <c:ext xmlns:c16r3="http://schemas.microsoft.com/office/drawing/2017/03/chart" uri="{56B9EC1D-385E-4148-901F-78D8002777C0}">
+        <c16r3:dataDisplayOptions16>
+          <c16r3:dispNaAsBlank val="1"/>
+        </c16r3:dataDisplayOptions16>
+      </c:ext>
+    </c:extLst>
+  </c:chart>
+  <c:spPr>
+    <a:noFill/>
+    <a:ln>
+      <a:noFill/>
+    </a:ln>
+    <a:effectLst/>
+  </c:spPr>
+  <c:txPr>
+    <a:bodyPr/>
+    <a:lstStyle/>
+    <a:p>
+      <a:pPr>
+        <a:defRPr/>
+      </a:pPr>
+      <a:endParaRPr lang="en-US"/>
+    </a:p>
+  </c:txPr>
+  <c:externalData r:id="rId3">
+    <c:autoUpdate val="0"/>
+  </c:externalData>
+  <c:extLst xmlns:c16r2="http://schemas.microsoft.com/office/drawing/2015/06/chart"/>
 </c:chartSpace>
 </file>
 
@@ -6824,527 +6833,6 @@
 </file>
 
 <file path=ppt/charts/style2.xml><?xml version="1.0" encoding="utf-8"?>
-<cs:chartStyle xmlns:cs="http://schemas.microsoft.com/office/drawing/2012/chartStyle" xmlns:a="http://schemas.openxmlformats.org/drawingml/2006/main" id="239">
-  <cs:axisTitle>
-    <cs:lnRef idx="0"/>
-    <cs:fillRef idx="0"/>
-    <cs:effectRef idx="0"/>
-    <cs:fontRef idx="minor">
-      <a:schemeClr val="tx1">
-        <a:lumMod val="65000"/>
-        <a:lumOff val="35000"/>
-      </a:schemeClr>
-    </cs:fontRef>
-    <cs:defRPr sz="1197" kern="1200" cap="all"/>
-  </cs:axisTitle>
-  <cs:categoryAxis>
-    <cs:lnRef idx="0"/>
-    <cs:fillRef idx="0"/>
-    <cs:effectRef idx="0"/>
-    <cs:fontRef idx="minor">
-      <a:schemeClr val="tx1">
-        <a:lumMod val="65000"/>
-        <a:lumOff val="35000"/>
-      </a:schemeClr>
-    </cs:fontRef>
-    <cs:spPr>
-      <a:ln w="9525" cap="flat" cmpd="sng" algn="ctr">
-        <a:solidFill>
-          <a:schemeClr val="tx1">
-            <a:lumMod val="15000"/>
-            <a:lumOff val="85000"/>
-          </a:schemeClr>
-        </a:solidFill>
-        <a:round/>
-      </a:ln>
-    </cs:spPr>
-    <cs:defRPr sz="1064" kern="1200" cap="all" spc="120" normalizeH="0" baseline="0"/>
-  </cs:categoryAxis>
-  <cs:chartArea mods="allowNoFillOverride allowNoLineOverride">
-    <cs:lnRef idx="0"/>
-    <cs:fillRef idx="0"/>
-    <cs:effectRef idx="0"/>
-    <cs:fontRef idx="minor">
-      <a:schemeClr val="dk1"/>
-    </cs:fontRef>
-    <cs:spPr>
-      <a:solidFill>
-        <a:schemeClr val="lt1"/>
-      </a:solidFill>
-      <a:ln w="9525" cap="flat" cmpd="sng" algn="ctr">
-        <a:solidFill>
-          <a:schemeClr val="tx1">
-            <a:lumMod val="15000"/>
-            <a:lumOff val="85000"/>
-          </a:schemeClr>
-        </a:solidFill>
-        <a:round/>
-      </a:ln>
-    </cs:spPr>
-    <cs:defRPr sz="1197" kern="1200"/>
-  </cs:chartArea>
-  <cs:dataLabel>
-    <cs:lnRef idx="0"/>
-    <cs:fillRef idx="0"/>
-    <cs:effectRef idx="0"/>
-    <cs:fontRef idx="minor">
-      <a:schemeClr val="tx1">
-        <a:lumMod val="50000"/>
-        <a:lumOff val="50000"/>
-      </a:schemeClr>
-    </cs:fontRef>
-    <cs:defRPr sz="1197" b="0" i="0" u="none" strike="noStrike" kern="1200" baseline="0"/>
-  </cs:dataLabel>
-  <cs:dataLabelCallout>
-    <cs:lnRef idx="0"/>
-    <cs:fillRef idx="0"/>
-    <cs:effectRef idx="0"/>
-    <cs:fontRef idx="minor">
-      <a:schemeClr val="dk1">
-        <a:lumMod val="65000"/>
-        <a:lumOff val="35000"/>
-      </a:schemeClr>
-    </cs:fontRef>
-    <cs:spPr>
-      <a:solidFill>
-        <a:schemeClr val="lt1"/>
-      </a:solidFill>
-      <a:ln>
-        <a:solidFill>
-          <a:schemeClr val="dk1">
-            <a:lumMod val="25000"/>
-            <a:lumOff val="75000"/>
-          </a:schemeClr>
-        </a:solidFill>
-      </a:ln>
-    </cs:spPr>
-    <cs:defRPr sz="1197" kern="1200"/>
-    <cs:bodyPr rot="0" spcFirstLastPara="1" vertOverflow="clip" horzOverflow="clip" vert="horz" wrap="square" lIns="36576" tIns="18288" rIns="36576" bIns="18288" anchor="ctr" anchorCtr="1">
-      <a:spAutoFit/>
-    </cs:bodyPr>
-  </cs:dataLabelCallout>
-  <cs:dataPoint>
-    <cs:lnRef idx="0"/>
-    <cs:fillRef idx="0">
-      <cs:styleClr val="auto"/>
-    </cs:fillRef>
-    <cs:effectRef idx="0"/>
-    <cs:fontRef idx="minor">
-      <a:schemeClr val="dk1"/>
-    </cs:fontRef>
-    <cs:spPr>
-      <a:solidFill>
-        <a:schemeClr val="phClr"/>
-      </a:solidFill>
-    </cs:spPr>
-  </cs:dataPoint>
-  <cs:dataPoint3D>
-    <cs:lnRef idx="0"/>
-    <cs:fillRef idx="0">
-      <cs:styleClr val="auto"/>
-    </cs:fillRef>
-    <cs:effectRef idx="0"/>
-    <cs:fontRef idx="minor">
-      <a:schemeClr val="dk1"/>
-    </cs:fontRef>
-    <cs:spPr>
-      <a:solidFill>
-        <a:schemeClr val="phClr"/>
-      </a:solidFill>
-    </cs:spPr>
-  </cs:dataPoint3D>
-  <cs:dataPointLine>
-    <cs:lnRef idx="0">
-      <cs:styleClr val="auto"/>
-    </cs:lnRef>
-    <cs:fillRef idx="0"/>
-    <cs:effectRef idx="0"/>
-    <cs:fontRef idx="minor">
-      <a:schemeClr val="dk1"/>
-    </cs:fontRef>
-    <cs:spPr>
-      <a:ln w="22225" cap="rnd">
-        <a:solidFill>
-          <a:schemeClr val="phClr"/>
-        </a:solidFill>
-        <a:round/>
-      </a:ln>
-    </cs:spPr>
-  </cs:dataPointLine>
-  <cs:dataPointMarker>
-    <cs:lnRef idx="0">
-      <cs:styleClr val="auto"/>
-    </cs:lnRef>
-    <cs:fillRef idx="0">
-      <cs:styleClr val="auto"/>
-    </cs:fillRef>
-    <cs:effectRef idx="0"/>
-    <cs:fontRef idx="minor">
-      <a:schemeClr val="dk1"/>
-    </cs:fontRef>
-    <cs:spPr>
-      <a:solidFill>
-        <a:schemeClr val="phClr"/>
-      </a:solidFill>
-      <a:ln w="9525">
-        <a:solidFill>
-          <a:schemeClr val="phClr"/>
-        </a:solidFill>
-        <a:round/>
-      </a:ln>
-    </cs:spPr>
-  </cs:dataPointMarker>
-  <cs:dataPointMarkerLayout size="6"/>
-  <cs:dataPointWireframe>
-    <cs:lnRef idx="0">
-      <cs:styleClr val="auto"/>
-    </cs:lnRef>
-    <cs:fillRef idx="0"/>
-    <cs:effectRef idx="0"/>
-    <cs:fontRef idx="minor">
-      <a:schemeClr val="dk1"/>
-    </cs:fontRef>
-    <cs:spPr>
-      <a:ln w="9525" cap="rnd">
-        <a:solidFill>
-          <a:schemeClr val="phClr"/>
-        </a:solidFill>
-        <a:round/>
-      </a:ln>
-    </cs:spPr>
-  </cs:dataPointWireframe>
-  <cs:dataTable>
-    <cs:lnRef idx="0"/>
-    <cs:fillRef idx="0"/>
-    <cs:effectRef idx="0"/>
-    <cs:fontRef idx="minor">
-      <a:schemeClr val="tx1">
-        <a:lumMod val="65000"/>
-        <a:lumOff val="35000"/>
-      </a:schemeClr>
-    </cs:fontRef>
-    <cs:spPr>
-      <a:ln w="9525">
-        <a:solidFill>
-          <a:schemeClr val="tx1">
-            <a:lumMod val="15000"/>
-            <a:lumOff val="85000"/>
-          </a:schemeClr>
-        </a:solidFill>
-      </a:ln>
-    </cs:spPr>
-    <cs:defRPr sz="1197" kern="1200"/>
-  </cs:dataTable>
-  <cs:downBar>
-    <cs:lnRef idx="0"/>
-    <cs:fillRef idx="0"/>
-    <cs:effectRef idx="0"/>
-    <cs:fontRef idx="minor">
-      <a:schemeClr val="dk1"/>
-    </cs:fontRef>
-    <cs:spPr>
-      <a:solidFill>
-        <a:schemeClr val="dk1">
-          <a:lumMod val="75000"/>
-          <a:lumOff val="25000"/>
-        </a:schemeClr>
-      </a:solidFill>
-      <a:ln w="9525">
-        <a:solidFill>
-          <a:schemeClr val="tx1">
-            <a:lumMod val="15000"/>
-            <a:lumOff val="85000"/>
-          </a:schemeClr>
-        </a:solidFill>
-      </a:ln>
-    </cs:spPr>
-  </cs:downBar>
-  <cs:dropLine>
-    <cs:lnRef idx="0"/>
-    <cs:fillRef idx="0"/>
-    <cs:effectRef idx="0"/>
-    <cs:fontRef idx="minor">
-      <a:schemeClr val="dk1"/>
-    </cs:fontRef>
-    <cs:spPr>
-      <a:ln w="9525">
-        <a:solidFill>
-          <a:schemeClr val="tx1">
-            <a:lumMod val="35000"/>
-            <a:lumOff val="65000"/>
-          </a:schemeClr>
-        </a:solidFill>
-      </a:ln>
-    </cs:spPr>
-  </cs:dropLine>
-  <cs:errorBar>
-    <cs:lnRef idx="0"/>
-    <cs:fillRef idx="0"/>
-    <cs:effectRef idx="0"/>
-    <cs:fontRef idx="minor">
-      <a:schemeClr val="dk1"/>
-    </cs:fontRef>
-    <cs:spPr>
-      <a:ln w="9525">
-        <a:solidFill>
-          <a:schemeClr val="tx1">
-            <a:lumMod val="65000"/>
-            <a:lumOff val="35000"/>
-          </a:schemeClr>
-        </a:solidFill>
-        <a:round/>
-      </a:ln>
-    </cs:spPr>
-  </cs:errorBar>
-  <cs:floor>
-    <cs:lnRef idx="0"/>
-    <cs:fillRef idx="0"/>
-    <cs:effectRef idx="0"/>
-    <cs:fontRef idx="minor">
-      <a:schemeClr val="dk1"/>
-    </cs:fontRef>
-  </cs:floor>
-  <cs:gridlineMajor>
-    <cs:lnRef idx="0"/>
-    <cs:fillRef idx="0"/>
-    <cs:effectRef idx="0"/>
-    <cs:fontRef idx="minor">
-      <a:schemeClr val="dk1"/>
-    </cs:fontRef>
-    <cs:spPr>
-      <a:ln w="9525" cap="flat" cmpd="sng" algn="ctr">
-        <a:solidFill>
-          <a:schemeClr val="tx1">
-            <a:lumMod val="15000"/>
-            <a:lumOff val="85000"/>
-          </a:schemeClr>
-        </a:solidFill>
-        <a:round/>
-      </a:ln>
-    </cs:spPr>
-  </cs:gridlineMajor>
-  <cs:gridlineMinor>
-    <cs:lnRef idx="0"/>
-    <cs:fillRef idx="0"/>
-    <cs:effectRef idx="0"/>
-    <cs:fontRef idx="minor">
-      <a:schemeClr val="dk1"/>
-    </cs:fontRef>
-    <cs:spPr>
-      <a:ln>
-        <a:solidFill>
-          <a:schemeClr val="tx1">
-            <a:lumMod val="5000"/>
-            <a:lumOff val="95000"/>
-          </a:schemeClr>
-        </a:solidFill>
-      </a:ln>
-    </cs:spPr>
-  </cs:gridlineMinor>
-  <cs:hiLoLine>
-    <cs:lnRef idx="0"/>
-    <cs:fillRef idx="0"/>
-    <cs:effectRef idx="0"/>
-    <cs:fontRef idx="minor">
-      <a:schemeClr val="dk1"/>
-    </cs:fontRef>
-    <cs:spPr>
-      <a:ln w="9525">
-        <a:solidFill>
-          <a:schemeClr val="tx1">
-            <a:lumMod val="50000"/>
-            <a:lumOff val="50000"/>
-          </a:schemeClr>
-        </a:solidFill>
-      </a:ln>
-    </cs:spPr>
-  </cs:hiLoLine>
-  <cs:leaderLine>
-    <cs:lnRef idx="0"/>
-    <cs:fillRef idx="0"/>
-    <cs:effectRef idx="0"/>
-    <cs:fontRef idx="minor">
-      <a:schemeClr val="dk1"/>
-    </cs:fontRef>
-    <cs:spPr>
-      <a:ln w="9525">
-        <a:solidFill>
-          <a:schemeClr val="tx1">
-            <a:lumMod val="35000"/>
-            <a:lumOff val="65000"/>
-          </a:schemeClr>
-        </a:solidFill>
-      </a:ln>
-    </cs:spPr>
-  </cs:leaderLine>
-  <cs:legend>
-    <cs:lnRef idx="0"/>
-    <cs:fillRef idx="0"/>
-    <cs:effectRef idx="0"/>
-    <cs:fontRef idx="minor">
-      <a:schemeClr val="tx1">
-        <a:lumMod val="65000"/>
-        <a:lumOff val="35000"/>
-      </a:schemeClr>
-    </cs:fontRef>
-    <cs:defRPr sz="1197" kern="1200"/>
-  </cs:legend>
-  <cs:plotArea mods="allowNoFillOverride allowNoLineOverride">
-    <cs:lnRef idx="0"/>
-    <cs:fillRef idx="0"/>
-    <cs:effectRef idx="0"/>
-    <cs:fontRef idx="minor">
-      <a:schemeClr val="dk1"/>
-    </cs:fontRef>
-  </cs:plotArea>
-  <cs:plotArea3D mods="allowNoFillOverride allowNoLineOverride">
-    <cs:lnRef idx="0"/>
-    <cs:fillRef idx="0"/>
-    <cs:effectRef idx="0"/>
-    <cs:fontRef idx="minor">
-      <a:schemeClr val="dk1"/>
-    </cs:fontRef>
-  </cs:plotArea3D>
-  <cs:seriesAxis>
-    <cs:lnRef idx="0"/>
-    <cs:fillRef idx="0"/>
-    <cs:effectRef idx="0"/>
-    <cs:fontRef idx="minor">
-      <a:schemeClr val="tx1">
-        <a:lumMod val="65000"/>
-        <a:lumOff val="35000"/>
-      </a:schemeClr>
-    </cs:fontRef>
-    <cs:spPr>
-      <a:ln w="9525" cap="flat" cmpd="sng" algn="ctr">
-        <a:solidFill>
-          <a:schemeClr val="tx1">
-            <a:lumMod val="15000"/>
-            <a:lumOff val="85000"/>
-          </a:schemeClr>
-        </a:solidFill>
-        <a:round/>
-      </a:ln>
-    </cs:spPr>
-    <cs:defRPr sz="1197" kern="1200"/>
-  </cs:seriesAxis>
-  <cs:seriesLine>
-    <cs:lnRef idx="0"/>
-    <cs:fillRef idx="0"/>
-    <cs:effectRef idx="0"/>
-    <cs:fontRef idx="minor">
-      <a:schemeClr val="dk1"/>
-    </cs:fontRef>
-    <cs:spPr>
-      <a:ln w="9525">
-        <a:solidFill>
-          <a:schemeClr val="tx1">
-            <a:lumMod val="35000"/>
-            <a:lumOff val="65000"/>
-          </a:schemeClr>
-        </a:solidFill>
-        <a:round/>
-      </a:ln>
-    </cs:spPr>
-  </cs:seriesLine>
-  <cs:title>
-    <cs:lnRef idx="0"/>
-    <cs:fillRef idx="0"/>
-    <cs:effectRef idx="0"/>
-    <cs:fontRef idx="minor">
-      <a:schemeClr val="tx1">
-        <a:lumMod val="65000"/>
-        <a:lumOff val="35000"/>
-      </a:schemeClr>
-    </cs:fontRef>
-    <cs:defRPr sz="2128" b="1" kern="1200" cap="all" spc="120" normalizeH="0" baseline="0"/>
-  </cs:title>
-  <cs:trendline>
-    <cs:lnRef idx="0">
-      <cs:styleClr val="auto"/>
-    </cs:lnRef>
-    <cs:fillRef idx="0"/>
-    <cs:effectRef idx="0"/>
-    <cs:fontRef idx="minor">
-      <a:schemeClr val="dk1"/>
-    </cs:fontRef>
-    <cs:spPr>
-      <a:ln w="19050" cap="rnd">
-        <a:solidFill>
-          <a:schemeClr val="phClr"/>
-        </a:solidFill>
-        <a:prstDash val="sysDash"/>
-      </a:ln>
-    </cs:spPr>
-  </cs:trendline>
-  <cs:trendlineLabel>
-    <cs:lnRef idx="0"/>
-    <cs:fillRef idx="0"/>
-    <cs:effectRef idx="0"/>
-    <cs:fontRef idx="minor">
-      <a:schemeClr val="tx1">
-        <a:lumMod val="65000"/>
-        <a:lumOff val="35000"/>
-      </a:schemeClr>
-    </cs:fontRef>
-    <cs:defRPr sz="1064" kern="1200"/>
-  </cs:trendlineLabel>
-  <cs:upBar>
-    <cs:lnRef idx="0"/>
-    <cs:fillRef idx="0"/>
-    <cs:effectRef idx="0"/>
-    <cs:fontRef idx="minor">
-      <a:schemeClr val="dk1"/>
-    </cs:fontRef>
-    <cs:spPr>
-      <a:solidFill>
-        <a:schemeClr val="lt1"/>
-      </a:solidFill>
-      <a:ln w="9525">
-        <a:solidFill>
-          <a:schemeClr val="tx1">
-            <a:lumMod val="65000"/>
-            <a:lumOff val="35000"/>
-          </a:schemeClr>
-        </a:solidFill>
-      </a:ln>
-    </cs:spPr>
-  </cs:upBar>
-  <cs:valueAxis>
-    <cs:lnRef idx="0"/>
-    <cs:fillRef idx="0"/>
-    <cs:effectRef idx="0"/>
-    <cs:fontRef idx="minor">
-      <a:schemeClr val="tx1">
-        <a:lumMod val="65000"/>
-        <a:lumOff val="35000"/>
-      </a:schemeClr>
-    </cs:fontRef>
-    <cs:spPr>
-      <a:ln w="9525" cap="flat" cmpd="sng" algn="ctr">
-        <a:solidFill>
-          <a:schemeClr val="dk1">
-            <a:lumMod val="15000"/>
-            <a:lumOff val="85000"/>
-          </a:schemeClr>
-        </a:solidFill>
-        <a:round/>
-      </a:ln>
-    </cs:spPr>
-    <cs:defRPr sz="1197" kern="1200"/>
-  </cs:valueAxis>
-  <cs:wall>
-    <cs:lnRef idx="0"/>
-    <cs:fillRef idx="0"/>
-    <cs:effectRef idx="0"/>
-    <cs:fontRef idx="minor">
-      <a:schemeClr val="dk1"/>
-    </cs:fontRef>
-  </cs:wall>
-</cs:chartStyle>
-</file>
-
-<file path=ppt/charts/style3.xml><?xml version="1.0" encoding="utf-8"?>
 <cs:chartStyle xmlns:cs="http://schemas.microsoft.com/office/drawing/2012/chartStyle" xmlns:a="http://schemas.openxmlformats.org/drawingml/2006/main" id="288">
   <cs:axisTitle>
     <cs:lnRef idx="0"/>
@@ -7898,6 +7386,527 @@
 </cs:chartStyle>
 </file>
 
+<file path=ppt/charts/style3.xml><?xml version="1.0" encoding="utf-8"?>
+<cs:chartStyle xmlns:cs="http://schemas.microsoft.com/office/drawing/2012/chartStyle" xmlns:a="http://schemas.openxmlformats.org/drawingml/2006/main" id="239">
+  <cs:axisTitle>
+    <cs:lnRef idx="0"/>
+    <cs:fillRef idx="0"/>
+    <cs:effectRef idx="0"/>
+    <cs:fontRef idx="minor">
+      <a:schemeClr val="tx1">
+        <a:lumMod val="65000"/>
+        <a:lumOff val="35000"/>
+      </a:schemeClr>
+    </cs:fontRef>
+    <cs:defRPr sz="1197" kern="1200" cap="all"/>
+  </cs:axisTitle>
+  <cs:categoryAxis>
+    <cs:lnRef idx="0"/>
+    <cs:fillRef idx="0"/>
+    <cs:effectRef idx="0"/>
+    <cs:fontRef idx="minor">
+      <a:schemeClr val="tx1">
+        <a:lumMod val="65000"/>
+        <a:lumOff val="35000"/>
+      </a:schemeClr>
+    </cs:fontRef>
+    <cs:spPr>
+      <a:ln w="9525" cap="flat" cmpd="sng" algn="ctr">
+        <a:solidFill>
+          <a:schemeClr val="tx1">
+            <a:lumMod val="15000"/>
+            <a:lumOff val="85000"/>
+          </a:schemeClr>
+        </a:solidFill>
+        <a:round/>
+      </a:ln>
+    </cs:spPr>
+    <cs:defRPr sz="1064" kern="1200" cap="all" spc="120" normalizeH="0" baseline="0"/>
+  </cs:categoryAxis>
+  <cs:chartArea mods="allowNoFillOverride allowNoLineOverride">
+    <cs:lnRef idx="0"/>
+    <cs:fillRef idx="0"/>
+    <cs:effectRef idx="0"/>
+    <cs:fontRef idx="minor">
+      <a:schemeClr val="dk1"/>
+    </cs:fontRef>
+    <cs:spPr>
+      <a:solidFill>
+        <a:schemeClr val="lt1"/>
+      </a:solidFill>
+      <a:ln w="9525" cap="flat" cmpd="sng" algn="ctr">
+        <a:solidFill>
+          <a:schemeClr val="tx1">
+            <a:lumMod val="15000"/>
+            <a:lumOff val="85000"/>
+          </a:schemeClr>
+        </a:solidFill>
+        <a:round/>
+      </a:ln>
+    </cs:spPr>
+    <cs:defRPr sz="1197" kern="1200"/>
+  </cs:chartArea>
+  <cs:dataLabel>
+    <cs:lnRef idx="0"/>
+    <cs:fillRef idx="0"/>
+    <cs:effectRef idx="0"/>
+    <cs:fontRef idx="minor">
+      <a:schemeClr val="tx1">
+        <a:lumMod val="50000"/>
+        <a:lumOff val="50000"/>
+      </a:schemeClr>
+    </cs:fontRef>
+    <cs:defRPr sz="1197" b="0" i="0" u="none" strike="noStrike" kern="1200" baseline="0"/>
+  </cs:dataLabel>
+  <cs:dataLabelCallout>
+    <cs:lnRef idx="0"/>
+    <cs:fillRef idx="0"/>
+    <cs:effectRef idx="0"/>
+    <cs:fontRef idx="minor">
+      <a:schemeClr val="dk1">
+        <a:lumMod val="65000"/>
+        <a:lumOff val="35000"/>
+      </a:schemeClr>
+    </cs:fontRef>
+    <cs:spPr>
+      <a:solidFill>
+        <a:schemeClr val="lt1"/>
+      </a:solidFill>
+      <a:ln>
+        <a:solidFill>
+          <a:schemeClr val="dk1">
+            <a:lumMod val="25000"/>
+            <a:lumOff val="75000"/>
+          </a:schemeClr>
+        </a:solidFill>
+      </a:ln>
+    </cs:spPr>
+    <cs:defRPr sz="1197" kern="1200"/>
+    <cs:bodyPr rot="0" spcFirstLastPara="1" vertOverflow="clip" horzOverflow="clip" vert="horz" wrap="square" lIns="36576" tIns="18288" rIns="36576" bIns="18288" anchor="ctr" anchorCtr="1">
+      <a:spAutoFit/>
+    </cs:bodyPr>
+  </cs:dataLabelCallout>
+  <cs:dataPoint>
+    <cs:lnRef idx="0"/>
+    <cs:fillRef idx="0">
+      <cs:styleClr val="auto"/>
+    </cs:fillRef>
+    <cs:effectRef idx="0"/>
+    <cs:fontRef idx="minor">
+      <a:schemeClr val="dk1"/>
+    </cs:fontRef>
+    <cs:spPr>
+      <a:solidFill>
+        <a:schemeClr val="phClr"/>
+      </a:solidFill>
+    </cs:spPr>
+  </cs:dataPoint>
+  <cs:dataPoint3D>
+    <cs:lnRef idx="0"/>
+    <cs:fillRef idx="0">
+      <cs:styleClr val="auto"/>
+    </cs:fillRef>
+    <cs:effectRef idx="0"/>
+    <cs:fontRef idx="minor">
+      <a:schemeClr val="dk1"/>
+    </cs:fontRef>
+    <cs:spPr>
+      <a:solidFill>
+        <a:schemeClr val="phClr"/>
+      </a:solidFill>
+    </cs:spPr>
+  </cs:dataPoint3D>
+  <cs:dataPointLine>
+    <cs:lnRef idx="0">
+      <cs:styleClr val="auto"/>
+    </cs:lnRef>
+    <cs:fillRef idx="0"/>
+    <cs:effectRef idx="0"/>
+    <cs:fontRef idx="minor">
+      <a:schemeClr val="dk1"/>
+    </cs:fontRef>
+    <cs:spPr>
+      <a:ln w="22225" cap="rnd">
+        <a:solidFill>
+          <a:schemeClr val="phClr"/>
+        </a:solidFill>
+        <a:round/>
+      </a:ln>
+    </cs:spPr>
+  </cs:dataPointLine>
+  <cs:dataPointMarker>
+    <cs:lnRef idx="0">
+      <cs:styleClr val="auto"/>
+    </cs:lnRef>
+    <cs:fillRef idx="0">
+      <cs:styleClr val="auto"/>
+    </cs:fillRef>
+    <cs:effectRef idx="0"/>
+    <cs:fontRef idx="minor">
+      <a:schemeClr val="dk1"/>
+    </cs:fontRef>
+    <cs:spPr>
+      <a:solidFill>
+        <a:schemeClr val="phClr"/>
+      </a:solidFill>
+      <a:ln w="9525">
+        <a:solidFill>
+          <a:schemeClr val="phClr"/>
+        </a:solidFill>
+        <a:round/>
+      </a:ln>
+    </cs:spPr>
+  </cs:dataPointMarker>
+  <cs:dataPointMarkerLayout size="6"/>
+  <cs:dataPointWireframe>
+    <cs:lnRef idx="0">
+      <cs:styleClr val="auto"/>
+    </cs:lnRef>
+    <cs:fillRef idx="0"/>
+    <cs:effectRef idx="0"/>
+    <cs:fontRef idx="minor">
+      <a:schemeClr val="dk1"/>
+    </cs:fontRef>
+    <cs:spPr>
+      <a:ln w="9525" cap="rnd">
+        <a:solidFill>
+          <a:schemeClr val="phClr"/>
+        </a:solidFill>
+        <a:round/>
+      </a:ln>
+    </cs:spPr>
+  </cs:dataPointWireframe>
+  <cs:dataTable>
+    <cs:lnRef idx="0"/>
+    <cs:fillRef idx="0"/>
+    <cs:effectRef idx="0"/>
+    <cs:fontRef idx="minor">
+      <a:schemeClr val="tx1">
+        <a:lumMod val="65000"/>
+        <a:lumOff val="35000"/>
+      </a:schemeClr>
+    </cs:fontRef>
+    <cs:spPr>
+      <a:ln w="9525">
+        <a:solidFill>
+          <a:schemeClr val="tx1">
+            <a:lumMod val="15000"/>
+            <a:lumOff val="85000"/>
+          </a:schemeClr>
+        </a:solidFill>
+      </a:ln>
+    </cs:spPr>
+    <cs:defRPr sz="1197" kern="1200"/>
+  </cs:dataTable>
+  <cs:downBar>
+    <cs:lnRef idx="0"/>
+    <cs:fillRef idx="0"/>
+    <cs:effectRef idx="0"/>
+    <cs:fontRef idx="minor">
+      <a:schemeClr val="dk1"/>
+    </cs:fontRef>
+    <cs:spPr>
+      <a:solidFill>
+        <a:schemeClr val="dk1">
+          <a:lumMod val="75000"/>
+          <a:lumOff val="25000"/>
+        </a:schemeClr>
+      </a:solidFill>
+      <a:ln w="9525">
+        <a:solidFill>
+          <a:schemeClr val="tx1">
+            <a:lumMod val="15000"/>
+            <a:lumOff val="85000"/>
+          </a:schemeClr>
+        </a:solidFill>
+      </a:ln>
+    </cs:spPr>
+  </cs:downBar>
+  <cs:dropLine>
+    <cs:lnRef idx="0"/>
+    <cs:fillRef idx="0"/>
+    <cs:effectRef idx="0"/>
+    <cs:fontRef idx="minor">
+      <a:schemeClr val="dk1"/>
+    </cs:fontRef>
+    <cs:spPr>
+      <a:ln w="9525">
+        <a:solidFill>
+          <a:schemeClr val="tx1">
+            <a:lumMod val="35000"/>
+            <a:lumOff val="65000"/>
+          </a:schemeClr>
+        </a:solidFill>
+      </a:ln>
+    </cs:spPr>
+  </cs:dropLine>
+  <cs:errorBar>
+    <cs:lnRef idx="0"/>
+    <cs:fillRef idx="0"/>
+    <cs:effectRef idx="0"/>
+    <cs:fontRef idx="minor">
+      <a:schemeClr val="dk1"/>
+    </cs:fontRef>
+    <cs:spPr>
+      <a:ln w="9525">
+        <a:solidFill>
+          <a:schemeClr val="tx1">
+            <a:lumMod val="65000"/>
+            <a:lumOff val="35000"/>
+          </a:schemeClr>
+        </a:solidFill>
+        <a:round/>
+      </a:ln>
+    </cs:spPr>
+  </cs:errorBar>
+  <cs:floor>
+    <cs:lnRef idx="0"/>
+    <cs:fillRef idx="0"/>
+    <cs:effectRef idx="0"/>
+    <cs:fontRef idx="minor">
+      <a:schemeClr val="dk1"/>
+    </cs:fontRef>
+  </cs:floor>
+  <cs:gridlineMajor>
+    <cs:lnRef idx="0"/>
+    <cs:fillRef idx="0"/>
+    <cs:effectRef idx="0"/>
+    <cs:fontRef idx="minor">
+      <a:schemeClr val="dk1"/>
+    </cs:fontRef>
+    <cs:spPr>
+      <a:ln w="9525" cap="flat" cmpd="sng" algn="ctr">
+        <a:solidFill>
+          <a:schemeClr val="tx1">
+            <a:lumMod val="15000"/>
+            <a:lumOff val="85000"/>
+          </a:schemeClr>
+        </a:solidFill>
+        <a:round/>
+      </a:ln>
+    </cs:spPr>
+  </cs:gridlineMajor>
+  <cs:gridlineMinor>
+    <cs:lnRef idx="0"/>
+    <cs:fillRef idx="0"/>
+    <cs:effectRef idx="0"/>
+    <cs:fontRef idx="minor">
+      <a:schemeClr val="dk1"/>
+    </cs:fontRef>
+    <cs:spPr>
+      <a:ln>
+        <a:solidFill>
+          <a:schemeClr val="tx1">
+            <a:lumMod val="5000"/>
+            <a:lumOff val="95000"/>
+          </a:schemeClr>
+        </a:solidFill>
+      </a:ln>
+    </cs:spPr>
+  </cs:gridlineMinor>
+  <cs:hiLoLine>
+    <cs:lnRef idx="0"/>
+    <cs:fillRef idx="0"/>
+    <cs:effectRef idx="0"/>
+    <cs:fontRef idx="minor">
+      <a:schemeClr val="dk1"/>
+    </cs:fontRef>
+    <cs:spPr>
+      <a:ln w="9525">
+        <a:solidFill>
+          <a:schemeClr val="tx1">
+            <a:lumMod val="50000"/>
+            <a:lumOff val="50000"/>
+          </a:schemeClr>
+        </a:solidFill>
+      </a:ln>
+    </cs:spPr>
+  </cs:hiLoLine>
+  <cs:leaderLine>
+    <cs:lnRef idx="0"/>
+    <cs:fillRef idx="0"/>
+    <cs:effectRef idx="0"/>
+    <cs:fontRef idx="minor">
+      <a:schemeClr val="dk1"/>
+    </cs:fontRef>
+    <cs:spPr>
+      <a:ln w="9525">
+        <a:solidFill>
+          <a:schemeClr val="tx1">
+            <a:lumMod val="35000"/>
+            <a:lumOff val="65000"/>
+          </a:schemeClr>
+        </a:solidFill>
+      </a:ln>
+    </cs:spPr>
+  </cs:leaderLine>
+  <cs:legend>
+    <cs:lnRef idx="0"/>
+    <cs:fillRef idx="0"/>
+    <cs:effectRef idx="0"/>
+    <cs:fontRef idx="minor">
+      <a:schemeClr val="tx1">
+        <a:lumMod val="65000"/>
+        <a:lumOff val="35000"/>
+      </a:schemeClr>
+    </cs:fontRef>
+    <cs:defRPr sz="1197" kern="1200"/>
+  </cs:legend>
+  <cs:plotArea mods="allowNoFillOverride allowNoLineOverride">
+    <cs:lnRef idx="0"/>
+    <cs:fillRef idx="0"/>
+    <cs:effectRef idx="0"/>
+    <cs:fontRef idx="minor">
+      <a:schemeClr val="dk1"/>
+    </cs:fontRef>
+  </cs:plotArea>
+  <cs:plotArea3D mods="allowNoFillOverride allowNoLineOverride">
+    <cs:lnRef idx="0"/>
+    <cs:fillRef idx="0"/>
+    <cs:effectRef idx="0"/>
+    <cs:fontRef idx="minor">
+      <a:schemeClr val="dk1"/>
+    </cs:fontRef>
+  </cs:plotArea3D>
+  <cs:seriesAxis>
+    <cs:lnRef idx="0"/>
+    <cs:fillRef idx="0"/>
+    <cs:effectRef idx="0"/>
+    <cs:fontRef idx="minor">
+      <a:schemeClr val="tx1">
+        <a:lumMod val="65000"/>
+        <a:lumOff val="35000"/>
+      </a:schemeClr>
+    </cs:fontRef>
+    <cs:spPr>
+      <a:ln w="9525" cap="flat" cmpd="sng" algn="ctr">
+        <a:solidFill>
+          <a:schemeClr val="tx1">
+            <a:lumMod val="15000"/>
+            <a:lumOff val="85000"/>
+          </a:schemeClr>
+        </a:solidFill>
+        <a:round/>
+      </a:ln>
+    </cs:spPr>
+    <cs:defRPr sz="1197" kern="1200"/>
+  </cs:seriesAxis>
+  <cs:seriesLine>
+    <cs:lnRef idx="0"/>
+    <cs:fillRef idx="0"/>
+    <cs:effectRef idx="0"/>
+    <cs:fontRef idx="minor">
+      <a:schemeClr val="dk1"/>
+    </cs:fontRef>
+    <cs:spPr>
+      <a:ln w="9525">
+        <a:solidFill>
+          <a:schemeClr val="tx1">
+            <a:lumMod val="35000"/>
+            <a:lumOff val="65000"/>
+          </a:schemeClr>
+        </a:solidFill>
+        <a:round/>
+      </a:ln>
+    </cs:spPr>
+  </cs:seriesLine>
+  <cs:title>
+    <cs:lnRef idx="0"/>
+    <cs:fillRef idx="0"/>
+    <cs:effectRef idx="0"/>
+    <cs:fontRef idx="minor">
+      <a:schemeClr val="tx1">
+        <a:lumMod val="65000"/>
+        <a:lumOff val="35000"/>
+      </a:schemeClr>
+    </cs:fontRef>
+    <cs:defRPr sz="2128" b="1" kern="1200" cap="all" spc="120" normalizeH="0" baseline="0"/>
+  </cs:title>
+  <cs:trendline>
+    <cs:lnRef idx="0">
+      <cs:styleClr val="auto"/>
+    </cs:lnRef>
+    <cs:fillRef idx="0"/>
+    <cs:effectRef idx="0"/>
+    <cs:fontRef idx="minor">
+      <a:schemeClr val="dk1"/>
+    </cs:fontRef>
+    <cs:spPr>
+      <a:ln w="19050" cap="rnd">
+        <a:solidFill>
+          <a:schemeClr val="phClr"/>
+        </a:solidFill>
+        <a:prstDash val="sysDash"/>
+      </a:ln>
+    </cs:spPr>
+  </cs:trendline>
+  <cs:trendlineLabel>
+    <cs:lnRef idx="0"/>
+    <cs:fillRef idx="0"/>
+    <cs:effectRef idx="0"/>
+    <cs:fontRef idx="minor">
+      <a:schemeClr val="tx1">
+        <a:lumMod val="65000"/>
+        <a:lumOff val="35000"/>
+      </a:schemeClr>
+    </cs:fontRef>
+    <cs:defRPr sz="1064" kern="1200"/>
+  </cs:trendlineLabel>
+  <cs:upBar>
+    <cs:lnRef idx="0"/>
+    <cs:fillRef idx="0"/>
+    <cs:effectRef idx="0"/>
+    <cs:fontRef idx="minor">
+      <a:schemeClr val="dk1"/>
+    </cs:fontRef>
+    <cs:spPr>
+      <a:solidFill>
+        <a:schemeClr val="lt1"/>
+      </a:solidFill>
+      <a:ln w="9525">
+        <a:solidFill>
+          <a:schemeClr val="tx1">
+            <a:lumMod val="65000"/>
+            <a:lumOff val="35000"/>
+          </a:schemeClr>
+        </a:solidFill>
+      </a:ln>
+    </cs:spPr>
+  </cs:upBar>
+  <cs:valueAxis>
+    <cs:lnRef idx="0"/>
+    <cs:fillRef idx="0"/>
+    <cs:effectRef idx="0"/>
+    <cs:fontRef idx="minor">
+      <a:schemeClr val="tx1">
+        <a:lumMod val="65000"/>
+        <a:lumOff val="35000"/>
+      </a:schemeClr>
+    </cs:fontRef>
+    <cs:spPr>
+      <a:ln w="9525" cap="flat" cmpd="sng" algn="ctr">
+        <a:solidFill>
+          <a:schemeClr val="dk1">
+            <a:lumMod val="15000"/>
+            <a:lumOff val="85000"/>
+          </a:schemeClr>
+        </a:solidFill>
+        <a:round/>
+      </a:ln>
+    </cs:spPr>
+    <cs:defRPr sz="1197" kern="1200"/>
+  </cs:valueAxis>
+  <cs:wall>
+    <cs:lnRef idx="0"/>
+    <cs:fillRef idx="0"/>
+    <cs:effectRef idx="0"/>
+    <cs:fontRef idx="minor">
+      <a:schemeClr val="dk1"/>
+    </cs:fontRef>
+  </cs:wall>
+</cs:chartStyle>
+</file>
+
 <file path=ppt/handoutMasters/handoutMaster1.xml><?xml version="1.0" encoding="utf-8"?>
 <p:handoutMaster xmlns:a="http://schemas.openxmlformats.org/drawingml/2006/main" xmlns:r="http://schemas.openxmlformats.org/officeDocument/2006/relationships" xmlns:p="http://schemas.openxmlformats.org/presentationml/2006/main">
   <p:cSld>
@@ -7925,7 +7934,7 @@
           <p:cNvPr id="2" name="Header Placeholder 1">
             <a:extLst>
               <a:ext uri="{FF2B5EF4-FFF2-40B4-BE49-F238E27FC236}">
-                <a16:creationId xmlns:a16="http://schemas.microsoft.com/office/drawing/2014/main" id="{4465D3EB-CBDD-4100-83B7-3BFE0A8F4119}"/>
+                <a16:creationId xmlns="" xmlns:a16="http://schemas.microsoft.com/office/drawing/2014/main" id="{4465D3EB-CBDD-4100-83B7-3BFE0A8F4119}"/>
               </a:ext>
             </a:extLst>
           </p:cNvPr>
@@ -7962,7 +7971,7 @@
           <p:cNvPr id="3" name="Date Placeholder 2">
             <a:extLst>
               <a:ext uri="{FF2B5EF4-FFF2-40B4-BE49-F238E27FC236}">
-                <a16:creationId xmlns:a16="http://schemas.microsoft.com/office/drawing/2014/main" id="{C72B4595-A79D-4567-9FE1-DCF31A42B3D9}"/>
+                <a16:creationId xmlns="" xmlns:a16="http://schemas.microsoft.com/office/drawing/2014/main" id="{C72B4595-A79D-4567-9FE1-DCF31A42B3D9}"/>
               </a:ext>
             </a:extLst>
           </p:cNvPr>
@@ -7992,7 +8001,7 @@
           <a:p>
             <a:fld id="{6E5C0719-993D-42E1-80ED-8F01056F36C2}" type="datetimeFigureOut">
               <a:rPr lang="en-US" smtClean="0"/>
-              <a:t>6/25/2019</a:t>
+              <a:t>6/25/19</a:t>
             </a:fld>
             <a:endParaRPr lang="en-US" dirty="0"/>
           </a:p>
@@ -8003,7 +8012,7 @@
           <p:cNvPr id="4" name="Footer Placeholder 3">
             <a:extLst>
               <a:ext uri="{FF2B5EF4-FFF2-40B4-BE49-F238E27FC236}">
-                <a16:creationId xmlns:a16="http://schemas.microsoft.com/office/drawing/2014/main" id="{850E452F-E862-4273-987C-980229E53203}"/>
+                <a16:creationId xmlns="" xmlns:a16="http://schemas.microsoft.com/office/drawing/2014/main" id="{850E452F-E862-4273-987C-980229E53203}"/>
               </a:ext>
             </a:extLst>
           </p:cNvPr>
@@ -8040,7 +8049,7 @@
           <p:cNvPr id="5" name="Slide Number Placeholder 4">
             <a:extLst>
               <a:ext uri="{FF2B5EF4-FFF2-40B4-BE49-F238E27FC236}">
-                <a16:creationId xmlns:a16="http://schemas.microsoft.com/office/drawing/2014/main" id="{C3EE394C-9AD7-48EA-AB0F-18032A3E097A}"/>
+                <a16:creationId xmlns="" xmlns:a16="http://schemas.microsoft.com/office/drawing/2014/main" id="{C3EE394C-9AD7-48EA-AB0F-18032A3E097A}"/>
               </a:ext>
             </a:extLst>
           </p:cNvPr>
@@ -8169,7 +8178,7 @@
           <a:p>
             <a:fld id="{21D3BC9C-6C58-464F-B94E-FD73C5FB016E}" type="datetimeFigureOut">
               <a:rPr lang="en-US" smtClean="0"/>
-              <a:t>6/25/2019</a:t>
+              <a:t>6/25/19</a:t>
             </a:fld>
             <a:endParaRPr lang="en-US" dirty="0"/>
           </a:p>
@@ -8585,7 +8594,7 @@
           <a:p>
             <a:fld id="{BE60DC36-8EFA-4378-9855-E019C55AC472}" type="slidenum">
               <a:rPr lang="en-US" smtClean="0"/>
-              <a:t>4</a:t>
+              <a:t>5</a:t>
             </a:fld>
             <a:endParaRPr lang="en-US" dirty="0"/>
           </a:p>
@@ -8669,7 +8678,7 @@
           <a:p>
             <a:fld id="{BE60DC36-8EFA-4378-9855-E019C55AC472}" type="slidenum">
               <a:rPr lang="en-US" smtClean="0"/>
-              <a:t>5</a:t>
+              <a:t>6</a:t>
             </a:fld>
             <a:endParaRPr lang="en-US" dirty="0"/>
           </a:p>
@@ -8753,7 +8762,7 @@
           <a:p>
             <a:fld id="{BE60DC36-8EFA-4378-9855-E019C55AC472}" type="slidenum">
               <a:rPr lang="en-US" smtClean="0"/>
-              <a:t>6</a:t>
+              <a:t>7</a:t>
             </a:fld>
             <a:endParaRPr lang="en-US" dirty="0"/>
           </a:p>
@@ -8762,7 +8771,7 @@
     </p:spTree>
     <p:extLst>
       <p:ext uri="{BB962C8B-B14F-4D97-AF65-F5344CB8AC3E}">
-        <p14:creationId xmlns:p14="http://schemas.microsoft.com/office/powerpoint/2010/main" val="1171546010"/>
+        <p14:creationId xmlns:p14="http://schemas.microsoft.com/office/powerpoint/2010/main" val="3728569221"/>
       </p:ext>
     </p:extLst>
   </p:cSld>
@@ -8837,7 +8846,7 @@
           <a:p>
             <a:fld id="{BE60DC36-8EFA-4378-9855-E019C55AC472}" type="slidenum">
               <a:rPr lang="en-US" smtClean="0"/>
-              <a:t>7</a:t>
+              <a:t>8</a:t>
             </a:fld>
             <a:endParaRPr lang="en-US" dirty="0"/>
           </a:p>
@@ -8846,7 +8855,7 @@
     </p:spTree>
     <p:extLst>
       <p:ext uri="{BB962C8B-B14F-4D97-AF65-F5344CB8AC3E}">
-        <p14:creationId xmlns:p14="http://schemas.microsoft.com/office/powerpoint/2010/main" val="3728569221"/>
+        <p14:creationId xmlns:p14="http://schemas.microsoft.com/office/powerpoint/2010/main" val="1171546010"/>
       </p:ext>
     </p:extLst>
   </p:cSld>
@@ -8921,7 +8930,7 @@
           <a:p>
             <a:fld id="{BE60DC36-8EFA-4378-9855-E019C55AC472}" type="slidenum">
               <a:rPr lang="en-US" smtClean="0"/>
-              <a:t>8</a:t>
+              <a:t>9</a:t>
             </a:fld>
             <a:endParaRPr lang="en-US" dirty="0"/>
           </a:p>
@@ -8962,7 +8971,7 @@
           <p:cNvPr id="2" name="Title 1">
             <a:extLst>
               <a:ext uri="{FF2B5EF4-FFF2-40B4-BE49-F238E27FC236}">
-                <a16:creationId xmlns:a16="http://schemas.microsoft.com/office/drawing/2014/main" id="{8E0F864C-44C4-4000-952D-01F31BFB3FD3}"/>
+                <a16:creationId xmlns="" xmlns:a16="http://schemas.microsoft.com/office/drawing/2014/main" id="{8E0F864C-44C4-4000-952D-01F31BFB3FD3}"/>
               </a:ext>
             </a:extLst>
           </p:cNvPr>
@@ -8999,7 +9008,7 @@
           <p:cNvPr id="3" name="Subtitle 2">
             <a:extLst>
               <a:ext uri="{FF2B5EF4-FFF2-40B4-BE49-F238E27FC236}">
-                <a16:creationId xmlns:a16="http://schemas.microsoft.com/office/drawing/2014/main" id="{21392E06-C914-467E-9D4F-BD763EDA2DD5}"/>
+                <a16:creationId xmlns="" xmlns:a16="http://schemas.microsoft.com/office/drawing/2014/main" id="{21392E06-C914-467E-9D4F-BD763EDA2DD5}"/>
               </a:ext>
             </a:extLst>
           </p:cNvPr>
@@ -9069,7 +9078,7 @@
           <p:cNvPr id="4" name="Date Placeholder 3">
             <a:extLst>
               <a:ext uri="{FF2B5EF4-FFF2-40B4-BE49-F238E27FC236}">
-                <a16:creationId xmlns:a16="http://schemas.microsoft.com/office/drawing/2014/main" id="{1FBEFBAF-82E9-49AD-B2CF-7D154E024431}"/>
+                <a16:creationId xmlns="" xmlns:a16="http://schemas.microsoft.com/office/drawing/2014/main" id="{1FBEFBAF-82E9-49AD-B2CF-7D154E024431}"/>
               </a:ext>
             </a:extLst>
           </p:cNvPr>
@@ -9087,7 +9096,7 @@
           <a:p>
             <a:fld id="{40DA1498-92C7-4E4B-8045-C9195F453964}" type="datetimeFigureOut">
               <a:rPr lang="en-US" smtClean="0"/>
-              <a:t>6/25/2019</a:t>
+              <a:t>6/25/19</a:t>
             </a:fld>
             <a:endParaRPr lang="en-US" dirty="0"/>
           </a:p>
@@ -9098,7 +9107,7 @@
           <p:cNvPr id="5" name="Footer Placeholder 4">
             <a:extLst>
               <a:ext uri="{FF2B5EF4-FFF2-40B4-BE49-F238E27FC236}">
-                <a16:creationId xmlns:a16="http://schemas.microsoft.com/office/drawing/2014/main" id="{5AD8006A-94B1-44F7-972D-56767EDE3CC3}"/>
+                <a16:creationId xmlns="" xmlns:a16="http://schemas.microsoft.com/office/drawing/2014/main" id="{5AD8006A-94B1-44F7-972D-56767EDE3CC3}"/>
               </a:ext>
             </a:extLst>
           </p:cNvPr>
@@ -9123,7 +9132,7 @@
           <p:cNvPr id="6" name="Slide Number Placeholder 5">
             <a:extLst>
               <a:ext uri="{FF2B5EF4-FFF2-40B4-BE49-F238E27FC236}">
-                <a16:creationId xmlns:a16="http://schemas.microsoft.com/office/drawing/2014/main" id="{F5E7BFAB-D84B-45E1-A0BD-2516AC14F8AC}"/>
+                <a16:creationId xmlns="" xmlns:a16="http://schemas.microsoft.com/office/drawing/2014/main" id="{F5E7BFAB-D84B-45E1-A0BD-2516AC14F8AC}"/>
               </a:ext>
             </a:extLst>
           </p:cNvPr>
@@ -9182,7 +9191,7 @@
           <p:cNvPr id="2" name="Title 1">
             <a:extLst>
               <a:ext uri="{FF2B5EF4-FFF2-40B4-BE49-F238E27FC236}">
-                <a16:creationId xmlns:a16="http://schemas.microsoft.com/office/drawing/2014/main" id="{65F7B869-BFB2-4C20-8AB1-46704BB3D177}"/>
+                <a16:creationId xmlns="" xmlns:a16="http://schemas.microsoft.com/office/drawing/2014/main" id="{65F7B869-BFB2-4C20-8AB1-46704BB3D177}"/>
               </a:ext>
             </a:extLst>
           </p:cNvPr>
@@ -9210,7 +9219,7 @@
           <p:cNvPr id="3" name="Vertical Text Placeholder 2">
             <a:extLst>
               <a:ext uri="{FF2B5EF4-FFF2-40B4-BE49-F238E27FC236}">
-                <a16:creationId xmlns:a16="http://schemas.microsoft.com/office/drawing/2014/main" id="{19F007DB-4F12-4428-9C48-5120DF07046D}"/>
+                <a16:creationId xmlns="" xmlns:a16="http://schemas.microsoft.com/office/drawing/2014/main" id="{19F007DB-4F12-4428-9C48-5120DF07046D}"/>
               </a:ext>
             </a:extLst>
           </p:cNvPr>
@@ -9267,7 +9276,7 @@
           <p:cNvPr id="4" name="Date Placeholder 3">
             <a:extLst>
               <a:ext uri="{FF2B5EF4-FFF2-40B4-BE49-F238E27FC236}">
-                <a16:creationId xmlns:a16="http://schemas.microsoft.com/office/drawing/2014/main" id="{16FFA8DA-0E31-4CA6-BBFC-2467AAD1D30B}"/>
+                <a16:creationId xmlns="" xmlns:a16="http://schemas.microsoft.com/office/drawing/2014/main" id="{16FFA8DA-0E31-4CA6-BBFC-2467AAD1D30B}"/>
               </a:ext>
             </a:extLst>
           </p:cNvPr>
@@ -9285,7 +9294,7 @@
           <a:p>
             <a:fld id="{40DA1498-92C7-4E4B-8045-C9195F453964}" type="datetimeFigureOut">
               <a:rPr lang="en-US" smtClean="0"/>
-              <a:t>6/25/2019</a:t>
+              <a:t>6/25/19</a:t>
             </a:fld>
             <a:endParaRPr lang="en-US" dirty="0"/>
           </a:p>
@@ -9296,7 +9305,7 @@
           <p:cNvPr id="5" name="Footer Placeholder 4">
             <a:extLst>
               <a:ext uri="{FF2B5EF4-FFF2-40B4-BE49-F238E27FC236}">
-                <a16:creationId xmlns:a16="http://schemas.microsoft.com/office/drawing/2014/main" id="{064974BD-9845-459A-9AAA-12731E2507C4}"/>
+                <a16:creationId xmlns="" xmlns:a16="http://schemas.microsoft.com/office/drawing/2014/main" id="{064974BD-9845-459A-9AAA-12731E2507C4}"/>
               </a:ext>
             </a:extLst>
           </p:cNvPr>
@@ -9321,7 +9330,7 @@
           <p:cNvPr id="6" name="Slide Number Placeholder 5">
             <a:extLst>
               <a:ext uri="{FF2B5EF4-FFF2-40B4-BE49-F238E27FC236}">
-                <a16:creationId xmlns:a16="http://schemas.microsoft.com/office/drawing/2014/main" id="{C2A71B0A-FDFB-4B2C-A9EC-2334C590013E}"/>
+                <a16:creationId xmlns="" xmlns:a16="http://schemas.microsoft.com/office/drawing/2014/main" id="{C2A71B0A-FDFB-4B2C-A9EC-2334C590013E}"/>
               </a:ext>
             </a:extLst>
           </p:cNvPr>
@@ -9380,7 +9389,7 @@
           <p:cNvPr id="2" name="Vertical Title 1">
             <a:extLst>
               <a:ext uri="{FF2B5EF4-FFF2-40B4-BE49-F238E27FC236}">
-                <a16:creationId xmlns:a16="http://schemas.microsoft.com/office/drawing/2014/main" id="{E60B5D73-1652-4A8E-B5A3-101523D7290A}"/>
+                <a16:creationId xmlns="" xmlns:a16="http://schemas.microsoft.com/office/drawing/2014/main" id="{E60B5D73-1652-4A8E-B5A3-101523D7290A}"/>
               </a:ext>
             </a:extLst>
           </p:cNvPr>
@@ -9413,7 +9422,7 @@
           <p:cNvPr id="3" name="Vertical Text Placeholder 2">
             <a:extLst>
               <a:ext uri="{FF2B5EF4-FFF2-40B4-BE49-F238E27FC236}">
-                <a16:creationId xmlns:a16="http://schemas.microsoft.com/office/drawing/2014/main" id="{A9B7FB99-7425-444D-B602-01B672BCE8C6}"/>
+                <a16:creationId xmlns="" xmlns:a16="http://schemas.microsoft.com/office/drawing/2014/main" id="{A9B7FB99-7425-444D-B602-01B672BCE8C6}"/>
               </a:ext>
             </a:extLst>
           </p:cNvPr>
@@ -9475,7 +9484,7 @@
           <p:cNvPr id="4" name="Date Placeholder 3">
             <a:extLst>
               <a:ext uri="{FF2B5EF4-FFF2-40B4-BE49-F238E27FC236}">
-                <a16:creationId xmlns:a16="http://schemas.microsoft.com/office/drawing/2014/main" id="{00EEA9C5-552A-48A1-AB54-ED54209B3B48}"/>
+                <a16:creationId xmlns="" xmlns:a16="http://schemas.microsoft.com/office/drawing/2014/main" id="{00EEA9C5-552A-48A1-AB54-ED54209B3B48}"/>
               </a:ext>
             </a:extLst>
           </p:cNvPr>
@@ -9493,7 +9502,7 @@
           <a:p>
             <a:fld id="{40DA1498-92C7-4E4B-8045-C9195F453964}" type="datetimeFigureOut">
               <a:rPr lang="en-US" smtClean="0"/>
-              <a:t>6/25/2019</a:t>
+              <a:t>6/25/19</a:t>
             </a:fld>
             <a:endParaRPr lang="en-US" dirty="0"/>
           </a:p>
@@ -9504,7 +9513,7 @@
           <p:cNvPr id="5" name="Footer Placeholder 4">
             <a:extLst>
               <a:ext uri="{FF2B5EF4-FFF2-40B4-BE49-F238E27FC236}">
-                <a16:creationId xmlns:a16="http://schemas.microsoft.com/office/drawing/2014/main" id="{1A83AAA3-4155-48FB-8F00-16DBE0C9C256}"/>
+                <a16:creationId xmlns="" xmlns:a16="http://schemas.microsoft.com/office/drawing/2014/main" id="{1A83AAA3-4155-48FB-8F00-16DBE0C9C256}"/>
               </a:ext>
             </a:extLst>
           </p:cNvPr>
@@ -9529,7 +9538,7 @@
           <p:cNvPr id="6" name="Slide Number Placeholder 5">
             <a:extLst>
               <a:ext uri="{FF2B5EF4-FFF2-40B4-BE49-F238E27FC236}">
-                <a16:creationId xmlns:a16="http://schemas.microsoft.com/office/drawing/2014/main" id="{5D694EAE-CB3C-4DEF-A66D-583C7AAC92D8}"/>
+                <a16:creationId xmlns="" xmlns:a16="http://schemas.microsoft.com/office/drawing/2014/main" id="{5D694EAE-CB3C-4DEF-A66D-583C7AAC92D8}"/>
               </a:ext>
             </a:extLst>
           </p:cNvPr>
@@ -9588,7 +9597,7 @@
           <p:cNvPr id="2" name="Title 1">
             <a:extLst>
               <a:ext uri="{FF2B5EF4-FFF2-40B4-BE49-F238E27FC236}">
-                <a16:creationId xmlns:a16="http://schemas.microsoft.com/office/drawing/2014/main" id="{4C807FBE-061D-452C-A8A6-213063CFD678}"/>
+                <a16:creationId xmlns="" xmlns:a16="http://schemas.microsoft.com/office/drawing/2014/main" id="{4C807FBE-061D-452C-A8A6-213063CFD678}"/>
               </a:ext>
             </a:extLst>
           </p:cNvPr>
@@ -9616,7 +9625,7 @@
           <p:cNvPr id="3" name="Content Placeholder 2">
             <a:extLst>
               <a:ext uri="{FF2B5EF4-FFF2-40B4-BE49-F238E27FC236}">
-                <a16:creationId xmlns:a16="http://schemas.microsoft.com/office/drawing/2014/main" id="{433A3535-1708-499D-B5D2-7D8F9FD182D0}"/>
+                <a16:creationId xmlns="" xmlns:a16="http://schemas.microsoft.com/office/drawing/2014/main" id="{433A3535-1708-499D-B5D2-7D8F9FD182D0}"/>
               </a:ext>
             </a:extLst>
           </p:cNvPr>
@@ -9673,7 +9682,7 @@
           <p:cNvPr id="4" name="Date Placeholder 3">
             <a:extLst>
               <a:ext uri="{FF2B5EF4-FFF2-40B4-BE49-F238E27FC236}">
-                <a16:creationId xmlns:a16="http://schemas.microsoft.com/office/drawing/2014/main" id="{ACB06063-A112-49AB-80C8-504D99ECD771}"/>
+                <a16:creationId xmlns="" xmlns:a16="http://schemas.microsoft.com/office/drawing/2014/main" id="{ACB06063-A112-49AB-80C8-504D99ECD771}"/>
               </a:ext>
             </a:extLst>
           </p:cNvPr>
@@ -9691,7 +9700,7 @@
           <a:p>
             <a:fld id="{40DA1498-92C7-4E4B-8045-C9195F453964}" type="datetimeFigureOut">
               <a:rPr lang="en-US" smtClean="0"/>
-              <a:t>6/25/2019</a:t>
+              <a:t>6/25/19</a:t>
             </a:fld>
             <a:endParaRPr lang="en-US" dirty="0"/>
           </a:p>
@@ -9702,7 +9711,7 @@
           <p:cNvPr id="5" name="Footer Placeholder 4">
             <a:extLst>
               <a:ext uri="{FF2B5EF4-FFF2-40B4-BE49-F238E27FC236}">
-                <a16:creationId xmlns:a16="http://schemas.microsoft.com/office/drawing/2014/main" id="{6344C8D5-F898-4318-A76D-1FBD87329198}"/>
+                <a16:creationId xmlns="" xmlns:a16="http://schemas.microsoft.com/office/drawing/2014/main" id="{6344C8D5-F898-4318-A76D-1FBD87329198}"/>
               </a:ext>
             </a:extLst>
           </p:cNvPr>
@@ -9727,7 +9736,7 @@
           <p:cNvPr id="6" name="Slide Number Placeholder 5">
             <a:extLst>
               <a:ext uri="{FF2B5EF4-FFF2-40B4-BE49-F238E27FC236}">
-                <a16:creationId xmlns:a16="http://schemas.microsoft.com/office/drawing/2014/main" id="{2976EC76-E8E8-4FFA-B671-7FA2F3EF5DEF}"/>
+                <a16:creationId xmlns="" xmlns:a16="http://schemas.microsoft.com/office/drawing/2014/main" id="{2976EC76-E8E8-4FFA-B671-7FA2F3EF5DEF}"/>
               </a:ext>
             </a:extLst>
           </p:cNvPr>
@@ -9786,7 +9795,7 @@
           <p:cNvPr id="2" name="Title 1">
             <a:extLst>
               <a:ext uri="{FF2B5EF4-FFF2-40B4-BE49-F238E27FC236}">
-                <a16:creationId xmlns:a16="http://schemas.microsoft.com/office/drawing/2014/main" id="{B6C2CABF-E3C1-431A-A69C-D4881CC43F0F}"/>
+                <a16:creationId xmlns="" xmlns:a16="http://schemas.microsoft.com/office/drawing/2014/main" id="{B6C2CABF-E3C1-431A-A69C-D4881CC43F0F}"/>
               </a:ext>
             </a:extLst>
           </p:cNvPr>
@@ -9823,7 +9832,7 @@
           <p:cNvPr id="3" name="Text Placeholder 2">
             <a:extLst>
               <a:ext uri="{FF2B5EF4-FFF2-40B4-BE49-F238E27FC236}">
-                <a16:creationId xmlns:a16="http://schemas.microsoft.com/office/drawing/2014/main" id="{D5584226-69DA-4211-B2C8-C29FD05A4A69}"/>
+                <a16:creationId xmlns="" xmlns:a16="http://schemas.microsoft.com/office/drawing/2014/main" id="{D5584226-69DA-4211-B2C8-C29FD05A4A69}"/>
               </a:ext>
             </a:extLst>
           </p:cNvPr>
@@ -9948,7 +9957,7 @@
           <p:cNvPr id="4" name="Date Placeholder 3">
             <a:extLst>
               <a:ext uri="{FF2B5EF4-FFF2-40B4-BE49-F238E27FC236}">
-                <a16:creationId xmlns:a16="http://schemas.microsoft.com/office/drawing/2014/main" id="{D5FF82DB-B518-40FD-8A66-44B874C055FB}"/>
+                <a16:creationId xmlns="" xmlns:a16="http://schemas.microsoft.com/office/drawing/2014/main" id="{D5FF82DB-B518-40FD-8A66-44B874C055FB}"/>
               </a:ext>
             </a:extLst>
           </p:cNvPr>
@@ -9966,7 +9975,7 @@
           <a:p>
             <a:fld id="{40DA1498-92C7-4E4B-8045-C9195F453964}" type="datetimeFigureOut">
               <a:rPr lang="en-US" smtClean="0"/>
-              <a:t>6/25/2019</a:t>
+              <a:t>6/25/19</a:t>
             </a:fld>
             <a:endParaRPr lang="en-US" dirty="0"/>
           </a:p>
@@ -9977,7 +9986,7 @@
           <p:cNvPr id="5" name="Footer Placeholder 4">
             <a:extLst>
               <a:ext uri="{FF2B5EF4-FFF2-40B4-BE49-F238E27FC236}">
-                <a16:creationId xmlns:a16="http://schemas.microsoft.com/office/drawing/2014/main" id="{FCC1CCEE-725F-4745-837B-87EFB70E71D8}"/>
+                <a16:creationId xmlns="" xmlns:a16="http://schemas.microsoft.com/office/drawing/2014/main" id="{FCC1CCEE-725F-4745-837B-87EFB70E71D8}"/>
               </a:ext>
             </a:extLst>
           </p:cNvPr>
@@ -10002,7 +10011,7 @@
           <p:cNvPr id="6" name="Slide Number Placeholder 5">
             <a:extLst>
               <a:ext uri="{FF2B5EF4-FFF2-40B4-BE49-F238E27FC236}">
-                <a16:creationId xmlns:a16="http://schemas.microsoft.com/office/drawing/2014/main" id="{C561522A-E0E6-406B-BF30-A7C7A57294BE}"/>
+                <a16:creationId xmlns="" xmlns:a16="http://schemas.microsoft.com/office/drawing/2014/main" id="{C561522A-E0E6-406B-BF30-A7C7A57294BE}"/>
               </a:ext>
             </a:extLst>
           </p:cNvPr>
@@ -10061,7 +10070,7 @@
           <p:cNvPr id="2" name="Title 1">
             <a:extLst>
               <a:ext uri="{FF2B5EF4-FFF2-40B4-BE49-F238E27FC236}">
-                <a16:creationId xmlns:a16="http://schemas.microsoft.com/office/drawing/2014/main" id="{DBCC9BDC-6F21-4EF5-A8DD-E35E27EACA58}"/>
+                <a16:creationId xmlns="" xmlns:a16="http://schemas.microsoft.com/office/drawing/2014/main" id="{DBCC9BDC-6F21-4EF5-A8DD-E35E27EACA58}"/>
               </a:ext>
             </a:extLst>
           </p:cNvPr>
@@ -10089,7 +10098,7 @@
           <p:cNvPr id="3" name="Content Placeholder 2">
             <a:extLst>
               <a:ext uri="{FF2B5EF4-FFF2-40B4-BE49-F238E27FC236}">
-                <a16:creationId xmlns:a16="http://schemas.microsoft.com/office/drawing/2014/main" id="{6B968D5F-2AB6-42D3-A54E-AB3E60325170}"/>
+                <a16:creationId xmlns="" xmlns:a16="http://schemas.microsoft.com/office/drawing/2014/main" id="{6B968D5F-2AB6-42D3-A54E-AB3E60325170}"/>
               </a:ext>
             </a:extLst>
           </p:cNvPr>
@@ -10151,7 +10160,7 @@
           <p:cNvPr id="4" name="Content Placeholder 3">
             <a:extLst>
               <a:ext uri="{FF2B5EF4-FFF2-40B4-BE49-F238E27FC236}">
-                <a16:creationId xmlns:a16="http://schemas.microsoft.com/office/drawing/2014/main" id="{465AB07F-D5F7-402A-AE4E-027BF1CA9127}"/>
+                <a16:creationId xmlns="" xmlns:a16="http://schemas.microsoft.com/office/drawing/2014/main" id="{465AB07F-D5F7-402A-AE4E-027BF1CA9127}"/>
               </a:ext>
             </a:extLst>
           </p:cNvPr>
@@ -10213,7 +10222,7 @@
           <p:cNvPr id="5" name="Date Placeholder 4">
             <a:extLst>
               <a:ext uri="{FF2B5EF4-FFF2-40B4-BE49-F238E27FC236}">
-                <a16:creationId xmlns:a16="http://schemas.microsoft.com/office/drawing/2014/main" id="{85108EDC-3863-43B9-93C7-37465DC73B28}"/>
+                <a16:creationId xmlns="" xmlns:a16="http://schemas.microsoft.com/office/drawing/2014/main" id="{85108EDC-3863-43B9-93C7-37465DC73B28}"/>
               </a:ext>
             </a:extLst>
           </p:cNvPr>
@@ -10231,7 +10240,7 @@
           <a:p>
             <a:fld id="{40DA1498-92C7-4E4B-8045-C9195F453964}" type="datetimeFigureOut">
               <a:rPr lang="en-US" smtClean="0"/>
-              <a:t>6/25/2019</a:t>
+              <a:t>6/25/19</a:t>
             </a:fld>
             <a:endParaRPr lang="en-US" dirty="0"/>
           </a:p>
@@ -10242,7 +10251,7 @@
           <p:cNvPr id="6" name="Footer Placeholder 5">
             <a:extLst>
               <a:ext uri="{FF2B5EF4-FFF2-40B4-BE49-F238E27FC236}">
-                <a16:creationId xmlns:a16="http://schemas.microsoft.com/office/drawing/2014/main" id="{A777D452-958D-4159-A9A4-16DD29680A04}"/>
+                <a16:creationId xmlns="" xmlns:a16="http://schemas.microsoft.com/office/drawing/2014/main" id="{A777D452-958D-4159-A9A4-16DD29680A04}"/>
               </a:ext>
             </a:extLst>
           </p:cNvPr>
@@ -10267,7 +10276,7 @@
           <p:cNvPr id="7" name="Slide Number Placeholder 6">
             <a:extLst>
               <a:ext uri="{FF2B5EF4-FFF2-40B4-BE49-F238E27FC236}">
-                <a16:creationId xmlns:a16="http://schemas.microsoft.com/office/drawing/2014/main" id="{289654B6-1460-48B9-AC7E-592F68BAB276}"/>
+                <a16:creationId xmlns="" xmlns:a16="http://schemas.microsoft.com/office/drawing/2014/main" id="{289654B6-1460-48B9-AC7E-592F68BAB276}"/>
               </a:ext>
             </a:extLst>
           </p:cNvPr>
@@ -10326,7 +10335,7 @@
           <p:cNvPr id="2" name="Title 1">
             <a:extLst>
               <a:ext uri="{FF2B5EF4-FFF2-40B4-BE49-F238E27FC236}">
-                <a16:creationId xmlns:a16="http://schemas.microsoft.com/office/drawing/2014/main" id="{7EE8C848-926A-4FD3-A311-A100A2662BE1}"/>
+                <a16:creationId xmlns="" xmlns:a16="http://schemas.microsoft.com/office/drawing/2014/main" id="{7EE8C848-926A-4FD3-A311-A100A2662BE1}"/>
               </a:ext>
             </a:extLst>
           </p:cNvPr>
@@ -10359,7 +10368,7 @@
           <p:cNvPr id="3" name="Text Placeholder 2">
             <a:extLst>
               <a:ext uri="{FF2B5EF4-FFF2-40B4-BE49-F238E27FC236}">
-                <a16:creationId xmlns:a16="http://schemas.microsoft.com/office/drawing/2014/main" id="{3C8ECD90-B4F0-4DFB-BB3D-F2310207896F}"/>
+                <a16:creationId xmlns="" xmlns:a16="http://schemas.microsoft.com/office/drawing/2014/main" id="{3C8ECD90-B4F0-4DFB-BB3D-F2310207896F}"/>
               </a:ext>
             </a:extLst>
           </p:cNvPr>
@@ -10430,7 +10439,7 @@
           <p:cNvPr id="4" name="Content Placeholder 3">
             <a:extLst>
               <a:ext uri="{FF2B5EF4-FFF2-40B4-BE49-F238E27FC236}">
-                <a16:creationId xmlns:a16="http://schemas.microsoft.com/office/drawing/2014/main" id="{335A6C3A-033E-474B-AB97-D8291A04E7DD}"/>
+                <a16:creationId xmlns="" xmlns:a16="http://schemas.microsoft.com/office/drawing/2014/main" id="{335A6C3A-033E-474B-AB97-D8291A04E7DD}"/>
               </a:ext>
             </a:extLst>
           </p:cNvPr>
@@ -10492,7 +10501,7 @@
           <p:cNvPr id="5" name="Text Placeholder 4">
             <a:extLst>
               <a:ext uri="{FF2B5EF4-FFF2-40B4-BE49-F238E27FC236}">
-                <a16:creationId xmlns:a16="http://schemas.microsoft.com/office/drawing/2014/main" id="{A532B928-3A23-4FCA-AD1F-E45A467B54F5}"/>
+                <a16:creationId xmlns="" xmlns:a16="http://schemas.microsoft.com/office/drawing/2014/main" id="{A532B928-3A23-4FCA-AD1F-E45A467B54F5}"/>
               </a:ext>
             </a:extLst>
           </p:cNvPr>
@@ -10563,7 +10572,7 @@
           <p:cNvPr id="6" name="Content Placeholder 5">
             <a:extLst>
               <a:ext uri="{FF2B5EF4-FFF2-40B4-BE49-F238E27FC236}">
-                <a16:creationId xmlns:a16="http://schemas.microsoft.com/office/drawing/2014/main" id="{3BDC8376-6FC6-4A11-B0DB-9A148E9C00E2}"/>
+                <a16:creationId xmlns="" xmlns:a16="http://schemas.microsoft.com/office/drawing/2014/main" id="{3BDC8376-6FC6-4A11-B0DB-9A148E9C00E2}"/>
               </a:ext>
             </a:extLst>
           </p:cNvPr>
@@ -10625,7 +10634,7 @@
           <p:cNvPr id="7" name="Date Placeholder 6">
             <a:extLst>
               <a:ext uri="{FF2B5EF4-FFF2-40B4-BE49-F238E27FC236}">
-                <a16:creationId xmlns:a16="http://schemas.microsoft.com/office/drawing/2014/main" id="{6E80206F-8846-425C-A56E-16FFBA442014}"/>
+                <a16:creationId xmlns="" xmlns:a16="http://schemas.microsoft.com/office/drawing/2014/main" id="{6E80206F-8846-425C-A56E-16FFBA442014}"/>
               </a:ext>
             </a:extLst>
           </p:cNvPr>
@@ -10643,7 +10652,7 @@
           <a:p>
             <a:fld id="{40DA1498-92C7-4E4B-8045-C9195F453964}" type="datetimeFigureOut">
               <a:rPr lang="en-US" smtClean="0"/>
-              <a:t>6/25/2019</a:t>
+              <a:t>6/25/19</a:t>
             </a:fld>
             <a:endParaRPr lang="en-US" dirty="0"/>
           </a:p>
@@ -10654,7 +10663,7 @@
           <p:cNvPr id="8" name="Footer Placeholder 7">
             <a:extLst>
               <a:ext uri="{FF2B5EF4-FFF2-40B4-BE49-F238E27FC236}">
-                <a16:creationId xmlns:a16="http://schemas.microsoft.com/office/drawing/2014/main" id="{6A45E89F-12CF-4561-A5F2-1E05783A3063}"/>
+                <a16:creationId xmlns="" xmlns:a16="http://schemas.microsoft.com/office/drawing/2014/main" id="{6A45E89F-12CF-4561-A5F2-1E05783A3063}"/>
               </a:ext>
             </a:extLst>
           </p:cNvPr>
@@ -10679,7 +10688,7 @@
           <p:cNvPr id="9" name="Slide Number Placeholder 8">
             <a:extLst>
               <a:ext uri="{FF2B5EF4-FFF2-40B4-BE49-F238E27FC236}">
-                <a16:creationId xmlns:a16="http://schemas.microsoft.com/office/drawing/2014/main" id="{9EB4DFE4-927C-43B1-A061-5CB97FFB33BE}"/>
+                <a16:creationId xmlns="" xmlns:a16="http://schemas.microsoft.com/office/drawing/2014/main" id="{9EB4DFE4-927C-43B1-A061-5CB97FFB33BE}"/>
               </a:ext>
             </a:extLst>
           </p:cNvPr>
@@ -10738,7 +10747,7 @@
           <p:cNvPr id="2" name="Title 1">
             <a:extLst>
               <a:ext uri="{FF2B5EF4-FFF2-40B4-BE49-F238E27FC236}">
-                <a16:creationId xmlns:a16="http://schemas.microsoft.com/office/drawing/2014/main" id="{B560E367-8DA0-4655-BCBC-F4280D8642CD}"/>
+                <a16:creationId xmlns="" xmlns:a16="http://schemas.microsoft.com/office/drawing/2014/main" id="{B560E367-8DA0-4655-BCBC-F4280D8642CD}"/>
               </a:ext>
             </a:extLst>
           </p:cNvPr>
@@ -10766,7 +10775,7 @@
           <p:cNvPr id="3" name="Date Placeholder 2">
             <a:extLst>
               <a:ext uri="{FF2B5EF4-FFF2-40B4-BE49-F238E27FC236}">
-                <a16:creationId xmlns:a16="http://schemas.microsoft.com/office/drawing/2014/main" id="{2FEF9592-AA3C-4CF8-A5DB-4D010195A438}"/>
+                <a16:creationId xmlns="" xmlns:a16="http://schemas.microsoft.com/office/drawing/2014/main" id="{2FEF9592-AA3C-4CF8-A5DB-4D010195A438}"/>
               </a:ext>
             </a:extLst>
           </p:cNvPr>
@@ -10784,7 +10793,7 @@
           <a:p>
             <a:fld id="{40DA1498-92C7-4E4B-8045-C9195F453964}" type="datetimeFigureOut">
               <a:rPr lang="en-US" smtClean="0"/>
-              <a:t>6/25/2019</a:t>
+              <a:t>6/25/19</a:t>
             </a:fld>
             <a:endParaRPr lang="en-US" dirty="0"/>
           </a:p>
@@ -10795,7 +10804,7 @@
           <p:cNvPr id="4" name="Footer Placeholder 3">
             <a:extLst>
               <a:ext uri="{FF2B5EF4-FFF2-40B4-BE49-F238E27FC236}">
-                <a16:creationId xmlns:a16="http://schemas.microsoft.com/office/drawing/2014/main" id="{3C2C9377-F93E-4515-852A-264707755154}"/>
+                <a16:creationId xmlns="" xmlns:a16="http://schemas.microsoft.com/office/drawing/2014/main" id="{3C2C9377-F93E-4515-852A-264707755154}"/>
               </a:ext>
             </a:extLst>
           </p:cNvPr>
@@ -10820,7 +10829,7 @@
           <p:cNvPr id="5" name="Slide Number Placeholder 4">
             <a:extLst>
               <a:ext uri="{FF2B5EF4-FFF2-40B4-BE49-F238E27FC236}">
-                <a16:creationId xmlns:a16="http://schemas.microsoft.com/office/drawing/2014/main" id="{9AED076D-476B-42BA-8795-14FE6C1E6974}"/>
+                <a16:creationId xmlns="" xmlns:a16="http://schemas.microsoft.com/office/drawing/2014/main" id="{9AED076D-476B-42BA-8795-14FE6C1E6974}"/>
               </a:ext>
             </a:extLst>
           </p:cNvPr>
@@ -10879,7 +10888,7 @@
           <p:cNvPr id="2" name="Date Placeholder 1">
             <a:extLst>
               <a:ext uri="{FF2B5EF4-FFF2-40B4-BE49-F238E27FC236}">
-                <a16:creationId xmlns:a16="http://schemas.microsoft.com/office/drawing/2014/main" id="{1EA599B4-6AB2-4190-82B5-7667EE1E922A}"/>
+                <a16:creationId xmlns="" xmlns:a16="http://schemas.microsoft.com/office/drawing/2014/main" id="{1EA599B4-6AB2-4190-82B5-7667EE1E922A}"/>
               </a:ext>
             </a:extLst>
           </p:cNvPr>
@@ -10897,7 +10906,7 @@
           <a:p>
             <a:fld id="{40DA1498-92C7-4E4B-8045-C9195F453964}" type="datetimeFigureOut">
               <a:rPr lang="en-US" smtClean="0"/>
-              <a:t>6/25/2019</a:t>
+              <a:t>6/25/19</a:t>
             </a:fld>
             <a:endParaRPr lang="en-US" dirty="0"/>
           </a:p>
@@ -10908,7 +10917,7 @@
           <p:cNvPr id="3" name="Footer Placeholder 2">
             <a:extLst>
               <a:ext uri="{FF2B5EF4-FFF2-40B4-BE49-F238E27FC236}">
-                <a16:creationId xmlns:a16="http://schemas.microsoft.com/office/drawing/2014/main" id="{1B8FBFB3-AD86-4E39-B8AE-B4EC14528156}"/>
+                <a16:creationId xmlns="" xmlns:a16="http://schemas.microsoft.com/office/drawing/2014/main" id="{1B8FBFB3-AD86-4E39-B8AE-B4EC14528156}"/>
               </a:ext>
             </a:extLst>
           </p:cNvPr>
@@ -10933,7 +10942,7 @@
           <p:cNvPr id="4" name="Slide Number Placeholder 3">
             <a:extLst>
               <a:ext uri="{FF2B5EF4-FFF2-40B4-BE49-F238E27FC236}">
-                <a16:creationId xmlns:a16="http://schemas.microsoft.com/office/drawing/2014/main" id="{B9A4AF55-C114-4B60-9A20-56B00A11B3BF}"/>
+                <a16:creationId xmlns="" xmlns:a16="http://schemas.microsoft.com/office/drawing/2014/main" id="{B9A4AF55-C114-4B60-9A20-56B00A11B3BF}"/>
               </a:ext>
             </a:extLst>
           </p:cNvPr>
@@ -10992,7 +11001,7 @@
           <p:cNvPr id="2" name="Title 1">
             <a:extLst>
               <a:ext uri="{FF2B5EF4-FFF2-40B4-BE49-F238E27FC236}">
-                <a16:creationId xmlns:a16="http://schemas.microsoft.com/office/drawing/2014/main" id="{70883DA1-5CB8-405D-9613-8A9B7BC5664C}"/>
+                <a16:creationId xmlns="" xmlns:a16="http://schemas.microsoft.com/office/drawing/2014/main" id="{70883DA1-5CB8-405D-9613-8A9B7BC5664C}"/>
               </a:ext>
             </a:extLst>
           </p:cNvPr>
@@ -11029,7 +11038,7 @@
           <p:cNvPr id="3" name="Content Placeholder 2">
             <a:extLst>
               <a:ext uri="{FF2B5EF4-FFF2-40B4-BE49-F238E27FC236}">
-                <a16:creationId xmlns:a16="http://schemas.microsoft.com/office/drawing/2014/main" id="{9842BB15-A24D-42E9-9CAE-BB827226301E}"/>
+                <a16:creationId xmlns="" xmlns:a16="http://schemas.microsoft.com/office/drawing/2014/main" id="{9842BB15-A24D-42E9-9CAE-BB827226301E}"/>
               </a:ext>
             </a:extLst>
           </p:cNvPr>
@@ -11119,7 +11128,7 @@
           <p:cNvPr id="4" name="Text Placeholder 3">
             <a:extLst>
               <a:ext uri="{FF2B5EF4-FFF2-40B4-BE49-F238E27FC236}">
-                <a16:creationId xmlns:a16="http://schemas.microsoft.com/office/drawing/2014/main" id="{78F0849D-D3C3-462A-9751-4EAB0B9145E4}"/>
+                <a16:creationId xmlns="" xmlns:a16="http://schemas.microsoft.com/office/drawing/2014/main" id="{78F0849D-D3C3-462A-9751-4EAB0B9145E4}"/>
               </a:ext>
             </a:extLst>
           </p:cNvPr>
@@ -11190,7 +11199,7 @@
           <p:cNvPr id="5" name="Date Placeholder 4">
             <a:extLst>
               <a:ext uri="{FF2B5EF4-FFF2-40B4-BE49-F238E27FC236}">
-                <a16:creationId xmlns:a16="http://schemas.microsoft.com/office/drawing/2014/main" id="{F180DD20-7A20-4574-98A4-427795876739}"/>
+                <a16:creationId xmlns="" xmlns:a16="http://schemas.microsoft.com/office/drawing/2014/main" id="{F180DD20-7A20-4574-98A4-427795876739}"/>
               </a:ext>
             </a:extLst>
           </p:cNvPr>
@@ -11208,7 +11217,7 @@
           <a:p>
             <a:fld id="{40DA1498-92C7-4E4B-8045-C9195F453964}" type="datetimeFigureOut">
               <a:rPr lang="en-US" smtClean="0"/>
-              <a:t>6/25/2019</a:t>
+              <a:t>6/25/19</a:t>
             </a:fld>
             <a:endParaRPr lang="en-US" dirty="0"/>
           </a:p>
@@ -11219,7 +11228,7 @@
           <p:cNvPr id="6" name="Footer Placeholder 5">
             <a:extLst>
               <a:ext uri="{FF2B5EF4-FFF2-40B4-BE49-F238E27FC236}">
-                <a16:creationId xmlns:a16="http://schemas.microsoft.com/office/drawing/2014/main" id="{54D0ED2B-71C4-421A-9DB0-676E00C10BDC}"/>
+                <a16:creationId xmlns="" xmlns:a16="http://schemas.microsoft.com/office/drawing/2014/main" id="{54D0ED2B-71C4-421A-9DB0-676E00C10BDC}"/>
               </a:ext>
             </a:extLst>
           </p:cNvPr>
@@ -11244,7 +11253,7 @@
           <p:cNvPr id="7" name="Slide Number Placeholder 6">
             <a:extLst>
               <a:ext uri="{FF2B5EF4-FFF2-40B4-BE49-F238E27FC236}">
-                <a16:creationId xmlns:a16="http://schemas.microsoft.com/office/drawing/2014/main" id="{78C4572A-ADFC-4C53-BCA2-42BDF693BC4D}"/>
+                <a16:creationId xmlns="" xmlns:a16="http://schemas.microsoft.com/office/drawing/2014/main" id="{78C4572A-ADFC-4C53-BCA2-42BDF693BC4D}"/>
               </a:ext>
             </a:extLst>
           </p:cNvPr>
@@ -11303,7 +11312,7 @@
           <p:cNvPr id="2" name="Title 1">
             <a:extLst>
               <a:ext uri="{FF2B5EF4-FFF2-40B4-BE49-F238E27FC236}">
-                <a16:creationId xmlns:a16="http://schemas.microsoft.com/office/drawing/2014/main" id="{028F5C67-EEEC-4AB0-9653-0F80D6B10941}"/>
+                <a16:creationId xmlns="" xmlns:a16="http://schemas.microsoft.com/office/drawing/2014/main" id="{028F5C67-EEEC-4AB0-9653-0F80D6B10941}"/>
               </a:ext>
             </a:extLst>
           </p:cNvPr>
@@ -11340,7 +11349,7 @@
           <p:cNvPr id="3" name="Picture Placeholder 2">
             <a:extLst>
               <a:ext uri="{FF2B5EF4-FFF2-40B4-BE49-F238E27FC236}">
-                <a16:creationId xmlns:a16="http://schemas.microsoft.com/office/drawing/2014/main" id="{1DD50D6D-5277-4324-AF23-5FAF007834EB}"/>
+                <a16:creationId xmlns="" xmlns:a16="http://schemas.microsoft.com/office/drawing/2014/main" id="{1DD50D6D-5277-4324-AF23-5FAF007834EB}"/>
               </a:ext>
             </a:extLst>
           </p:cNvPr>
@@ -11410,7 +11419,7 @@
           <p:cNvPr id="4" name="Text Placeholder 3">
             <a:extLst>
               <a:ext uri="{FF2B5EF4-FFF2-40B4-BE49-F238E27FC236}">
-                <a16:creationId xmlns:a16="http://schemas.microsoft.com/office/drawing/2014/main" id="{75275657-2BF9-4761-96B6-50EE3CFCFAD0}"/>
+                <a16:creationId xmlns="" xmlns:a16="http://schemas.microsoft.com/office/drawing/2014/main" id="{75275657-2BF9-4761-96B6-50EE3CFCFAD0}"/>
               </a:ext>
             </a:extLst>
           </p:cNvPr>
@@ -11481,7 +11490,7 @@
           <p:cNvPr id="5" name="Date Placeholder 4">
             <a:extLst>
               <a:ext uri="{FF2B5EF4-FFF2-40B4-BE49-F238E27FC236}">
-                <a16:creationId xmlns:a16="http://schemas.microsoft.com/office/drawing/2014/main" id="{5C3C3F7B-A4C8-4F9D-8165-BC5186EA0929}"/>
+                <a16:creationId xmlns="" xmlns:a16="http://schemas.microsoft.com/office/drawing/2014/main" id="{5C3C3F7B-A4C8-4F9D-8165-BC5186EA0929}"/>
               </a:ext>
             </a:extLst>
           </p:cNvPr>
@@ -11499,7 +11508,7 @@
           <a:p>
             <a:fld id="{40DA1498-92C7-4E4B-8045-C9195F453964}" type="datetimeFigureOut">
               <a:rPr lang="en-US" smtClean="0"/>
-              <a:t>6/25/2019</a:t>
+              <a:t>6/25/19</a:t>
             </a:fld>
             <a:endParaRPr lang="en-US" dirty="0"/>
           </a:p>
@@ -11510,7 +11519,7 @@
           <p:cNvPr id="6" name="Footer Placeholder 5">
             <a:extLst>
               <a:ext uri="{FF2B5EF4-FFF2-40B4-BE49-F238E27FC236}">
-                <a16:creationId xmlns:a16="http://schemas.microsoft.com/office/drawing/2014/main" id="{DE696EA5-2FA2-464D-982F-C53E6426A843}"/>
+                <a16:creationId xmlns="" xmlns:a16="http://schemas.microsoft.com/office/drawing/2014/main" id="{DE696EA5-2FA2-464D-982F-C53E6426A843}"/>
               </a:ext>
             </a:extLst>
           </p:cNvPr>
@@ -11535,7 +11544,7 @@
           <p:cNvPr id="7" name="Slide Number Placeholder 6">
             <a:extLst>
               <a:ext uri="{FF2B5EF4-FFF2-40B4-BE49-F238E27FC236}">
-                <a16:creationId xmlns:a16="http://schemas.microsoft.com/office/drawing/2014/main" id="{8911B398-191B-4AB1-86ED-00D0046EACF5}"/>
+                <a16:creationId xmlns="" xmlns:a16="http://schemas.microsoft.com/office/drawing/2014/main" id="{8911B398-191B-4AB1-86ED-00D0046EACF5}"/>
               </a:ext>
             </a:extLst>
           </p:cNvPr>
@@ -11599,7 +11608,7 @@
           <p:cNvPr id="2" name="Title Placeholder 1">
             <a:extLst>
               <a:ext uri="{FF2B5EF4-FFF2-40B4-BE49-F238E27FC236}">
-                <a16:creationId xmlns:a16="http://schemas.microsoft.com/office/drawing/2014/main" id="{7B3445CA-54C1-4DDE-A216-DD2414E3F593}"/>
+                <a16:creationId xmlns="" xmlns:a16="http://schemas.microsoft.com/office/drawing/2014/main" id="{7B3445CA-54C1-4DDE-A216-DD2414E3F593}"/>
               </a:ext>
             </a:extLst>
           </p:cNvPr>
@@ -11637,7 +11646,7 @@
           <p:cNvPr id="3" name="Text Placeholder 2">
             <a:extLst>
               <a:ext uri="{FF2B5EF4-FFF2-40B4-BE49-F238E27FC236}">
-                <a16:creationId xmlns:a16="http://schemas.microsoft.com/office/drawing/2014/main" id="{0306395A-6879-4E93-B24E-067F88AC1D69}"/>
+                <a16:creationId xmlns="" xmlns:a16="http://schemas.microsoft.com/office/drawing/2014/main" id="{0306395A-6879-4E93-B24E-067F88AC1D69}"/>
               </a:ext>
             </a:extLst>
           </p:cNvPr>
@@ -11704,7 +11713,7 @@
           <p:cNvPr id="4" name="Date Placeholder 3">
             <a:extLst>
               <a:ext uri="{FF2B5EF4-FFF2-40B4-BE49-F238E27FC236}">
-                <a16:creationId xmlns:a16="http://schemas.microsoft.com/office/drawing/2014/main" id="{9450FF5B-A6A6-4F0F-AA5D-3F0F69A43AEB}"/>
+                <a16:creationId xmlns="" xmlns:a16="http://schemas.microsoft.com/office/drawing/2014/main" id="{9450FF5B-A6A6-4F0F-AA5D-3F0F69A43AEB}"/>
               </a:ext>
             </a:extLst>
           </p:cNvPr>
@@ -11740,7 +11749,7 @@
           <a:p>
             <a:fld id="{40DA1498-92C7-4E4B-8045-C9195F453964}" type="datetimeFigureOut">
               <a:rPr lang="en-US" smtClean="0"/>
-              <a:t>6/25/2019</a:t>
+              <a:t>6/25/19</a:t>
             </a:fld>
             <a:endParaRPr lang="en-US" dirty="0"/>
           </a:p>
@@ -11751,7 +11760,7 @@
           <p:cNvPr id="5" name="Footer Placeholder 4">
             <a:extLst>
               <a:ext uri="{FF2B5EF4-FFF2-40B4-BE49-F238E27FC236}">
-                <a16:creationId xmlns:a16="http://schemas.microsoft.com/office/drawing/2014/main" id="{FA798FAA-76CC-42EF-8BE0-466A41BBAB09}"/>
+                <a16:creationId xmlns="" xmlns:a16="http://schemas.microsoft.com/office/drawing/2014/main" id="{FA798FAA-76CC-42EF-8BE0-466A41BBAB09}"/>
               </a:ext>
             </a:extLst>
           </p:cNvPr>
@@ -11794,7 +11803,7 @@
           <p:cNvPr id="6" name="Slide Number Placeholder 5">
             <a:extLst>
               <a:ext uri="{FF2B5EF4-FFF2-40B4-BE49-F238E27FC236}">
-                <a16:creationId xmlns:a16="http://schemas.microsoft.com/office/drawing/2014/main" id="{5149FF02-6890-4E10-B958-1097AD32C6FA}"/>
+                <a16:creationId xmlns="" xmlns:a16="http://schemas.microsoft.com/office/drawing/2014/main" id="{5149FF02-6890-4E10-B958-1097AD32C6FA}"/>
               </a:ext>
             </a:extLst>
           </p:cNvPr>
@@ -12179,7 +12188,7 @@
           <p:cNvPr id="2" name="Title 1">
             <a:extLst>
               <a:ext uri="{FF2B5EF4-FFF2-40B4-BE49-F238E27FC236}">
-                <a16:creationId xmlns:a16="http://schemas.microsoft.com/office/drawing/2014/main" id="{C4300AEF-1595-4419-801B-6E36A33BB8CF}"/>
+                <a16:creationId xmlns="" xmlns:a16="http://schemas.microsoft.com/office/drawing/2014/main" id="{C4300AEF-1595-4419-801B-6E36A33BB8CF}"/>
               </a:ext>
             </a:extLst>
           </p:cNvPr>
@@ -12210,6 +12219,14 @@
               </a:rPr>
               <a:t>Ride Austin</a:t>
             </a:r>
+            <a:r>
+              <a:rPr lang="en-US" dirty="0">
+                <a:solidFill>
+                  <a:schemeClr val="bg1"/>
+                </a:solidFill>
+              </a:rPr>
+              <a:t/>
+            </a:r>
             <a:br>
               <a:rPr lang="en-US" dirty="0">
                 <a:solidFill>
@@ -12238,10 +12255,10 @@
           <p:cNvPr id="4" name="Diamond 3">
             <a:extLst>
               <a:ext uri="{FF2B5EF4-FFF2-40B4-BE49-F238E27FC236}">
-                <a16:creationId xmlns:a16="http://schemas.microsoft.com/office/drawing/2014/main" id="{1C59176D-59A8-4C02-B448-EE01232FB3E7}"/>
+                <a16:creationId xmlns="" xmlns:a16="http://schemas.microsoft.com/office/drawing/2014/main" id="{1C59176D-59A8-4C02-B448-EE01232FB3E7}"/>
               </a:ext>
               <a:ext uri="{C183D7F6-B498-43B3-948B-1728B52AA6E4}">
-                <adec:decorative xmlns:adec="http://schemas.microsoft.com/office/drawing/2017/decorative" val="1"/>
+                <adec:decorative xmlns="" xmlns:adec="http://schemas.microsoft.com/office/drawing/2017/decorative" val="1"/>
               </a:ext>
             </a:extLst>
           </p:cNvPr>
@@ -12293,10 +12310,10 @@
           <p:cNvPr id="5" name="Diamond 4">
             <a:extLst>
               <a:ext uri="{FF2B5EF4-FFF2-40B4-BE49-F238E27FC236}">
-                <a16:creationId xmlns:a16="http://schemas.microsoft.com/office/drawing/2014/main" id="{A50B1817-3C7F-41BC-8557-7A00C928EE16}"/>
+                <a16:creationId xmlns="" xmlns:a16="http://schemas.microsoft.com/office/drawing/2014/main" id="{A50B1817-3C7F-41BC-8557-7A00C928EE16}"/>
               </a:ext>
               <a:ext uri="{C183D7F6-B498-43B3-948B-1728B52AA6E4}">
-                <adec:decorative xmlns:adec="http://schemas.microsoft.com/office/drawing/2017/decorative" val="1"/>
+                <adec:decorative xmlns="" xmlns:adec="http://schemas.microsoft.com/office/drawing/2017/decorative" val="1"/>
               </a:ext>
             </a:extLst>
           </p:cNvPr>
@@ -12348,7 +12365,7 @@
           <p:cNvPr id="3" name="TextBox 2">
             <a:extLst>
               <a:ext uri="{FF2B5EF4-FFF2-40B4-BE49-F238E27FC236}">
-                <a16:creationId xmlns:a16="http://schemas.microsoft.com/office/drawing/2014/main" id="{09AF7BEB-ABCA-46A9-BE3F-A151C46964B5}"/>
+                <a16:creationId xmlns="" xmlns:a16="http://schemas.microsoft.com/office/drawing/2014/main" id="{09AF7BEB-ABCA-46A9-BE3F-A151C46964B5}"/>
               </a:ext>
             </a:extLst>
           </p:cNvPr>
@@ -12389,7 +12406,7 @@
           <p:cNvPr id="11" name="TextBox 10">
             <a:extLst>
               <a:ext uri="{FF2B5EF4-FFF2-40B4-BE49-F238E27FC236}">
-                <a16:creationId xmlns:a16="http://schemas.microsoft.com/office/drawing/2014/main" id="{3FF9A712-BEB3-4F71-B0A0-B8E5BFA281EB}"/>
+                <a16:creationId xmlns="" xmlns:a16="http://schemas.microsoft.com/office/drawing/2014/main" id="{3FF9A712-BEB3-4F71-B0A0-B8E5BFA281EB}"/>
               </a:ext>
             </a:extLst>
           </p:cNvPr>
@@ -12430,7 +12447,7 @@
           <p:cNvPr id="12" name="TextBox 11">
             <a:extLst>
               <a:ext uri="{FF2B5EF4-FFF2-40B4-BE49-F238E27FC236}">
-                <a16:creationId xmlns:a16="http://schemas.microsoft.com/office/drawing/2014/main" id="{A1F4378A-747E-4828-B7F3-68369D7915AC}"/>
+                <a16:creationId xmlns="" xmlns:a16="http://schemas.microsoft.com/office/drawing/2014/main" id="{A1F4378A-747E-4828-B7F3-68369D7915AC}"/>
               </a:ext>
             </a:extLst>
           </p:cNvPr>
@@ -12471,7 +12488,7 @@
           <p:cNvPr id="13" name="TextBox 12">
             <a:extLst>
               <a:ext uri="{FF2B5EF4-FFF2-40B4-BE49-F238E27FC236}">
-                <a16:creationId xmlns:a16="http://schemas.microsoft.com/office/drawing/2014/main" id="{0B9E4C7E-5161-4DED-A6E4-A800B5FD9426}"/>
+                <a16:creationId xmlns="" xmlns:a16="http://schemas.microsoft.com/office/drawing/2014/main" id="{0B9E4C7E-5161-4DED-A6E4-A800B5FD9426}"/>
               </a:ext>
             </a:extLst>
           </p:cNvPr>
@@ -12521,7 +12538,7 @@
           <p:cNvPr id="14" name="TextBox 13">
             <a:extLst>
               <a:ext uri="{FF2B5EF4-FFF2-40B4-BE49-F238E27FC236}">
-                <a16:creationId xmlns:a16="http://schemas.microsoft.com/office/drawing/2014/main" id="{1A3CE7FA-5579-4E47-BA9A-8A9C0F03F857}"/>
+                <a16:creationId xmlns="" xmlns:a16="http://schemas.microsoft.com/office/drawing/2014/main" id="{1A3CE7FA-5579-4E47-BA9A-8A9C0F03F857}"/>
               </a:ext>
             </a:extLst>
           </p:cNvPr>
@@ -12589,10 +12606,124 @@
       </p:grpSpPr>
       <p:sp>
         <p:nvSpPr>
+          <p:cNvPr id="2" name="Title 1"/>
+          <p:cNvSpPr>
+            <a:spLocks noGrp="1"/>
+          </p:cNvSpPr>
+          <p:nvPr>
+            <p:ph type="title"/>
+          </p:nvPr>
+        </p:nvSpPr>
+        <p:spPr/>
+        <p:txBody>
+          <a:bodyPr/>
+          <a:lstStyle/>
+          <a:p>
+            <a:r>
+              <a:rPr lang="en-US" b="1" dirty="0" smtClean="0"/>
+              <a:t>Project</a:t>
+            </a:r>
+            <a:r>
+              <a:rPr lang="en-US" b="1" dirty="0" smtClean="0">
+                <a:latin typeface="+mn-lt"/>
+              </a:rPr>
+              <a:t> Inspiration</a:t>
+            </a:r>
+            <a:endParaRPr lang="en-US" b="1" dirty="0">
+              <a:latin typeface="+mn-lt"/>
+            </a:endParaRPr>
+          </a:p>
+        </p:txBody>
+      </p:sp>
+      <p:sp>
+        <p:nvSpPr>
+          <p:cNvPr id="3" name="Content Placeholder 2"/>
+          <p:cNvSpPr>
+            <a:spLocks noGrp="1"/>
+          </p:cNvSpPr>
+          <p:nvPr>
+            <p:ph idx="1"/>
+          </p:nvPr>
+        </p:nvSpPr>
+        <p:spPr/>
+        <p:txBody>
+          <a:bodyPr/>
+          <a:lstStyle/>
+          <a:p>
+            <a:r>
+              <a:rPr lang="en-US" dirty="0" smtClean="0"/>
+              <a:t>Ridesharing is a multi billion dollar industry has revolutionized the entire carpooling and taxi service experience.</a:t>
+            </a:r>
+          </a:p>
+          <a:p>
+            <a:r>
+              <a:rPr lang="en-US" dirty="0" smtClean="0"/>
+              <a:t>Provides a comfortable and safe mode of transport where riders can choose from a wide variety of vehicles based on their preference and requirements.</a:t>
+            </a:r>
+          </a:p>
+          <a:p>
+            <a:r>
+              <a:rPr lang="en-US" dirty="0" smtClean="0"/>
+              <a:t>Provides service </a:t>
+            </a:r>
+            <a:r>
+              <a:rPr lang="en-US" dirty="0"/>
+              <a:t>in less populated or poorer areas that are not regularly served by </a:t>
+            </a:r>
+            <a:r>
+              <a:rPr lang="en-US" dirty="0" smtClean="0"/>
+              <a:t>taxicabs </a:t>
+            </a:r>
+            <a:r>
+              <a:rPr lang="en-US" dirty="0"/>
+              <a:t>and charging lower rates than </a:t>
+            </a:r>
+            <a:r>
+              <a:rPr lang="en-US" dirty="0" smtClean="0"/>
+              <a:t>taxicabs.</a:t>
+            </a:r>
+          </a:p>
+          <a:p>
+            <a:endParaRPr lang="en-US" dirty="0"/>
+          </a:p>
+        </p:txBody>
+      </p:sp>
+    </p:spTree>
+    <p:extLst>
+      <p:ext uri="{BB962C8B-B14F-4D97-AF65-F5344CB8AC3E}">
+        <p14:creationId xmlns:p14="http://schemas.microsoft.com/office/powerpoint/2010/main" val="172909908"/>
+      </p:ext>
+    </p:extLst>
+  </p:cSld>
+  <p:clrMapOvr>
+    <a:masterClrMapping/>
+  </p:clrMapOvr>
+</p:sld>
+</file>
+
+<file path=ppt/slides/slide3.xml><?xml version="1.0" encoding="utf-8"?>
+<p:sld xmlns:a="http://schemas.openxmlformats.org/drawingml/2006/main" xmlns:r="http://schemas.openxmlformats.org/officeDocument/2006/relationships" xmlns:p="http://schemas.openxmlformats.org/presentationml/2006/main">
+  <p:cSld>
+    <p:spTree>
+      <p:nvGrpSpPr>
+        <p:cNvPr id="1" name=""/>
+        <p:cNvGrpSpPr/>
+        <p:nvPr/>
+      </p:nvGrpSpPr>
+      <p:grpSpPr>
+        <a:xfrm>
+          <a:off x="0" y="0"/>
+          <a:ext cx="0" cy="0"/>
+          <a:chOff x="0" y="0"/>
+          <a:chExt cx="0" cy="0"/>
+        </a:xfrm>
+      </p:grpSpPr>
+      <p:sp>
+        <p:nvSpPr>
           <p:cNvPr id="2" name="Title 1">
             <a:extLst>
               <a:ext uri="{FF2B5EF4-FFF2-40B4-BE49-F238E27FC236}">
-                <a16:creationId xmlns:a16="http://schemas.microsoft.com/office/drawing/2014/main" id="{4DA04B1F-CF12-44F3-8584-62E94969923E}"/>
+                <a16:creationId xmlns="" xmlns:a16="http://schemas.microsoft.com/office/drawing/2014/main" id="{4DA04B1F-CF12-44F3-8584-62E94969923E}"/>
               </a:ext>
             </a:extLst>
           </p:cNvPr>
@@ -12620,7 +12751,7 @@
           <p:cNvPr id="3" name="Content Placeholder 2">
             <a:extLst>
               <a:ext uri="{FF2B5EF4-FFF2-40B4-BE49-F238E27FC236}">
-                <a16:creationId xmlns:a16="http://schemas.microsoft.com/office/drawing/2014/main" id="{2DB6789B-69C5-42CF-B84F-DA46FCE0B1E4}"/>
+                <a16:creationId xmlns="" xmlns:a16="http://schemas.microsoft.com/office/drawing/2014/main" id="{2DB6789B-69C5-42CF-B84F-DA46FCE0B1E4}"/>
               </a:ext>
             </a:extLst>
           </p:cNvPr>
@@ -12669,7 +12800,7 @@
           <p:cNvPr id="4" name="Picture 3">
             <a:extLst>
               <a:ext uri="{FF2B5EF4-FFF2-40B4-BE49-F238E27FC236}">
-                <a16:creationId xmlns:a16="http://schemas.microsoft.com/office/drawing/2014/main" id="{C9070ED1-256F-4232-A87C-A159DD44A976}"/>
+                <a16:creationId xmlns="" xmlns:a16="http://schemas.microsoft.com/office/drawing/2014/main" id="{C9070ED1-256F-4232-A87C-A159DD44A976}"/>
               </a:ext>
             </a:extLst>
           </p:cNvPr>
@@ -12707,7 +12838,7 @@
 </p:sld>
 </file>
 
-<file path=ppt/slides/slide3.xml><?xml version="1.0" encoding="utf-8"?>
+<file path=ppt/slides/slide4.xml><?xml version="1.0" encoding="utf-8"?>
 <p:sld xmlns:a="http://schemas.openxmlformats.org/drawingml/2006/main" xmlns:r="http://schemas.openxmlformats.org/officeDocument/2006/relationships" xmlns:p="http://schemas.openxmlformats.org/presentationml/2006/main">
   <p:cSld>
     <p:spTree>
@@ -12729,7 +12860,7 @@
           <p:cNvPr id="2" name="Title 1">
             <a:extLst>
               <a:ext uri="{FF2B5EF4-FFF2-40B4-BE49-F238E27FC236}">
-                <a16:creationId xmlns:a16="http://schemas.microsoft.com/office/drawing/2014/main" id="{70657F5B-6232-4435-879C-9C1824831378}"/>
+                <a16:creationId xmlns="" xmlns:a16="http://schemas.microsoft.com/office/drawing/2014/main" id="{70657F5B-6232-4435-879C-9C1824831378}"/>
               </a:ext>
             </a:extLst>
           </p:cNvPr>
@@ -12757,7 +12888,7 @@
           <p:cNvPr id="3" name="Content Placeholder 2">
             <a:extLst>
               <a:ext uri="{FF2B5EF4-FFF2-40B4-BE49-F238E27FC236}">
-                <a16:creationId xmlns:a16="http://schemas.microsoft.com/office/drawing/2014/main" id="{708D45C5-68E5-4E06-B661-DC66B58CEF5B}"/>
+                <a16:creationId xmlns="" xmlns:a16="http://schemas.microsoft.com/office/drawing/2014/main" id="{708D45C5-68E5-4E06-B661-DC66B58CEF5B}"/>
               </a:ext>
             </a:extLst>
           </p:cNvPr>
@@ -12774,36 +12905,81 @@
           <a:lstStyle/>
           <a:p>
             <a:r>
-              <a:rPr lang="en-US" sz="2400" b="1" dirty="0"/>
-              <a:t>Andrew  -Analyzing ride share data to show a Leaflet heat map of ride departures within Austin Texas, hoping to identify popular areas of Austin.</a:t>
+              <a:rPr lang="en-US" b="1" dirty="0"/>
+              <a:t>Andrew</a:t>
             </a:r>
-          </a:p>
-          <a:p>
             <a:r>
               <a:rPr lang="en-US" sz="2400" b="1" dirty="0"/>
-              <a:t>Alex –Will analyze the ride share data driver ratings, very likely will use D3 to create an interactive graph. </a:t>
+              <a:t> </a:t>
             </a:r>
-          </a:p>
-          <a:p>
             <a:r>
-              <a:rPr lang="en-US" dirty="0" err="1"/>
+              <a:rPr lang="en-US" sz="2400" b="1" dirty="0" smtClean="0"/>
+              <a:t>- </a:t>
+            </a:r>
+            <a:r>
+              <a:rPr lang="en-US" sz="2400" dirty="0" smtClean="0"/>
+              <a:t>Analyzing ride share data to show a Leaflet heat map of ride departures within Austin Texas, hoping to identify popular areas of Austin.</a:t>
+            </a:r>
+            <a:endParaRPr lang="en-US" sz="2400" dirty="0"/>
+          </a:p>
+          <a:p>
+            <a:r>
+              <a:rPr lang="en-US" b="1" dirty="0"/>
+              <a:t>Alex</a:t>
+            </a:r>
+            <a:r>
+              <a:rPr lang="en-US" sz="2400" b="1" dirty="0"/>
+              <a:t> –</a:t>
+            </a:r>
+            <a:r>
+              <a:rPr lang="en-US" sz="2400" dirty="0"/>
+              <a:t>Will analyze the ride share data driver ratings, very likely will use D3 to create an interactive graph. </a:t>
+            </a:r>
+          </a:p>
+          <a:p>
+            <a:r>
+              <a:rPr lang="en-US" b="1" dirty="0"/>
               <a:t>Aritra</a:t>
             </a:r>
             <a:r>
               <a:rPr lang="en-US" dirty="0"/>
-              <a:t> –</a:t>
+              <a:t> </a:t>
             </a:r>
-          </a:p>
-          <a:p>
+            <a:r>
+              <a:rPr lang="en-US" dirty="0" smtClean="0"/>
+              <a:t>– </a:t>
+            </a:r>
+            <a:r>
+              <a:rPr lang="en-US" sz="2400" dirty="0" smtClean="0"/>
+              <a:t>Will analyze the most popular vehicles being used and also the number of rides per car brand, will likely be using </a:t>
+            </a:r>
+            <a:r>
+              <a:rPr lang="en-US" sz="2400" dirty="0" err="1" smtClean="0"/>
+              <a:t>plotly</a:t>
+            </a:r>
+            <a:r>
+              <a:rPr lang="en-US" sz="2400" dirty="0" smtClean="0"/>
+              <a:t> to create an interactive graphs showcasing the data</a:t>
+            </a:r>
+            <a:r>
+              <a:rPr lang="en-US" sz="2400" dirty="0" smtClean="0"/>
+              <a:t>.</a:t>
+            </a:r>
             <a:endParaRPr lang="en-US" dirty="0"/>
           </a:p>
           <a:p>
+            <a:r>
+              <a:rPr lang="en-US" b="1" dirty="0"/>
+              <a:t>Brandon</a:t>
+            </a:r>
             <a:r>
               <a:rPr lang="en-US" dirty="0"/>
-              <a:t>Brandon -Will be tackling the back end. Flask routing to the MySQL DB.</a:t>
+              <a:t> -Will be tackling the back end. Flask routing to the MySQL DB</a:t>
             </a:r>
-          </a:p>
-          <a:p>
+            <a:r>
+              <a:rPr lang="en-US" dirty="0" smtClean="0"/>
+              <a:t>.</a:t>
+            </a:r>
             <a:endParaRPr lang="en-US" dirty="0"/>
           </a:p>
         </p:txBody>
@@ -12821,7 +12997,7 @@
 </p:sld>
 </file>
 
-<file path=ppt/slides/slide4.xml><?xml version="1.0" encoding="utf-8"?>
+<file path=ppt/slides/slide5.xml><?xml version="1.0" encoding="utf-8"?>
 <p:sld xmlns:a="http://schemas.openxmlformats.org/drawingml/2006/main" xmlns:r="http://schemas.openxmlformats.org/officeDocument/2006/relationships" xmlns:p="http://schemas.openxmlformats.org/presentationml/2006/main">
   <p:cSld>
     <p:spTree>
@@ -12843,7 +13019,7 @@
           <p:cNvPr id="9" name="Title 8" hidden="1">
             <a:extLst>
               <a:ext uri="{FF2B5EF4-FFF2-40B4-BE49-F238E27FC236}">
-                <a16:creationId xmlns:a16="http://schemas.microsoft.com/office/drawing/2014/main" id="{9FDB6406-0CDB-4213-A1B6-DE47D953FED3}"/>
+                <a16:creationId xmlns="" xmlns:a16="http://schemas.microsoft.com/office/drawing/2014/main" id="{9FDB6406-0CDB-4213-A1B6-DE47D953FED3}"/>
               </a:ext>
             </a:extLst>
           </p:cNvPr>
@@ -12876,10 +13052,10 @@
           <p:cNvPr id="8" name="Straight Connector 7">
             <a:extLst>
               <a:ext uri="{FF2B5EF4-FFF2-40B4-BE49-F238E27FC236}">
-                <a16:creationId xmlns:a16="http://schemas.microsoft.com/office/drawing/2014/main" id="{D0986099-F5F2-4E8B-BE17-81194861A00C}"/>
+                <a16:creationId xmlns="" xmlns:a16="http://schemas.microsoft.com/office/drawing/2014/main" id="{D0986099-F5F2-4E8B-BE17-81194861A00C}"/>
               </a:ext>
               <a:ext uri="{C183D7F6-B498-43B3-948B-1728B52AA6E4}">
-                <adec:decorative xmlns:adec="http://schemas.microsoft.com/office/drawing/2017/decorative" val="1"/>
+                <adec:decorative xmlns="" xmlns:adec="http://schemas.microsoft.com/office/drawing/2017/decorative" val="1"/>
               </a:ext>
             </a:extLst>
           </p:cNvPr>
@@ -12925,7 +13101,7 @@
           <p:cNvPr id="11" name="Title 1">
             <a:extLst>
               <a:ext uri="{FF2B5EF4-FFF2-40B4-BE49-F238E27FC236}">
-                <a16:creationId xmlns:a16="http://schemas.microsoft.com/office/drawing/2014/main" id="{4E3F5479-058B-4FA8-92E9-18CAB8CDC5C5}"/>
+                <a16:creationId xmlns="" xmlns:a16="http://schemas.microsoft.com/office/drawing/2014/main" id="{4E3F5479-058B-4FA8-92E9-18CAB8CDC5C5}"/>
               </a:ext>
             </a:extLst>
           </p:cNvPr>
@@ -12979,6 +13155,17 @@
               </a:rPr>
               <a:t>Ride Departures</a:t>
             </a:r>
+            <a:r>
+              <a:rPr lang="en-US" sz="2800" dirty="0">
+                <a:solidFill>
+                  <a:schemeClr val="tx1">
+                    <a:lumMod val="75000"/>
+                    <a:lumOff val="25000"/>
+                  </a:schemeClr>
+                </a:solidFill>
+              </a:rPr>
+              <a:t/>
+            </a:r>
             <a:br>
               <a:rPr lang="en-US" sz="2800" dirty="0">
                 <a:solidFill>
@@ -13005,10 +13192,10 @@
           <p:cNvPr id="14" name="Straight Connector 13">
             <a:extLst>
               <a:ext uri="{FF2B5EF4-FFF2-40B4-BE49-F238E27FC236}">
-                <a16:creationId xmlns:a16="http://schemas.microsoft.com/office/drawing/2014/main" id="{83E690F4-843A-47A5-8620-4FB01C0D8E68}"/>
+                <a16:creationId xmlns="" xmlns:a16="http://schemas.microsoft.com/office/drawing/2014/main" id="{83E690F4-843A-47A5-8620-4FB01C0D8E68}"/>
               </a:ext>
               <a:ext uri="{C183D7F6-B498-43B3-948B-1728B52AA6E4}">
-                <adec:decorative xmlns:adec="http://schemas.microsoft.com/office/drawing/2017/decorative" val="1"/>
+                <adec:decorative xmlns="" xmlns:adec="http://schemas.microsoft.com/office/drawing/2017/decorative" val="1"/>
               </a:ext>
             </a:extLst>
           </p:cNvPr>
@@ -13054,7 +13241,7 @@
           <p:cNvPr id="2" name="Picture 1">
             <a:extLst>
               <a:ext uri="{FF2B5EF4-FFF2-40B4-BE49-F238E27FC236}">
-                <a16:creationId xmlns:a16="http://schemas.microsoft.com/office/drawing/2014/main" id="{58704176-6B5C-4AF9-8727-19CF63B5EE31}"/>
+                <a16:creationId xmlns="" xmlns:a16="http://schemas.microsoft.com/office/drawing/2014/main" id="{58704176-6B5C-4AF9-8727-19CF63B5EE31}"/>
               </a:ext>
             </a:extLst>
           </p:cNvPr>
@@ -13092,7 +13279,7 @@
 </p:sld>
 </file>
 
-<file path=ppt/slides/slide5.xml><?xml version="1.0" encoding="utf-8"?>
+<file path=ppt/slides/slide6.xml><?xml version="1.0" encoding="utf-8"?>
 <p:sld xmlns:a="http://schemas.openxmlformats.org/drawingml/2006/main" xmlns:r="http://schemas.openxmlformats.org/officeDocument/2006/relationships" xmlns:p="http://schemas.openxmlformats.org/presentationml/2006/main">
   <p:cSld>
     <p:spTree>
@@ -13114,7 +13301,7 @@
           <p:cNvPr id="7" name="Title 6" hidden="1">
             <a:extLst>
               <a:ext uri="{FF2B5EF4-FFF2-40B4-BE49-F238E27FC236}">
-                <a16:creationId xmlns:a16="http://schemas.microsoft.com/office/drawing/2014/main" id="{ED2F5393-91A3-4102-A584-E902285C507A}"/>
+                <a16:creationId xmlns="" xmlns:a16="http://schemas.microsoft.com/office/drawing/2014/main" id="{ED2F5393-91A3-4102-A584-E902285C507A}"/>
               </a:ext>
             </a:extLst>
           </p:cNvPr>
@@ -13147,10 +13334,10 @@
           <p:cNvPr id="8" name="Straight Connector 7">
             <a:extLst>
               <a:ext uri="{FF2B5EF4-FFF2-40B4-BE49-F238E27FC236}">
-                <a16:creationId xmlns:a16="http://schemas.microsoft.com/office/drawing/2014/main" id="{D0986099-F5F2-4E8B-BE17-81194861A00C}"/>
+                <a16:creationId xmlns="" xmlns:a16="http://schemas.microsoft.com/office/drawing/2014/main" id="{D0986099-F5F2-4E8B-BE17-81194861A00C}"/>
               </a:ext>
               <a:ext uri="{C183D7F6-B498-43B3-948B-1728B52AA6E4}">
-                <adec:decorative xmlns:adec="http://schemas.microsoft.com/office/drawing/2017/decorative" val="1"/>
+                <adec:decorative xmlns="" xmlns:adec="http://schemas.microsoft.com/office/drawing/2017/decorative" val="1"/>
               </a:ext>
             </a:extLst>
           </p:cNvPr>
@@ -13196,7 +13383,7 @@
           <p:cNvPr id="11" name="Title 1">
             <a:extLst>
               <a:ext uri="{FF2B5EF4-FFF2-40B4-BE49-F238E27FC236}">
-                <a16:creationId xmlns:a16="http://schemas.microsoft.com/office/drawing/2014/main" id="{4E3F5479-058B-4FA8-92E9-18CAB8CDC5C5}"/>
+                <a16:creationId xmlns="" xmlns:a16="http://schemas.microsoft.com/office/drawing/2014/main" id="{4E3F5479-058B-4FA8-92E9-18CAB8CDC5C5}"/>
               </a:ext>
             </a:extLst>
           </p:cNvPr>
@@ -13250,6 +13437,17 @@
               </a:rPr>
               <a:t>Most Popular Vehicles</a:t>
             </a:r>
+            <a:r>
+              <a:rPr lang="en-US" sz="2800" dirty="0">
+                <a:solidFill>
+                  <a:schemeClr val="tx1">
+                    <a:lumMod val="75000"/>
+                    <a:lumOff val="25000"/>
+                  </a:schemeClr>
+                </a:solidFill>
+              </a:rPr>
+              <a:t/>
+            </a:r>
             <a:br>
               <a:rPr lang="en-US" sz="2800" dirty="0">
                 <a:solidFill>
@@ -13276,10 +13474,10 @@
           <p:cNvPr id="14" name="Straight Connector 13">
             <a:extLst>
               <a:ext uri="{FF2B5EF4-FFF2-40B4-BE49-F238E27FC236}">
-                <a16:creationId xmlns:a16="http://schemas.microsoft.com/office/drawing/2014/main" id="{83E690F4-843A-47A5-8620-4FB01C0D8E68}"/>
+                <a16:creationId xmlns="" xmlns:a16="http://schemas.microsoft.com/office/drawing/2014/main" id="{83E690F4-843A-47A5-8620-4FB01C0D8E68}"/>
               </a:ext>
               <a:ext uri="{C183D7F6-B498-43B3-948B-1728B52AA6E4}">
-                <adec:decorative xmlns:adec="http://schemas.microsoft.com/office/drawing/2017/decorative" val="1"/>
+                <adec:decorative xmlns="" xmlns:adec="http://schemas.microsoft.com/office/drawing/2017/decorative" val="1"/>
               </a:ext>
             </a:extLst>
           </p:cNvPr>
@@ -13325,7 +13523,7 @@
           <p:cNvPr id="32" name="Chart 31">
             <a:extLst>
               <a:ext uri="{FF2B5EF4-FFF2-40B4-BE49-F238E27FC236}">
-                <a16:creationId xmlns:a16="http://schemas.microsoft.com/office/drawing/2014/main" id="{DD6BD977-BA09-430F-9CA9-A468FE46FAB7}"/>
+                <a16:creationId xmlns="" xmlns:a16="http://schemas.microsoft.com/office/drawing/2014/main" id="{DD6BD977-BA09-430F-9CA9-A468FE46FAB7}"/>
               </a:ext>
             </a:extLst>
           </p:cNvPr>
@@ -13363,7 +13561,7 @@
 </p:sld>
 </file>
 
-<file path=ppt/slides/slide6.xml><?xml version="1.0" encoding="utf-8"?>
+<file path=ppt/slides/slide7.xml><?xml version="1.0" encoding="utf-8"?>
 <p:sld xmlns:a="http://schemas.openxmlformats.org/drawingml/2006/main" xmlns:r="http://schemas.openxmlformats.org/officeDocument/2006/relationships" xmlns:p="http://schemas.openxmlformats.org/presentationml/2006/main">
   <p:cSld>
     <p:spTree>
@@ -13382,10 +13580,10 @@
       </p:grpSpPr>
       <p:sp>
         <p:nvSpPr>
-          <p:cNvPr id="4" name="Title 3" hidden="1">
+          <p:cNvPr id="7" name="Title 6" hidden="1">
             <a:extLst>
               <a:ext uri="{FF2B5EF4-FFF2-40B4-BE49-F238E27FC236}">
-                <a16:creationId xmlns:a16="http://schemas.microsoft.com/office/drawing/2014/main" id="{2AC0C949-7A02-4C95-8017-D82E7E71C4F7}"/>
+                <a16:creationId xmlns="" xmlns:a16="http://schemas.microsoft.com/office/drawing/2014/main" id="{166BC32C-2E11-43D3-963B-9766918E0FE5}"/>
               </a:ext>
             </a:extLst>
           </p:cNvPr>
@@ -13408,7 +13606,7 @@
           <a:p>
             <a:r>
               <a:rPr lang="en-US" dirty="0"/>
-              <a:t>Project analysis slide 5</a:t>
+              <a:t>Project analysis slide 6</a:t>
             </a:r>
           </a:p>
         </p:txBody>
@@ -13418,10 +13616,10 @@
           <p:cNvPr id="8" name="Straight Connector 7">
             <a:extLst>
               <a:ext uri="{FF2B5EF4-FFF2-40B4-BE49-F238E27FC236}">
-                <a16:creationId xmlns:a16="http://schemas.microsoft.com/office/drawing/2014/main" id="{D0986099-F5F2-4E8B-BE17-81194861A00C}"/>
+                <a16:creationId xmlns="" xmlns:a16="http://schemas.microsoft.com/office/drawing/2014/main" id="{D0986099-F5F2-4E8B-BE17-81194861A00C}"/>
               </a:ext>
               <a:ext uri="{C183D7F6-B498-43B3-948B-1728B52AA6E4}">
-                <adec:decorative xmlns:adec="http://schemas.microsoft.com/office/drawing/2017/decorative" val="1"/>
+                <adec:decorative xmlns="" xmlns:adec="http://schemas.microsoft.com/office/drawing/2017/decorative" val="1"/>
               </a:ext>
             </a:extLst>
           </p:cNvPr>
@@ -13467,7 +13665,7 @@
           <p:cNvPr id="11" name="Title 1">
             <a:extLst>
               <a:ext uri="{FF2B5EF4-FFF2-40B4-BE49-F238E27FC236}">
-                <a16:creationId xmlns:a16="http://schemas.microsoft.com/office/drawing/2014/main" id="{4E3F5479-058B-4FA8-92E9-18CAB8CDC5C5}"/>
+                <a16:creationId xmlns="" xmlns:a16="http://schemas.microsoft.com/office/drawing/2014/main" id="{4E3F5479-058B-4FA8-92E9-18CAB8CDC5C5}"/>
               </a:ext>
             </a:extLst>
           </p:cNvPr>
@@ -13519,7 +13717,18 @@
                   </a:schemeClr>
                 </a:solidFill>
               </a:rPr>
-              <a:t>Driver Rating</a:t>
+              <a:t>Number of Rides per Auto Make</a:t>
+            </a:r>
+            <a:r>
+              <a:rPr lang="en-US" sz="2800" dirty="0">
+                <a:solidFill>
+                  <a:schemeClr val="tx1">
+                    <a:lumMod val="75000"/>
+                    <a:lumOff val="25000"/>
+                  </a:schemeClr>
+                </a:solidFill>
+              </a:rPr>
+              <a:t/>
             </a:r>
             <a:br>
               <a:rPr lang="en-US" sz="2800" dirty="0">
@@ -13547,10 +13756,292 @@
           <p:cNvPr id="14" name="Straight Connector 13">
             <a:extLst>
               <a:ext uri="{FF2B5EF4-FFF2-40B4-BE49-F238E27FC236}">
-                <a16:creationId xmlns:a16="http://schemas.microsoft.com/office/drawing/2014/main" id="{83E690F4-843A-47A5-8620-4FB01C0D8E68}"/>
+                <a16:creationId xmlns="" xmlns:a16="http://schemas.microsoft.com/office/drawing/2014/main" id="{83E690F4-843A-47A5-8620-4FB01C0D8E68}"/>
               </a:ext>
               <a:ext uri="{C183D7F6-B498-43B3-948B-1728B52AA6E4}">
-                <adec:decorative xmlns:adec="http://schemas.microsoft.com/office/drawing/2017/decorative" val="1"/>
+                <adec:decorative xmlns="" xmlns:adec="http://schemas.microsoft.com/office/drawing/2017/decorative" val="1"/>
+              </a:ext>
+            </a:extLst>
+          </p:cNvPr>
+          <p:cNvCxnSpPr>
+            <a:cxnSpLocks/>
+          </p:cNvCxnSpPr>
+          <p:nvPr/>
+        </p:nvCxnSpPr>
+        <p:spPr>
+          <a:xfrm>
+            <a:off x="0" y="522898"/>
+            <a:ext cx="4086225" cy="0"/>
+          </a:xfrm>
+          <a:prstGeom prst="line">
+            <a:avLst/>
+          </a:prstGeom>
+          <a:ln>
+            <a:solidFill>
+              <a:schemeClr val="accent3">
+                <a:lumMod val="50000"/>
+              </a:schemeClr>
+            </a:solidFill>
+            <a:tailEnd type="oval"/>
+          </a:ln>
+        </p:spPr>
+        <p:style>
+          <a:lnRef idx="1">
+            <a:schemeClr val="accent1"/>
+          </a:lnRef>
+          <a:fillRef idx="0">
+            <a:schemeClr val="accent1"/>
+          </a:fillRef>
+          <a:effectRef idx="0">
+            <a:schemeClr val="accent1"/>
+          </a:effectRef>
+          <a:fontRef idx="minor">
+            <a:schemeClr val="tx1"/>
+          </a:fontRef>
+        </p:style>
+      </p:cxnSp>
+      <p:graphicFrame>
+        <p:nvGraphicFramePr>
+          <p:cNvPr id="47" name="Chart 46">
+            <a:extLst>
+              <a:ext uri="{FF2B5EF4-FFF2-40B4-BE49-F238E27FC236}">
+                <a16:creationId xmlns="" xmlns:a16="http://schemas.microsoft.com/office/drawing/2014/main" id="{372D8C4D-326B-4235-A8D7-C93B0B222EF6}"/>
+              </a:ext>
+            </a:extLst>
+          </p:cNvPr>
+          <p:cNvGraphicFramePr>
+            <a:graphicFrameLocks/>
+          </p:cNvGraphicFramePr>
+          <p:nvPr>
+            <p:extLst>
+              <p:ext uri="{D42A27DB-BD31-4B8C-83A1-F6EECF244321}">
+                <p14:modId xmlns:p14="http://schemas.microsoft.com/office/powerpoint/2010/main" val="3317010859"/>
+              </p:ext>
+            </p:extLst>
+          </p:nvPr>
+        </p:nvGraphicFramePr>
+        <p:xfrm>
+          <a:off x="709027" y="1085544"/>
+          <a:ext cx="10684299" cy="5315256"/>
+        </p:xfrm>
+        <a:graphic>
+          <a:graphicData uri="http://schemas.openxmlformats.org/drawingml/2006/chart">
+            <c:chart xmlns:c="http://schemas.openxmlformats.org/drawingml/2006/chart" xmlns:r="http://schemas.openxmlformats.org/officeDocument/2006/relationships" r:id="rId3"/>
+          </a:graphicData>
+        </a:graphic>
+      </p:graphicFrame>
+    </p:spTree>
+    <p:extLst>
+      <p:ext uri="{BB962C8B-B14F-4D97-AF65-F5344CB8AC3E}">
+        <p14:creationId xmlns:p14="http://schemas.microsoft.com/office/powerpoint/2010/main" val="3887579892"/>
+      </p:ext>
+    </p:extLst>
+  </p:cSld>
+  <p:clrMapOvr>
+    <a:masterClrMapping/>
+  </p:clrMapOvr>
+</p:sld>
+</file>
+
+<file path=ppt/slides/slide8.xml><?xml version="1.0" encoding="utf-8"?>
+<p:sld xmlns:a="http://schemas.openxmlformats.org/drawingml/2006/main" xmlns:r="http://schemas.openxmlformats.org/officeDocument/2006/relationships" xmlns:p="http://schemas.openxmlformats.org/presentationml/2006/main">
+  <p:cSld>
+    <p:spTree>
+      <p:nvGrpSpPr>
+        <p:cNvPr id="1" name=""/>
+        <p:cNvGrpSpPr/>
+        <p:nvPr/>
+      </p:nvGrpSpPr>
+      <p:grpSpPr>
+        <a:xfrm>
+          <a:off x="0" y="0"/>
+          <a:ext cx="0" cy="0"/>
+          <a:chOff x="0" y="0"/>
+          <a:chExt cx="0" cy="0"/>
+        </a:xfrm>
+      </p:grpSpPr>
+      <p:sp>
+        <p:nvSpPr>
+          <p:cNvPr id="4" name="Title 3" hidden="1">
+            <a:extLst>
+              <a:ext uri="{FF2B5EF4-FFF2-40B4-BE49-F238E27FC236}">
+                <a16:creationId xmlns="" xmlns:a16="http://schemas.microsoft.com/office/drawing/2014/main" id="{2AC0C949-7A02-4C95-8017-D82E7E71C4F7}"/>
+              </a:ext>
+            </a:extLst>
+          </p:cNvPr>
+          <p:cNvSpPr>
+            <a:spLocks noGrp="1"/>
+          </p:cNvSpPr>
+          <p:nvPr>
+            <p:ph type="title" idx="4294967295"/>
+          </p:nvPr>
+        </p:nvSpPr>
+        <p:spPr>
+          <a:xfrm>
+            <a:off x="0" y="365125"/>
+            <a:ext cx="10515600" cy="1325563"/>
+          </a:xfrm>
+        </p:spPr>
+        <p:txBody>
+          <a:bodyPr/>
+          <a:lstStyle/>
+          <a:p>
+            <a:r>
+              <a:rPr lang="en-US" dirty="0"/>
+              <a:t>Project analysis slide 5</a:t>
+            </a:r>
+          </a:p>
+        </p:txBody>
+      </p:sp>
+      <p:cxnSp>
+        <p:nvCxnSpPr>
+          <p:cNvPr id="8" name="Straight Connector 7">
+            <a:extLst>
+              <a:ext uri="{FF2B5EF4-FFF2-40B4-BE49-F238E27FC236}">
+                <a16:creationId xmlns="" xmlns:a16="http://schemas.microsoft.com/office/drawing/2014/main" id="{D0986099-F5F2-4E8B-BE17-81194861A00C}"/>
+              </a:ext>
+              <a:ext uri="{C183D7F6-B498-43B3-948B-1728B52AA6E4}">
+                <adec:decorative xmlns="" xmlns:adec="http://schemas.microsoft.com/office/drawing/2017/decorative" val="1"/>
+              </a:ext>
+            </a:extLst>
+          </p:cNvPr>
+          <p:cNvCxnSpPr>
+            <a:cxnSpLocks/>
+          </p:cNvCxnSpPr>
+          <p:nvPr/>
+        </p:nvCxnSpPr>
+        <p:spPr>
+          <a:xfrm>
+            <a:off x="8105775" y="522898"/>
+            <a:ext cx="4086225" cy="0"/>
+          </a:xfrm>
+          <a:prstGeom prst="line">
+            <a:avLst/>
+          </a:prstGeom>
+          <a:ln>
+            <a:solidFill>
+              <a:schemeClr val="accent3">
+                <a:lumMod val="50000"/>
+              </a:schemeClr>
+            </a:solidFill>
+            <a:headEnd type="oval"/>
+          </a:ln>
+        </p:spPr>
+        <p:style>
+          <a:lnRef idx="1">
+            <a:schemeClr val="accent1"/>
+          </a:lnRef>
+          <a:fillRef idx="0">
+            <a:schemeClr val="accent1"/>
+          </a:fillRef>
+          <a:effectRef idx="0">
+            <a:schemeClr val="accent1"/>
+          </a:effectRef>
+          <a:fontRef idx="minor">
+            <a:schemeClr val="tx1"/>
+          </a:fontRef>
+        </p:style>
+      </p:cxnSp>
+      <p:sp>
+        <p:nvSpPr>
+          <p:cNvPr id="11" name="Title 1">
+            <a:extLst>
+              <a:ext uri="{FF2B5EF4-FFF2-40B4-BE49-F238E27FC236}">
+                <a16:creationId xmlns="" xmlns:a16="http://schemas.microsoft.com/office/drawing/2014/main" id="{4E3F5479-058B-4FA8-92E9-18CAB8CDC5C5}"/>
+              </a:ext>
+            </a:extLst>
+          </p:cNvPr>
+          <p:cNvSpPr txBox="1">
+            <a:spLocks/>
+          </p:cNvSpPr>
+          <p:nvPr/>
+        </p:nvSpPr>
+        <p:spPr>
+          <a:xfrm>
+            <a:off x="228600" y="190500"/>
+            <a:ext cx="11734800" cy="775597"/>
+          </a:xfrm>
+          <a:prstGeom prst="rect">
+            <a:avLst/>
+          </a:prstGeom>
+        </p:spPr>
+        <p:txBody>
+          <a:bodyPr vert="horz" wrap="square" lIns="0" tIns="0" rIns="0" bIns="0" rtlCol="0" anchor="t">
+            <a:spAutoFit/>
+          </a:bodyPr>
+          <a:lstStyle>
+            <a:lvl1pPr algn="l" defTabSz="914400" rtl="0" eaLnBrk="1" latinLnBrk="0" hangingPunct="1">
+              <a:lnSpc>
+                <a:spcPct val="90000"/>
+              </a:lnSpc>
+              <a:spcBef>
+                <a:spcPct val="0"/>
+              </a:spcBef>
+              <a:buNone/>
+              <a:defRPr sz="4400" kern="1200">
+                <a:solidFill>
+                  <a:schemeClr val="tx1"/>
+                </a:solidFill>
+                <a:latin typeface="+mj-lt"/>
+                <a:ea typeface="+mj-ea"/>
+                <a:cs typeface="+mj-cs"/>
+              </a:defRPr>
+            </a:lvl1pPr>
+          </a:lstStyle>
+          <a:p>
+            <a:pPr algn="ctr"/>
+            <a:r>
+              <a:rPr lang="en-US" sz="2800" b="1" dirty="0">
+                <a:solidFill>
+                  <a:schemeClr val="tx1">
+                    <a:lumMod val="75000"/>
+                    <a:lumOff val="25000"/>
+                  </a:schemeClr>
+                </a:solidFill>
+              </a:rPr>
+              <a:t>Driver Rating</a:t>
+            </a:r>
+            <a:r>
+              <a:rPr lang="en-US" sz="2800" dirty="0">
+                <a:solidFill>
+                  <a:schemeClr val="tx1">
+                    <a:lumMod val="75000"/>
+                    <a:lumOff val="25000"/>
+                  </a:schemeClr>
+                </a:solidFill>
+              </a:rPr>
+              <a:t/>
+            </a:r>
+            <a:br>
+              <a:rPr lang="en-US" sz="2800" dirty="0">
+                <a:solidFill>
+                  <a:schemeClr val="tx1">
+                    <a:lumMod val="75000"/>
+                    <a:lumOff val="25000"/>
+                  </a:schemeClr>
+                </a:solidFill>
+              </a:rPr>
+            </a:br>
+            <a:endParaRPr lang="en-US" sz="2800" dirty="0">
+              <a:solidFill>
+                <a:schemeClr val="tx1">
+                  <a:lumMod val="75000"/>
+                  <a:lumOff val="25000"/>
+                </a:schemeClr>
+              </a:solidFill>
+            </a:endParaRPr>
+          </a:p>
+        </p:txBody>
+      </p:sp>
+      <p:cxnSp>
+        <p:nvCxnSpPr>
+          <p:cNvPr id="14" name="Straight Connector 13">
+            <a:extLst>
+              <a:ext uri="{FF2B5EF4-FFF2-40B4-BE49-F238E27FC236}">
+                <a16:creationId xmlns="" xmlns:a16="http://schemas.microsoft.com/office/drawing/2014/main" id="{83E690F4-843A-47A5-8620-4FB01C0D8E68}"/>
+              </a:ext>
+              <a:ext uri="{C183D7F6-B498-43B3-948B-1728B52AA6E4}">
+                <adec:decorative xmlns="" xmlns:adec="http://schemas.microsoft.com/office/drawing/2017/decorative" val="1"/>
               </a:ext>
             </a:extLst>
           </p:cNvPr>
@@ -13596,7 +14087,7 @@
           <p:cNvPr id="19" name="Chart 18">
             <a:extLst>
               <a:ext uri="{FF2B5EF4-FFF2-40B4-BE49-F238E27FC236}">
-                <a16:creationId xmlns:a16="http://schemas.microsoft.com/office/drawing/2014/main" id="{4B750A82-DCD1-45B4-A230-451F94B516C2}"/>
+                <a16:creationId xmlns="" xmlns:a16="http://schemas.microsoft.com/office/drawing/2014/main" id="{4B750A82-DCD1-45B4-A230-451F94B516C2}"/>
               </a:ext>
             </a:extLst>
           </p:cNvPr>
@@ -13634,278 +14125,7 @@
 </p:sld>
 </file>
 
-<file path=ppt/slides/slide7.xml><?xml version="1.0" encoding="utf-8"?>
-<p:sld xmlns:a="http://schemas.openxmlformats.org/drawingml/2006/main" xmlns:r="http://schemas.openxmlformats.org/officeDocument/2006/relationships" xmlns:p="http://schemas.openxmlformats.org/presentationml/2006/main">
-  <p:cSld>
-    <p:spTree>
-      <p:nvGrpSpPr>
-        <p:cNvPr id="1" name=""/>
-        <p:cNvGrpSpPr/>
-        <p:nvPr/>
-      </p:nvGrpSpPr>
-      <p:grpSpPr>
-        <a:xfrm>
-          <a:off x="0" y="0"/>
-          <a:ext cx="0" cy="0"/>
-          <a:chOff x="0" y="0"/>
-          <a:chExt cx="0" cy="0"/>
-        </a:xfrm>
-      </p:grpSpPr>
-      <p:sp>
-        <p:nvSpPr>
-          <p:cNvPr id="7" name="Title 6" hidden="1">
-            <a:extLst>
-              <a:ext uri="{FF2B5EF4-FFF2-40B4-BE49-F238E27FC236}">
-                <a16:creationId xmlns:a16="http://schemas.microsoft.com/office/drawing/2014/main" id="{166BC32C-2E11-43D3-963B-9766918E0FE5}"/>
-              </a:ext>
-            </a:extLst>
-          </p:cNvPr>
-          <p:cNvSpPr>
-            <a:spLocks noGrp="1"/>
-          </p:cNvSpPr>
-          <p:nvPr>
-            <p:ph type="title" idx="4294967295"/>
-          </p:nvPr>
-        </p:nvSpPr>
-        <p:spPr>
-          <a:xfrm>
-            <a:off x="0" y="365125"/>
-            <a:ext cx="10515600" cy="1325563"/>
-          </a:xfrm>
-        </p:spPr>
-        <p:txBody>
-          <a:bodyPr/>
-          <a:lstStyle/>
-          <a:p>
-            <a:r>
-              <a:rPr lang="en-US" dirty="0"/>
-              <a:t>Project analysis slide 6</a:t>
-            </a:r>
-          </a:p>
-        </p:txBody>
-      </p:sp>
-      <p:cxnSp>
-        <p:nvCxnSpPr>
-          <p:cNvPr id="8" name="Straight Connector 7">
-            <a:extLst>
-              <a:ext uri="{FF2B5EF4-FFF2-40B4-BE49-F238E27FC236}">
-                <a16:creationId xmlns:a16="http://schemas.microsoft.com/office/drawing/2014/main" id="{D0986099-F5F2-4E8B-BE17-81194861A00C}"/>
-              </a:ext>
-              <a:ext uri="{C183D7F6-B498-43B3-948B-1728B52AA6E4}">
-                <adec:decorative xmlns:adec="http://schemas.microsoft.com/office/drawing/2017/decorative" val="1"/>
-              </a:ext>
-            </a:extLst>
-          </p:cNvPr>
-          <p:cNvCxnSpPr>
-            <a:cxnSpLocks/>
-          </p:cNvCxnSpPr>
-          <p:nvPr/>
-        </p:nvCxnSpPr>
-        <p:spPr>
-          <a:xfrm>
-            <a:off x="8105775" y="522898"/>
-            <a:ext cx="4086225" cy="0"/>
-          </a:xfrm>
-          <a:prstGeom prst="line">
-            <a:avLst/>
-          </a:prstGeom>
-          <a:ln>
-            <a:solidFill>
-              <a:schemeClr val="accent3">
-                <a:lumMod val="50000"/>
-              </a:schemeClr>
-            </a:solidFill>
-            <a:headEnd type="oval"/>
-          </a:ln>
-        </p:spPr>
-        <p:style>
-          <a:lnRef idx="1">
-            <a:schemeClr val="accent1"/>
-          </a:lnRef>
-          <a:fillRef idx="0">
-            <a:schemeClr val="accent1"/>
-          </a:fillRef>
-          <a:effectRef idx="0">
-            <a:schemeClr val="accent1"/>
-          </a:effectRef>
-          <a:fontRef idx="minor">
-            <a:schemeClr val="tx1"/>
-          </a:fontRef>
-        </p:style>
-      </p:cxnSp>
-      <p:sp>
-        <p:nvSpPr>
-          <p:cNvPr id="11" name="Title 1">
-            <a:extLst>
-              <a:ext uri="{FF2B5EF4-FFF2-40B4-BE49-F238E27FC236}">
-                <a16:creationId xmlns:a16="http://schemas.microsoft.com/office/drawing/2014/main" id="{4E3F5479-058B-4FA8-92E9-18CAB8CDC5C5}"/>
-              </a:ext>
-            </a:extLst>
-          </p:cNvPr>
-          <p:cNvSpPr txBox="1">
-            <a:spLocks/>
-          </p:cNvSpPr>
-          <p:nvPr/>
-        </p:nvSpPr>
-        <p:spPr>
-          <a:xfrm>
-            <a:off x="228600" y="190500"/>
-            <a:ext cx="11734800" cy="775597"/>
-          </a:xfrm>
-          <a:prstGeom prst="rect">
-            <a:avLst/>
-          </a:prstGeom>
-        </p:spPr>
-        <p:txBody>
-          <a:bodyPr vert="horz" wrap="square" lIns="0" tIns="0" rIns="0" bIns="0" rtlCol="0" anchor="t">
-            <a:spAutoFit/>
-          </a:bodyPr>
-          <a:lstStyle>
-            <a:lvl1pPr algn="l" defTabSz="914400" rtl="0" eaLnBrk="1" latinLnBrk="0" hangingPunct="1">
-              <a:lnSpc>
-                <a:spcPct val="90000"/>
-              </a:lnSpc>
-              <a:spcBef>
-                <a:spcPct val="0"/>
-              </a:spcBef>
-              <a:buNone/>
-              <a:defRPr sz="4400" kern="1200">
-                <a:solidFill>
-                  <a:schemeClr val="tx1"/>
-                </a:solidFill>
-                <a:latin typeface="+mj-lt"/>
-                <a:ea typeface="+mj-ea"/>
-                <a:cs typeface="+mj-cs"/>
-              </a:defRPr>
-            </a:lvl1pPr>
-          </a:lstStyle>
-          <a:p>
-            <a:pPr algn="ctr"/>
-            <a:r>
-              <a:rPr lang="en-US" sz="2800" b="1" dirty="0">
-                <a:solidFill>
-                  <a:schemeClr val="tx1">
-                    <a:lumMod val="75000"/>
-                    <a:lumOff val="25000"/>
-                  </a:schemeClr>
-                </a:solidFill>
-              </a:rPr>
-              <a:t>Number of Rides per Auto Make</a:t>
-            </a:r>
-            <a:br>
-              <a:rPr lang="en-US" sz="2800" dirty="0">
-                <a:solidFill>
-                  <a:schemeClr val="tx1">
-                    <a:lumMod val="75000"/>
-                    <a:lumOff val="25000"/>
-                  </a:schemeClr>
-                </a:solidFill>
-              </a:rPr>
-            </a:br>
-            <a:endParaRPr lang="en-US" sz="2800" dirty="0">
-              <a:solidFill>
-                <a:schemeClr val="tx1">
-                  <a:lumMod val="75000"/>
-                  <a:lumOff val="25000"/>
-                </a:schemeClr>
-              </a:solidFill>
-            </a:endParaRPr>
-          </a:p>
-        </p:txBody>
-      </p:sp>
-      <p:cxnSp>
-        <p:nvCxnSpPr>
-          <p:cNvPr id="14" name="Straight Connector 13">
-            <a:extLst>
-              <a:ext uri="{FF2B5EF4-FFF2-40B4-BE49-F238E27FC236}">
-                <a16:creationId xmlns:a16="http://schemas.microsoft.com/office/drawing/2014/main" id="{83E690F4-843A-47A5-8620-4FB01C0D8E68}"/>
-              </a:ext>
-              <a:ext uri="{C183D7F6-B498-43B3-948B-1728B52AA6E4}">
-                <adec:decorative xmlns:adec="http://schemas.microsoft.com/office/drawing/2017/decorative" val="1"/>
-              </a:ext>
-            </a:extLst>
-          </p:cNvPr>
-          <p:cNvCxnSpPr>
-            <a:cxnSpLocks/>
-          </p:cNvCxnSpPr>
-          <p:nvPr/>
-        </p:nvCxnSpPr>
-        <p:spPr>
-          <a:xfrm>
-            <a:off x="0" y="522898"/>
-            <a:ext cx="4086225" cy="0"/>
-          </a:xfrm>
-          <a:prstGeom prst="line">
-            <a:avLst/>
-          </a:prstGeom>
-          <a:ln>
-            <a:solidFill>
-              <a:schemeClr val="accent3">
-                <a:lumMod val="50000"/>
-              </a:schemeClr>
-            </a:solidFill>
-            <a:tailEnd type="oval"/>
-          </a:ln>
-        </p:spPr>
-        <p:style>
-          <a:lnRef idx="1">
-            <a:schemeClr val="accent1"/>
-          </a:lnRef>
-          <a:fillRef idx="0">
-            <a:schemeClr val="accent1"/>
-          </a:fillRef>
-          <a:effectRef idx="0">
-            <a:schemeClr val="accent1"/>
-          </a:effectRef>
-          <a:fontRef idx="minor">
-            <a:schemeClr val="tx1"/>
-          </a:fontRef>
-        </p:style>
-      </p:cxnSp>
-      <p:graphicFrame>
-        <p:nvGraphicFramePr>
-          <p:cNvPr id="47" name="Chart 46">
-            <a:extLst>
-              <a:ext uri="{FF2B5EF4-FFF2-40B4-BE49-F238E27FC236}">
-                <a16:creationId xmlns:a16="http://schemas.microsoft.com/office/drawing/2014/main" id="{372D8C4D-326B-4235-A8D7-C93B0B222EF6}"/>
-              </a:ext>
-            </a:extLst>
-          </p:cNvPr>
-          <p:cNvGraphicFramePr>
-            <a:graphicFrameLocks/>
-          </p:cNvGraphicFramePr>
-          <p:nvPr>
-            <p:extLst>
-              <p:ext uri="{D42A27DB-BD31-4B8C-83A1-F6EECF244321}">
-                <p14:modId xmlns:p14="http://schemas.microsoft.com/office/powerpoint/2010/main" val="3317010859"/>
-              </p:ext>
-            </p:extLst>
-          </p:nvPr>
-        </p:nvGraphicFramePr>
-        <p:xfrm>
-          <a:off x="709027" y="1085544"/>
-          <a:ext cx="10684299" cy="5315256"/>
-        </p:xfrm>
-        <a:graphic>
-          <a:graphicData uri="http://schemas.openxmlformats.org/drawingml/2006/chart">
-            <c:chart xmlns:c="http://schemas.openxmlformats.org/drawingml/2006/chart" xmlns:r="http://schemas.openxmlformats.org/officeDocument/2006/relationships" r:id="rId3"/>
-          </a:graphicData>
-        </a:graphic>
-      </p:graphicFrame>
-    </p:spTree>
-    <p:extLst>
-      <p:ext uri="{BB962C8B-B14F-4D97-AF65-F5344CB8AC3E}">
-        <p14:creationId xmlns:p14="http://schemas.microsoft.com/office/powerpoint/2010/main" val="3887579892"/>
-      </p:ext>
-    </p:extLst>
-  </p:cSld>
-  <p:clrMapOvr>
-    <a:masterClrMapping/>
-  </p:clrMapOvr>
-</p:sld>
-</file>
-
-<file path=ppt/slides/slide8.xml><?xml version="1.0" encoding="utf-8"?>
+<file path=ppt/slides/slide9.xml><?xml version="1.0" encoding="utf-8"?>
 <p:sld xmlns:a="http://schemas.openxmlformats.org/drawingml/2006/main" xmlns:r="http://schemas.openxmlformats.org/officeDocument/2006/relationships" xmlns:p="http://schemas.openxmlformats.org/presentationml/2006/main">
   <p:cSld>
     <p:bg>
@@ -13944,10 +14164,10 @@
           <p:cNvPr id="11" name="Group 10">
             <a:extLst>
               <a:ext uri="{FF2B5EF4-FFF2-40B4-BE49-F238E27FC236}">
-                <a16:creationId xmlns:a16="http://schemas.microsoft.com/office/drawing/2014/main" id="{62A21665-C64F-4BDA-B2DE-442D70605718}"/>
+                <a16:creationId xmlns="" xmlns:a16="http://schemas.microsoft.com/office/drawing/2014/main" id="{62A21665-C64F-4BDA-B2DE-442D70605718}"/>
               </a:ext>
               <a:ext uri="{C183D7F6-B498-43B3-948B-1728B52AA6E4}">
-                <adec:decorative xmlns:adec="http://schemas.microsoft.com/office/drawing/2017/decorative" val="1"/>
+                <adec:decorative xmlns="" xmlns:adec="http://schemas.microsoft.com/office/drawing/2017/decorative" val="1"/>
               </a:ext>
             </a:extLst>
           </p:cNvPr>
@@ -13967,7 +14187,7 @@
             <p:cNvPr id="12" name="Diamond 11">
               <a:extLst>
                 <a:ext uri="{FF2B5EF4-FFF2-40B4-BE49-F238E27FC236}">
-                  <a16:creationId xmlns:a16="http://schemas.microsoft.com/office/drawing/2014/main" id="{7DC8B409-5FAC-4539-B25A-26BE925A48AF}"/>
+                  <a16:creationId xmlns="" xmlns:a16="http://schemas.microsoft.com/office/drawing/2014/main" id="{7DC8B409-5FAC-4539-B25A-26BE925A48AF}"/>
                 </a:ext>
               </a:extLst>
             </p:cNvPr>
@@ -14019,7 +14239,7 @@
             <p:cNvPr id="13" name="Diamond 12">
               <a:extLst>
                 <a:ext uri="{FF2B5EF4-FFF2-40B4-BE49-F238E27FC236}">
-                  <a16:creationId xmlns:a16="http://schemas.microsoft.com/office/drawing/2014/main" id="{91498E2F-539C-46D3-AF7C-BB1DAE76B114}"/>
+                  <a16:creationId xmlns="" xmlns:a16="http://schemas.microsoft.com/office/drawing/2014/main" id="{91498E2F-539C-46D3-AF7C-BB1DAE76B114}"/>
                 </a:ext>
               </a:extLst>
             </p:cNvPr>
@@ -14072,7 +14292,7 @@
           <p:cNvPr id="15" name="Title 1">
             <a:extLst>
               <a:ext uri="{FF2B5EF4-FFF2-40B4-BE49-F238E27FC236}">
-                <a16:creationId xmlns:a16="http://schemas.microsoft.com/office/drawing/2014/main" id="{FA061601-468D-486D-B8EE-42BD1BE3ADCC}"/>
+                <a16:creationId xmlns="" xmlns:a16="http://schemas.microsoft.com/office/drawing/2014/main" id="{FA061601-468D-486D-B8EE-42BD1BE3ADCC}"/>
               </a:ext>
             </a:extLst>
           </p:cNvPr>
